--- a/docs/slides.pptx
+++ b/docs/slides.pptx
@@ -4,10 +4,16 @@
   <p:sldMasterIdLst>
     <p:sldMasterId id="2147483648" r:id="rId1"/>
   </p:sldMasterIdLst>
+  <p:notesMasterIdLst>
+    <p:notesMasterId r:id="rId8"/>
+  </p:notesMasterIdLst>
   <p:sldIdLst>
     <p:sldId id="256" r:id="rId2"/>
-    <p:sldId id="257" r:id="rId3"/>
-    <p:sldId id="258" r:id="rId4"/>
+    <p:sldId id="260" r:id="rId3"/>
+    <p:sldId id="257" r:id="rId4"/>
+    <p:sldId id="258" r:id="rId5"/>
+    <p:sldId id="259" r:id="rId6"/>
+    <p:sldId id="2147483639" r:id="rId7"/>
   </p:sldIdLst>
   <p:sldSz cx="12192000" cy="6858000"/>
   <p:notesSz cx="6858000" cy="9144000"/>
@@ -106,7 +112,657 @@
       </a:defRPr>
     </a:lvl9pPr>
   </p:defaultTextStyle>
+  <p:extLst>
+    <p:ext uri="{EFAFB233-063F-42B5-8137-9DF3F51BA10A}">
+      <p15:sldGuideLst xmlns:p15="http://schemas.microsoft.com/office/powerpoint/2012/main"/>
+    </p:ext>
+  </p:extLst>
 </p:presentation>
+</file>
+
+<file path=ppt/notesMasters/notesMaster1.xml><?xml version="1.0" encoding="utf-8"?>
+<p:notesMaster xmlns:a="http://schemas.openxmlformats.org/drawingml/2006/main" xmlns:r="http://schemas.openxmlformats.org/officeDocument/2006/relationships" xmlns:p="http://schemas.openxmlformats.org/presentationml/2006/main">
+  <p:cSld>
+    <p:bg>
+      <p:bgRef idx="1001">
+        <a:schemeClr val="bg1"/>
+      </p:bgRef>
+    </p:bg>
+    <p:spTree>
+      <p:nvGrpSpPr>
+        <p:cNvPr id="1" name=""/>
+        <p:cNvGrpSpPr/>
+        <p:nvPr/>
+      </p:nvGrpSpPr>
+      <p:grpSpPr>
+        <a:xfrm>
+          <a:off x="0" y="0"/>
+          <a:ext cx="0" cy="0"/>
+          <a:chOff x="0" y="0"/>
+          <a:chExt cx="0" cy="0"/>
+        </a:xfrm>
+      </p:grpSpPr>
+      <p:sp>
+        <p:nvSpPr>
+          <p:cNvPr id="2" name="Header Placeholder 1"/>
+          <p:cNvSpPr>
+            <a:spLocks noGrp="1"/>
+          </p:cNvSpPr>
+          <p:nvPr>
+            <p:ph type="hdr" sz="quarter"/>
+          </p:nvPr>
+        </p:nvSpPr>
+        <p:spPr>
+          <a:xfrm>
+            <a:off x="0" y="0"/>
+            <a:ext cx="2971800" cy="458788"/>
+          </a:xfrm>
+          <a:prstGeom prst="rect">
+            <a:avLst/>
+          </a:prstGeom>
+        </p:spPr>
+        <p:txBody>
+          <a:bodyPr vert="horz" lIns="91440" tIns="45720" rIns="91440" bIns="45720" rtlCol="0"/>
+          <a:lstStyle>
+            <a:lvl1pPr algn="l">
+              <a:defRPr sz="1200"/>
+            </a:lvl1pPr>
+          </a:lstStyle>
+          <a:p>
+            <a:endParaRPr lang="en-AU"/>
+          </a:p>
+        </p:txBody>
+      </p:sp>
+      <p:sp>
+        <p:nvSpPr>
+          <p:cNvPr id="3" name="Date Placeholder 2"/>
+          <p:cNvSpPr>
+            <a:spLocks noGrp="1"/>
+          </p:cNvSpPr>
+          <p:nvPr>
+            <p:ph type="dt" idx="1"/>
+          </p:nvPr>
+        </p:nvSpPr>
+        <p:spPr>
+          <a:xfrm>
+            <a:off x="3884613" y="0"/>
+            <a:ext cx="2971800" cy="458788"/>
+          </a:xfrm>
+          <a:prstGeom prst="rect">
+            <a:avLst/>
+          </a:prstGeom>
+        </p:spPr>
+        <p:txBody>
+          <a:bodyPr vert="horz" lIns="91440" tIns="45720" rIns="91440" bIns="45720" rtlCol="0"/>
+          <a:lstStyle>
+            <a:lvl1pPr algn="r">
+              <a:defRPr sz="1200"/>
+            </a:lvl1pPr>
+          </a:lstStyle>
+          <a:p>
+            <a:fld id="{235CBAAE-1A7D-45AB-8CBB-D941E7B0FC5E}" type="datetimeFigureOut">
+              <a:rPr lang="en-AU" smtClean="0"/>
+              <a:t>8/11/2025</a:t>
+            </a:fld>
+            <a:endParaRPr lang="en-AU"/>
+          </a:p>
+        </p:txBody>
+      </p:sp>
+      <p:sp>
+        <p:nvSpPr>
+          <p:cNvPr id="4" name="Slide Image Placeholder 3"/>
+          <p:cNvSpPr>
+            <a:spLocks noGrp="1" noRot="1" noChangeAspect="1"/>
+          </p:cNvSpPr>
+          <p:nvPr>
+            <p:ph type="sldImg" idx="2"/>
+          </p:nvPr>
+        </p:nvSpPr>
+        <p:spPr>
+          <a:xfrm>
+            <a:off x="685800" y="1143000"/>
+            <a:ext cx="5486400" cy="3086100"/>
+          </a:xfrm>
+          <a:prstGeom prst="rect">
+            <a:avLst/>
+          </a:prstGeom>
+          <a:noFill/>
+          <a:ln w="12700">
+            <a:solidFill>
+              <a:prstClr val="black"/>
+            </a:solidFill>
+          </a:ln>
+        </p:spPr>
+        <p:txBody>
+          <a:bodyPr vert="horz" lIns="91440" tIns="45720" rIns="91440" bIns="45720" rtlCol="0" anchor="ctr"/>
+          <a:lstStyle/>
+          <a:p>
+            <a:endParaRPr lang="en-AU"/>
+          </a:p>
+        </p:txBody>
+      </p:sp>
+      <p:sp>
+        <p:nvSpPr>
+          <p:cNvPr id="5" name="Notes Placeholder 4"/>
+          <p:cNvSpPr>
+            <a:spLocks noGrp="1"/>
+          </p:cNvSpPr>
+          <p:nvPr>
+            <p:ph type="body" sz="quarter" idx="3"/>
+          </p:nvPr>
+        </p:nvSpPr>
+        <p:spPr>
+          <a:xfrm>
+            <a:off x="685800" y="4400550"/>
+            <a:ext cx="5486400" cy="3600450"/>
+          </a:xfrm>
+          <a:prstGeom prst="rect">
+            <a:avLst/>
+          </a:prstGeom>
+        </p:spPr>
+        <p:txBody>
+          <a:bodyPr vert="horz" lIns="91440" tIns="45720" rIns="91440" bIns="45720" rtlCol="0"/>
+          <a:lstStyle/>
+          <a:p>
+            <a:pPr lvl="0"/>
+            <a:r>
+              <a:rPr lang="en-US"/>
+              <a:t>Click to edit Master text styles</a:t>
+            </a:r>
+          </a:p>
+          <a:p>
+            <a:pPr lvl="1"/>
+            <a:r>
+              <a:rPr lang="en-US"/>
+              <a:t>Second level</a:t>
+            </a:r>
+          </a:p>
+          <a:p>
+            <a:pPr lvl="2"/>
+            <a:r>
+              <a:rPr lang="en-US"/>
+              <a:t>Third level</a:t>
+            </a:r>
+          </a:p>
+          <a:p>
+            <a:pPr lvl="3"/>
+            <a:r>
+              <a:rPr lang="en-US"/>
+              <a:t>Fourth level</a:t>
+            </a:r>
+          </a:p>
+          <a:p>
+            <a:pPr lvl="4"/>
+            <a:r>
+              <a:rPr lang="en-US"/>
+              <a:t>Fifth level</a:t>
+            </a:r>
+            <a:endParaRPr lang="en-AU"/>
+          </a:p>
+        </p:txBody>
+      </p:sp>
+      <p:sp>
+        <p:nvSpPr>
+          <p:cNvPr id="6" name="Footer Placeholder 5"/>
+          <p:cNvSpPr>
+            <a:spLocks noGrp="1"/>
+          </p:cNvSpPr>
+          <p:nvPr>
+            <p:ph type="ftr" sz="quarter" idx="4"/>
+          </p:nvPr>
+        </p:nvSpPr>
+        <p:spPr>
+          <a:xfrm>
+            <a:off x="0" y="8685213"/>
+            <a:ext cx="2971800" cy="458787"/>
+          </a:xfrm>
+          <a:prstGeom prst="rect">
+            <a:avLst/>
+          </a:prstGeom>
+        </p:spPr>
+        <p:txBody>
+          <a:bodyPr vert="horz" lIns="91440" tIns="45720" rIns="91440" bIns="45720" rtlCol="0" anchor="b"/>
+          <a:lstStyle>
+            <a:lvl1pPr algn="l">
+              <a:defRPr sz="1200"/>
+            </a:lvl1pPr>
+          </a:lstStyle>
+          <a:p>
+            <a:endParaRPr lang="en-AU"/>
+          </a:p>
+        </p:txBody>
+      </p:sp>
+      <p:sp>
+        <p:nvSpPr>
+          <p:cNvPr id="7" name="Slide Number Placeholder 6"/>
+          <p:cNvSpPr>
+            <a:spLocks noGrp="1"/>
+          </p:cNvSpPr>
+          <p:nvPr>
+            <p:ph type="sldNum" sz="quarter" idx="5"/>
+          </p:nvPr>
+        </p:nvSpPr>
+        <p:spPr>
+          <a:xfrm>
+            <a:off x="3884613" y="8685213"/>
+            <a:ext cx="2971800" cy="458787"/>
+          </a:xfrm>
+          <a:prstGeom prst="rect">
+            <a:avLst/>
+          </a:prstGeom>
+        </p:spPr>
+        <p:txBody>
+          <a:bodyPr vert="horz" lIns="91440" tIns="45720" rIns="91440" bIns="45720" rtlCol="0" anchor="b"/>
+          <a:lstStyle>
+            <a:lvl1pPr algn="r">
+              <a:defRPr sz="1200"/>
+            </a:lvl1pPr>
+          </a:lstStyle>
+          <a:p>
+            <a:fld id="{F24B28D4-A384-4D13-B57C-E7F8BF29F9BE}" type="slidenum">
+              <a:rPr lang="en-AU" smtClean="0"/>
+              <a:t>‹#›</a:t>
+            </a:fld>
+            <a:endParaRPr lang="en-AU"/>
+          </a:p>
+        </p:txBody>
+      </p:sp>
+    </p:spTree>
+    <p:extLst>
+      <p:ext uri="{BB962C8B-B14F-4D97-AF65-F5344CB8AC3E}">
+        <p14:creationId xmlns:p14="http://schemas.microsoft.com/office/powerpoint/2010/main" val="3782531638"/>
+      </p:ext>
+    </p:extLst>
+  </p:cSld>
+  <p:clrMap bg1="lt1" tx1="dk1" bg2="lt2" tx2="dk2" accent1="accent1" accent2="accent2" accent3="accent3" accent4="accent4" accent5="accent5" accent6="accent6" hlink="hlink" folHlink="folHlink"/>
+  <p:notesStyle>
+    <a:lvl1pPr marL="0" algn="l" defTabSz="914400" rtl="0" eaLnBrk="1" latinLnBrk="0" hangingPunct="1">
+      <a:defRPr sz="1200" kern="1200">
+        <a:solidFill>
+          <a:schemeClr val="tx1"/>
+        </a:solidFill>
+        <a:latin typeface="+mn-lt"/>
+        <a:ea typeface="+mn-ea"/>
+        <a:cs typeface="+mn-cs"/>
+      </a:defRPr>
+    </a:lvl1pPr>
+    <a:lvl2pPr marL="457200" algn="l" defTabSz="914400" rtl="0" eaLnBrk="1" latinLnBrk="0" hangingPunct="1">
+      <a:defRPr sz="1200" kern="1200">
+        <a:solidFill>
+          <a:schemeClr val="tx1"/>
+        </a:solidFill>
+        <a:latin typeface="+mn-lt"/>
+        <a:ea typeface="+mn-ea"/>
+        <a:cs typeface="+mn-cs"/>
+      </a:defRPr>
+    </a:lvl2pPr>
+    <a:lvl3pPr marL="914400" algn="l" defTabSz="914400" rtl="0" eaLnBrk="1" latinLnBrk="0" hangingPunct="1">
+      <a:defRPr sz="1200" kern="1200">
+        <a:solidFill>
+          <a:schemeClr val="tx1"/>
+        </a:solidFill>
+        <a:latin typeface="+mn-lt"/>
+        <a:ea typeface="+mn-ea"/>
+        <a:cs typeface="+mn-cs"/>
+      </a:defRPr>
+    </a:lvl3pPr>
+    <a:lvl4pPr marL="1371600" algn="l" defTabSz="914400" rtl="0" eaLnBrk="1" latinLnBrk="0" hangingPunct="1">
+      <a:defRPr sz="1200" kern="1200">
+        <a:solidFill>
+          <a:schemeClr val="tx1"/>
+        </a:solidFill>
+        <a:latin typeface="+mn-lt"/>
+        <a:ea typeface="+mn-ea"/>
+        <a:cs typeface="+mn-cs"/>
+      </a:defRPr>
+    </a:lvl4pPr>
+    <a:lvl5pPr marL="1828800" algn="l" defTabSz="914400" rtl="0" eaLnBrk="1" latinLnBrk="0" hangingPunct="1">
+      <a:defRPr sz="1200" kern="1200">
+        <a:solidFill>
+          <a:schemeClr val="tx1"/>
+        </a:solidFill>
+        <a:latin typeface="+mn-lt"/>
+        <a:ea typeface="+mn-ea"/>
+        <a:cs typeface="+mn-cs"/>
+      </a:defRPr>
+    </a:lvl5pPr>
+    <a:lvl6pPr marL="2286000" algn="l" defTabSz="914400" rtl="0" eaLnBrk="1" latinLnBrk="0" hangingPunct="1">
+      <a:defRPr sz="1200" kern="1200">
+        <a:solidFill>
+          <a:schemeClr val="tx1"/>
+        </a:solidFill>
+        <a:latin typeface="+mn-lt"/>
+        <a:ea typeface="+mn-ea"/>
+        <a:cs typeface="+mn-cs"/>
+      </a:defRPr>
+    </a:lvl6pPr>
+    <a:lvl7pPr marL="2743200" algn="l" defTabSz="914400" rtl="0" eaLnBrk="1" latinLnBrk="0" hangingPunct="1">
+      <a:defRPr sz="1200" kern="1200">
+        <a:solidFill>
+          <a:schemeClr val="tx1"/>
+        </a:solidFill>
+        <a:latin typeface="+mn-lt"/>
+        <a:ea typeface="+mn-ea"/>
+        <a:cs typeface="+mn-cs"/>
+      </a:defRPr>
+    </a:lvl7pPr>
+    <a:lvl8pPr marL="3200400" algn="l" defTabSz="914400" rtl="0" eaLnBrk="1" latinLnBrk="0" hangingPunct="1">
+      <a:defRPr sz="1200" kern="1200">
+        <a:solidFill>
+          <a:schemeClr val="tx1"/>
+        </a:solidFill>
+        <a:latin typeface="+mn-lt"/>
+        <a:ea typeface="+mn-ea"/>
+        <a:cs typeface="+mn-cs"/>
+      </a:defRPr>
+    </a:lvl8pPr>
+    <a:lvl9pPr marL="3657600" algn="l" defTabSz="914400" rtl="0" eaLnBrk="1" latinLnBrk="0" hangingPunct="1">
+      <a:defRPr sz="1200" kern="1200">
+        <a:solidFill>
+          <a:schemeClr val="tx1"/>
+        </a:solidFill>
+        <a:latin typeface="+mn-lt"/>
+        <a:ea typeface="+mn-ea"/>
+        <a:cs typeface="+mn-cs"/>
+      </a:defRPr>
+    </a:lvl9pPr>
+  </p:notesStyle>
+</p:notesMaster>
+</file>
+
+<file path=ppt/notesSlides/notesSlide1.xml><?xml version="1.0" encoding="utf-8"?>
+<p:notes xmlns:a="http://schemas.openxmlformats.org/drawingml/2006/main" xmlns:r="http://schemas.openxmlformats.org/officeDocument/2006/relationships" xmlns:p="http://schemas.openxmlformats.org/presentationml/2006/main">
+  <p:cSld>
+    <p:spTree>
+      <p:nvGrpSpPr>
+        <p:cNvPr id="1" name="">
+          <a:extLst>
+            <a:ext uri="{FF2B5EF4-FFF2-40B4-BE49-F238E27FC236}">
+              <a16:creationId xmlns:a16="http://schemas.microsoft.com/office/drawing/2014/main" id="{0374EB6A-917F-F398-2BE3-8F10C5E6ECF3}"/>
+            </a:ext>
+          </a:extLst>
+        </p:cNvPr>
+        <p:cNvGrpSpPr/>
+        <p:nvPr/>
+      </p:nvGrpSpPr>
+      <p:grpSpPr>
+        <a:xfrm>
+          <a:off x="0" y="0"/>
+          <a:ext cx="0" cy="0"/>
+          <a:chOff x="0" y="0"/>
+          <a:chExt cx="0" cy="0"/>
+        </a:xfrm>
+      </p:grpSpPr>
+      <p:sp>
+        <p:nvSpPr>
+          <p:cNvPr id="2" name="Slide Image Placeholder 1">
+            <a:extLst>
+              <a:ext uri="{FF2B5EF4-FFF2-40B4-BE49-F238E27FC236}">
+                <a16:creationId xmlns:a16="http://schemas.microsoft.com/office/drawing/2014/main" id="{3F74C757-2713-9AAD-F7D0-0C896A41852A}"/>
+              </a:ext>
+            </a:extLst>
+          </p:cNvPr>
+          <p:cNvSpPr>
+            <a:spLocks noGrp="1" noRot="1" noChangeAspect="1"/>
+          </p:cNvSpPr>
+          <p:nvPr>
+            <p:ph type="sldImg"/>
+          </p:nvPr>
+        </p:nvSpPr>
+        <p:spPr/>
+        <p:txBody>
+          <a:bodyPr/>
+          <a:lstStyle/>
+          <a:p>
+            <a:endParaRPr lang="en-AU"/>
+          </a:p>
+        </p:txBody>
+      </p:sp>
+      <p:sp>
+        <p:nvSpPr>
+          <p:cNvPr id="3" name="Notes Placeholder 2">
+            <a:extLst>
+              <a:ext uri="{FF2B5EF4-FFF2-40B4-BE49-F238E27FC236}">
+                <a16:creationId xmlns:a16="http://schemas.microsoft.com/office/drawing/2014/main" id="{C5E3D978-367F-BD57-260B-AB9151BF11B3}"/>
+              </a:ext>
+            </a:extLst>
+          </p:cNvPr>
+          <p:cNvSpPr>
+            <a:spLocks noGrp="1"/>
+          </p:cNvSpPr>
+          <p:nvPr>
+            <p:ph type="body" idx="1"/>
+          </p:nvPr>
+        </p:nvSpPr>
+        <p:spPr/>
+        <p:txBody>
+          <a:bodyPr/>
+          <a:lstStyle/>
+          <a:p>
+            <a:r>
+              <a:rPr lang="en-US" sz="882" b="1" kern="1200" dirty="0">
+                <a:solidFill>
+                  <a:schemeClr val="tx1"/>
+                </a:solidFill>
+                <a:effectLst/>
+                <a:latin typeface="Segoe UI" panose="020B0502040204020203" pitchFamily="34" charset="0"/>
+                <a:ea typeface="+mn-ea"/>
+                <a:cs typeface="+mn-cs"/>
+              </a:rPr>
+              <a:t>### Evolution of AI Agents – How does Function Calling work?</a:t>
+            </a:r>
+            <a:endParaRPr lang="en-US" sz="882" b="0" kern="1200" dirty="0">
+              <a:solidFill>
+                <a:schemeClr val="tx1"/>
+              </a:solidFill>
+              <a:effectLst/>
+              <a:latin typeface="Segoe UI" panose="020B0502040204020203" pitchFamily="34" charset="0"/>
+              <a:ea typeface="+mn-ea"/>
+              <a:cs typeface="+mn-cs"/>
+            </a:endParaRPr>
+          </a:p>
+          <a:p>
+            <a:br>
+              <a:rPr lang="en-US" sz="882" b="0" kern="1200" dirty="0">
+                <a:solidFill>
+                  <a:schemeClr val="tx1"/>
+                </a:solidFill>
+                <a:effectLst/>
+                <a:latin typeface="Segoe UI" panose="020B0502040204020203" pitchFamily="34" charset="0"/>
+                <a:ea typeface="+mn-ea"/>
+                <a:cs typeface="+mn-cs"/>
+              </a:rPr>
+            </a:br>
+            <a:r>
+              <a:rPr lang="en-US" sz="882" b="0" kern="1200" dirty="0">
+                <a:solidFill>
+                  <a:schemeClr val="tx1"/>
+                </a:solidFill>
+                <a:effectLst/>
+                <a:latin typeface="Segoe UI" panose="020B0502040204020203" pitchFamily="34" charset="0"/>
+                <a:ea typeface="+mn-ea"/>
+                <a:cs typeface="+mn-cs"/>
+              </a:rPr>
+              <a:t>Some models support function calling. The way this works is that you can define a set of functions that the model can call. These functions have specific parameters that the model needs to fill in based on the context of the conversation. The model returns a structured output that includes the function name and the parameters required for the function call. If the parameters are not available in the context, the model will continue the conversation to ask the user for the required information.</a:t>
+            </a:r>
+          </a:p>
+          <a:p>
+            <a:br>
+              <a:rPr lang="en-US" sz="882" b="0" kern="1200" dirty="0">
+                <a:solidFill>
+                  <a:schemeClr val="tx1"/>
+                </a:solidFill>
+                <a:effectLst/>
+                <a:latin typeface="Segoe UI" panose="020B0502040204020203" pitchFamily="34" charset="0"/>
+                <a:ea typeface="+mn-ea"/>
+                <a:cs typeface="+mn-cs"/>
+              </a:rPr>
+            </a:br>
+            <a:r>
+              <a:rPr lang="en-US" sz="882" b="0" kern="1200" dirty="0">
+                <a:solidFill>
+                  <a:schemeClr val="tx1"/>
+                </a:solidFill>
+                <a:effectLst/>
+                <a:latin typeface="Segoe UI" panose="020B0502040204020203" pitchFamily="34" charset="0"/>
+                <a:ea typeface="+mn-ea"/>
+                <a:cs typeface="+mn-cs"/>
+              </a:rPr>
+              <a:t>Your host application will respond to the function call by executing the function and returning the result to the model.  This cycle continues until the model has all the information it needs to generate a final response.</a:t>
+            </a:r>
+          </a:p>
+          <a:p>
+            <a:endParaRPr lang="en-US" sz="882" b="0" kern="1200" dirty="0">
+              <a:solidFill>
+                <a:schemeClr val="tx1"/>
+              </a:solidFill>
+              <a:effectLst/>
+              <a:latin typeface="Segoe UI" panose="020B0502040204020203" pitchFamily="34" charset="0"/>
+              <a:ea typeface="+mn-ea"/>
+              <a:cs typeface="+mn-cs"/>
+            </a:endParaRPr>
+          </a:p>
+        </p:txBody>
+      </p:sp>
+      <p:sp>
+        <p:nvSpPr>
+          <p:cNvPr id="4" name="Header Placeholder 3">
+            <a:extLst>
+              <a:ext uri="{FF2B5EF4-FFF2-40B4-BE49-F238E27FC236}">
+                <a16:creationId xmlns:a16="http://schemas.microsoft.com/office/drawing/2014/main" id="{142A6BD3-9CDB-9FF5-5064-A4739D00767D}"/>
+              </a:ext>
+            </a:extLst>
+          </p:cNvPr>
+          <p:cNvSpPr>
+            <a:spLocks noGrp="1"/>
+          </p:cNvSpPr>
+          <p:nvPr>
+            <p:ph type="hdr" sz="quarter"/>
+          </p:nvPr>
+        </p:nvSpPr>
+        <p:spPr/>
+        <p:txBody>
+          <a:bodyPr/>
+          <a:lstStyle/>
+          <a:p>
+            <a:endParaRPr lang="en-US"/>
+          </a:p>
+        </p:txBody>
+      </p:sp>
+      <p:sp>
+        <p:nvSpPr>
+          <p:cNvPr id="5" name="Footer Placeholder 4">
+            <a:extLst>
+              <a:ext uri="{FF2B5EF4-FFF2-40B4-BE49-F238E27FC236}">
+                <a16:creationId xmlns:a16="http://schemas.microsoft.com/office/drawing/2014/main" id="{588298B1-C469-8467-EEA5-170916464F57}"/>
+              </a:ext>
+            </a:extLst>
+          </p:cNvPr>
+          <p:cNvSpPr>
+            <a:spLocks noGrp="1"/>
+          </p:cNvSpPr>
+          <p:nvPr>
+            <p:ph type="ftr" sz="quarter" idx="4"/>
+          </p:nvPr>
+        </p:nvSpPr>
+        <p:spPr/>
+        <p:txBody>
+          <a:bodyPr/>
+          <a:lstStyle/>
+          <a:p>
+            <a:pPr defTabSz="914099" eaLnBrk="0" hangingPunct="0"/>
+            <a:r>
+              <a:rPr lang="en-US" sz="400">
+                <a:gradFill>
+                  <a:gsLst>
+                    <a:gs pos="0">
+                      <a:prstClr val="black"/>
+                    </a:gs>
+                    <a:gs pos="100000">
+                      <a:prstClr val="black"/>
+                    </a:gs>
+                  </a:gsLst>
+                  <a:lin ang="5400000" scaled="0"/>
+                </a:gradFill>
+                <a:latin typeface="Segoe UI" pitchFamily="34" charset="0"/>
+                <a:ea typeface="Segoe UI" pitchFamily="34" charset="0"/>
+                <a:cs typeface="Segoe UI" pitchFamily="34" charset="0"/>
+              </a:rPr>
+              <a:t>© Microsoft Corporation. All rights reserved. MICROSOFT MAKES NO WARRANTIES, EXPRESS, IMPLIED OR STATUTORY, AS TO THE INFORMATION IN THIS PRESENTATION.</a:t>
+            </a:r>
+          </a:p>
+        </p:txBody>
+      </p:sp>
+      <p:sp>
+        <p:nvSpPr>
+          <p:cNvPr id="6" name="Date Placeholder 5">
+            <a:extLst>
+              <a:ext uri="{FF2B5EF4-FFF2-40B4-BE49-F238E27FC236}">
+                <a16:creationId xmlns:a16="http://schemas.microsoft.com/office/drawing/2014/main" id="{CE5B9F8F-204C-4AF1-D7FB-0DF2A1D55003}"/>
+              </a:ext>
+            </a:extLst>
+          </p:cNvPr>
+          <p:cNvSpPr>
+            <a:spLocks noGrp="1"/>
+          </p:cNvSpPr>
+          <p:nvPr>
+            <p:ph type="dt" idx="1"/>
+          </p:nvPr>
+        </p:nvSpPr>
+        <p:spPr/>
+        <p:txBody>
+          <a:bodyPr/>
+          <a:lstStyle/>
+          <a:p>
+            <a:fld id="{386CE63F-9E7F-4C04-9D0D-FCA25A8E9E86}" type="datetime8">
+              <a:rPr lang="en-US" smtClean="0"/>
+              <a:t>11/8/2025 1:25 PM</a:t>
+            </a:fld>
+            <a:endParaRPr lang="en-US"/>
+          </a:p>
+        </p:txBody>
+      </p:sp>
+      <p:sp>
+        <p:nvSpPr>
+          <p:cNvPr id="7" name="Slide Number Placeholder 6">
+            <a:extLst>
+              <a:ext uri="{FF2B5EF4-FFF2-40B4-BE49-F238E27FC236}">
+                <a16:creationId xmlns:a16="http://schemas.microsoft.com/office/drawing/2014/main" id="{FDFC5605-14A9-5EF5-5699-7B7F32DBABEC}"/>
+              </a:ext>
+            </a:extLst>
+          </p:cNvPr>
+          <p:cNvSpPr>
+            <a:spLocks noGrp="1"/>
+          </p:cNvSpPr>
+          <p:nvPr>
+            <p:ph type="sldNum" sz="quarter" idx="5"/>
+          </p:nvPr>
+        </p:nvSpPr>
+        <p:spPr/>
+        <p:txBody>
+          <a:bodyPr/>
+          <a:lstStyle/>
+          <a:p>
+            <a:fld id="{B4008EB6-D09E-4580-8CD6-DDB14511944F}" type="slidenum">
+              <a:rPr lang="en-US" smtClean="0"/>
+              <a:pPr/>
+              <a:t>6</a:t>
+            </a:fld>
+            <a:endParaRPr lang="en-US"/>
+          </a:p>
+        </p:txBody>
+      </p:sp>
+    </p:spTree>
+    <p:extLst>
+      <p:ext uri="{BB962C8B-B14F-4D97-AF65-F5344CB8AC3E}">
+        <p14:creationId xmlns:p14="http://schemas.microsoft.com/office/powerpoint/2010/main" val="717890268"/>
+      </p:ext>
+    </p:extLst>
+  </p:cSld>
+  <p:clrMapOvr>
+    <a:masterClrMapping/>
+  </p:clrMapOvr>
+</p:notes>
 </file>
 
 <file path=ppt/slideLayouts/slideLayout1.xml><?xml version="1.0" encoding="utf-8"?>
@@ -258,7 +914,7 @@
           <a:p>
             <a:fld id="{F662DCD5-2B82-4D20-85CF-992EA875ACA0}" type="datetimeFigureOut">
               <a:rPr lang="en-AU" smtClean="0"/>
-              <a:t>13/05/2025</a:t>
+              <a:t>8/11/2025</a:t>
             </a:fld>
             <a:endParaRPr lang="en-AU"/>
           </a:p>
@@ -458,7 +1114,7 @@
           <a:p>
             <a:fld id="{F662DCD5-2B82-4D20-85CF-992EA875ACA0}" type="datetimeFigureOut">
               <a:rPr lang="en-AU" smtClean="0"/>
-              <a:t>13/05/2025</a:t>
+              <a:t>8/11/2025</a:t>
             </a:fld>
             <a:endParaRPr lang="en-AU"/>
           </a:p>
@@ -668,7 +1324,7 @@
           <a:p>
             <a:fld id="{F662DCD5-2B82-4D20-85CF-992EA875ACA0}" type="datetimeFigureOut">
               <a:rPr lang="en-AU" smtClean="0"/>
-              <a:t>13/05/2025</a:t>
+              <a:t>8/11/2025</a:t>
             </a:fld>
             <a:endParaRPr lang="en-AU"/>
           </a:p>
@@ -868,7 +1524,7 @@
           <a:p>
             <a:fld id="{F662DCD5-2B82-4D20-85CF-992EA875ACA0}" type="datetimeFigureOut">
               <a:rPr lang="en-AU" smtClean="0"/>
-              <a:t>13/05/2025</a:t>
+              <a:t>8/11/2025</a:t>
             </a:fld>
             <a:endParaRPr lang="en-AU"/>
           </a:p>
@@ -1144,7 +1800,7 @@
           <a:p>
             <a:fld id="{F662DCD5-2B82-4D20-85CF-992EA875ACA0}" type="datetimeFigureOut">
               <a:rPr lang="en-AU" smtClean="0"/>
-              <a:t>13/05/2025</a:t>
+              <a:t>8/11/2025</a:t>
             </a:fld>
             <a:endParaRPr lang="en-AU"/>
           </a:p>
@@ -1412,7 +2068,7 @@
           <a:p>
             <a:fld id="{F662DCD5-2B82-4D20-85CF-992EA875ACA0}" type="datetimeFigureOut">
               <a:rPr lang="en-AU" smtClean="0"/>
-              <a:t>13/05/2025</a:t>
+              <a:t>8/11/2025</a:t>
             </a:fld>
             <a:endParaRPr lang="en-AU"/>
           </a:p>
@@ -1827,7 +2483,7 @@
           <a:p>
             <a:fld id="{F662DCD5-2B82-4D20-85CF-992EA875ACA0}" type="datetimeFigureOut">
               <a:rPr lang="en-AU" smtClean="0"/>
-              <a:t>13/05/2025</a:t>
+              <a:t>8/11/2025</a:t>
             </a:fld>
             <a:endParaRPr lang="en-AU"/>
           </a:p>
@@ -1969,7 +2625,7 @@
           <a:p>
             <a:fld id="{F662DCD5-2B82-4D20-85CF-992EA875ACA0}" type="datetimeFigureOut">
               <a:rPr lang="en-AU" smtClean="0"/>
-              <a:t>13/05/2025</a:t>
+              <a:t>8/11/2025</a:t>
             </a:fld>
             <a:endParaRPr lang="en-AU"/>
           </a:p>
@@ -2082,7 +2738,7 @@
           <a:p>
             <a:fld id="{F662DCD5-2B82-4D20-85CF-992EA875ACA0}" type="datetimeFigureOut">
               <a:rPr lang="en-AU" smtClean="0"/>
-              <a:t>13/05/2025</a:t>
+              <a:t>8/11/2025</a:t>
             </a:fld>
             <a:endParaRPr lang="en-AU"/>
           </a:p>
@@ -2395,7 +3051,7 @@
           <a:p>
             <a:fld id="{F662DCD5-2B82-4D20-85CF-992EA875ACA0}" type="datetimeFigureOut">
               <a:rPr lang="en-AU" smtClean="0"/>
-              <a:t>13/05/2025</a:t>
+              <a:t>8/11/2025</a:t>
             </a:fld>
             <a:endParaRPr lang="en-AU"/>
           </a:p>
@@ -2684,7 +3340,7 @@
           <a:p>
             <a:fld id="{F662DCD5-2B82-4D20-85CF-992EA875ACA0}" type="datetimeFigureOut">
               <a:rPr lang="en-AU" smtClean="0"/>
-              <a:t>13/05/2025</a:t>
+              <a:t>8/11/2025</a:t>
             </a:fld>
             <a:endParaRPr lang="en-AU"/>
           </a:p>
@@ -2927,7 +3583,7 @@
           <a:p>
             <a:fld id="{F662DCD5-2B82-4D20-85CF-992EA875ACA0}" type="datetimeFigureOut">
               <a:rPr lang="en-AU" smtClean="0"/>
-              <a:t>13/05/2025</a:t>
+              <a:t>8/11/2025</a:t>
             </a:fld>
             <a:endParaRPr lang="en-AU"/>
           </a:p>
@@ -3424,6 +4080,1346 @@
           <a:chExt cx="0" cy="0"/>
         </a:xfrm>
       </p:grpSpPr>
+      <p:cxnSp>
+        <p:nvCxnSpPr>
+          <p:cNvPr id="3" name="Straight Connector 2">
+            <a:extLst>
+              <a:ext uri="{FF2B5EF4-FFF2-40B4-BE49-F238E27FC236}">
+                <a16:creationId xmlns:a16="http://schemas.microsoft.com/office/drawing/2014/main" id="{98FC4AEB-4726-F24E-51ED-5E5780885814}"/>
+              </a:ext>
+            </a:extLst>
+          </p:cNvPr>
+          <p:cNvCxnSpPr>
+            <a:cxnSpLocks/>
+          </p:cNvCxnSpPr>
+          <p:nvPr/>
+        </p:nvCxnSpPr>
+        <p:spPr>
+          <a:xfrm>
+            <a:off x="5610313" y="1734061"/>
+            <a:ext cx="0" cy="2885440"/>
+          </a:xfrm>
+          <a:prstGeom prst="line">
+            <a:avLst/>
+          </a:prstGeom>
+          <a:ln w="28575">
+            <a:solidFill>
+              <a:schemeClr val="tx1"/>
+            </a:solidFill>
+            <a:prstDash val="dash"/>
+          </a:ln>
+        </p:spPr>
+        <p:style>
+          <a:lnRef idx="2">
+            <a:schemeClr val="accent1"/>
+          </a:lnRef>
+          <a:fillRef idx="0">
+            <a:schemeClr val="accent1"/>
+          </a:fillRef>
+          <a:effectRef idx="1">
+            <a:schemeClr val="accent1"/>
+          </a:effectRef>
+          <a:fontRef idx="minor">
+            <a:schemeClr val="tx1"/>
+          </a:fontRef>
+        </p:style>
+      </p:cxnSp>
+      <p:cxnSp>
+        <p:nvCxnSpPr>
+          <p:cNvPr id="4" name="Straight Connector 3">
+            <a:extLst>
+              <a:ext uri="{FF2B5EF4-FFF2-40B4-BE49-F238E27FC236}">
+                <a16:creationId xmlns:a16="http://schemas.microsoft.com/office/drawing/2014/main" id="{00B3078C-D6C0-11AE-ED7C-89E40C431E79}"/>
+              </a:ext>
+            </a:extLst>
+          </p:cNvPr>
+          <p:cNvCxnSpPr/>
+          <p:nvPr/>
+        </p:nvCxnSpPr>
+        <p:spPr>
+          <a:xfrm>
+            <a:off x="5062045" y="2242145"/>
+            <a:ext cx="507054" cy="0"/>
+          </a:xfrm>
+          <a:prstGeom prst="line">
+            <a:avLst/>
+          </a:prstGeom>
+          <a:ln>
+            <a:solidFill>
+              <a:schemeClr val="tx1"/>
+            </a:solidFill>
+          </a:ln>
+        </p:spPr>
+        <p:style>
+          <a:lnRef idx="2">
+            <a:schemeClr val="accent1"/>
+          </a:lnRef>
+          <a:fillRef idx="0">
+            <a:schemeClr val="accent1"/>
+          </a:fillRef>
+          <a:effectRef idx="1">
+            <a:schemeClr val="accent1"/>
+          </a:effectRef>
+          <a:fontRef idx="minor">
+            <a:schemeClr val="tx1"/>
+          </a:fontRef>
+        </p:style>
+      </p:cxnSp>
+      <p:sp>
+        <p:nvSpPr>
+          <p:cNvPr id="5" name="Rectangle 4">
+            <a:extLst>
+              <a:ext uri="{FF2B5EF4-FFF2-40B4-BE49-F238E27FC236}">
+                <a16:creationId xmlns:a16="http://schemas.microsoft.com/office/drawing/2014/main" id="{4D9F3B2D-ED91-4760-1C61-6122EB0A4FAC}"/>
+              </a:ext>
+            </a:extLst>
+          </p:cNvPr>
+          <p:cNvSpPr/>
+          <p:nvPr/>
+        </p:nvSpPr>
+        <p:spPr>
+          <a:xfrm>
+            <a:off x="3836490" y="1964110"/>
+            <a:ext cx="1249680" cy="590550"/>
+          </a:xfrm>
+          <a:prstGeom prst="rect">
+            <a:avLst/>
+          </a:prstGeom>
+          <a:solidFill>
+            <a:schemeClr val="bg1"/>
+          </a:solidFill>
+          <a:ln w="28575">
+            <a:solidFill>
+              <a:schemeClr val="tx1"/>
+            </a:solidFill>
+          </a:ln>
+        </p:spPr>
+        <p:style>
+          <a:lnRef idx="2">
+            <a:schemeClr val="accent1">
+              <a:shade val="15000"/>
+            </a:schemeClr>
+          </a:lnRef>
+          <a:fillRef idx="1">
+            <a:schemeClr val="accent1"/>
+          </a:fillRef>
+          <a:effectRef idx="0">
+            <a:schemeClr val="accent1"/>
+          </a:effectRef>
+          <a:fontRef idx="minor">
+            <a:schemeClr val="lt1"/>
+          </a:fontRef>
+        </p:style>
+        <p:txBody>
+          <a:bodyPr rtlCol="0" anchor="ctr"/>
+          <a:lstStyle/>
+          <a:p>
+            <a:r>
+              <a:rPr lang="en-US" sz="1600" dirty="0">
+                <a:solidFill>
+                  <a:schemeClr val="tx1"/>
+                </a:solidFill>
+                <a:latin typeface="Comic Sans MS" panose="030F0702030302020204" pitchFamily="66" charset="0"/>
+              </a:rPr>
+              <a:t>Text Input</a:t>
+            </a:r>
+            <a:endParaRPr lang="en-AU" sz="1600" dirty="0">
+              <a:solidFill>
+                <a:schemeClr val="tx1"/>
+              </a:solidFill>
+              <a:latin typeface="Comic Sans MS" panose="030F0702030302020204" pitchFamily="66" charset="0"/>
+            </a:endParaRPr>
+          </a:p>
+        </p:txBody>
+      </p:sp>
+      <p:sp>
+        <p:nvSpPr>
+          <p:cNvPr id="6" name="Arrow: Right 5">
+            <a:extLst>
+              <a:ext uri="{FF2B5EF4-FFF2-40B4-BE49-F238E27FC236}">
+                <a16:creationId xmlns:a16="http://schemas.microsoft.com/office/drawing/2014/main" id="{BAF97533-8DDA-419F-DA68-5FC359D7BE8A}"/>
+              </a:ext>
+            </a:extLst>
+          </p:cNvPr>
+          <p:cNvSpPr/>
+          <p:nvPr/>
+        </p:nvSpPr>
+        <p:spPr>
+          <a:xfrm>
+            <a:off x="7600504" y="2974387"/>
+            <a:ext cx="417732" cy="320726"/>
+          </a:xfrm>
+          <a:prstGeom prst="rightArrow">
+            <a:avLst/>
+          </a:prstGeom>
+          <a:solidFill>
+            <a:schemeClr val="tx1"/>
+          </a:solidFill>
+          <a:ln>
+            <a:solidFill>
+              <a:schemeClr val="tx1"/>
+            </a:solidFill>
+          </a:ln>
+        </p:spPr>
+        <p:style>
+          <a:lnRef idx="2">
+            <a:schemeClr val="accent1">
+              <a:shade val="15000"/>
+            </a:schemeClr>
+          </a:lnRef>
+          <a:fillRef idx="1">
+            <a:schemeClr val="accent1"/>
+          </a:fillRef>
+          <a:effectRef idx="0">
+            <a:schemeClr val="accent1"/>
+          </a:effectRef>
+          <a:fontRef idx="minor">
+            <a:schemeClr val="lt1"/>
+          </a:fontRef>
+        </p:style>
+        <p:txBody>
+          <a:bodyPr rtlCol="0" anchor="ctr"/>
+          <a:lstStyle/>
+          <a:p>
+            <a:pPr algn="ctr"/>
+            <a:endParaRPr lang="en-AU"/>
+          </a:p>
+        </p:txBody>
+      </p:sp>
+      <p:sp>
+        <p:nvSpPr>
+          <p:cNvPr id="7" name="Title 5">
+            <a:extLst>
+              <a:ext uri="{FF2B5EF4-FFF2-40B4-BE49-F238E27FC236}">
+                <a16:creationId xmlns:a16="http://schemas.microsoft.com/office/drawing/2014/main" id="{83F85761-EEC3-0F92-DA25-581187D0A726}"/>
+              </a:ext>
+            </a:extLst>
+          </p:cNvPr>
+          <p:cNvSpPr txBox="1">
+            <a:spLocks/>
+          </p:cNvSpPr>
+          <p:nvPr/>
+        </p:nvSpPr>
+        <p:spPr>
+          <a:xfrm>
+            <a:off x="390354" y="224883"/>
+            <a:ext cx="10084739" cy="553998"/>
+          </a:xfrm>
+          <a:prstGeom prst="rect">
+            <a:avLst/>
+          </a:prstGeom>
+          <a:noFill/>
+          <a:ln>
+            <a:noFill/>
+            <a:prstDash/>
+          </a:ln>
+          <a:effectLst/>
+        </p:spPr>
+        <p:txBody>
+          <a:bodyPr rot="0" spcFirstLastPara="0" vertOverflow="overflow" horzOverflow="overflow" vert="horz" wrap="square" lIns="0" tIns="0" rIns="0" bIns="0" numCol="1" spcCol="0" rtlCol="0" fromWordArt="0" anchor="t" anchorCtr="0" forceAA="0" compatLnSpc="1">
+            <a:prstTxWarp prst="textNoShape">
+              <a:avLst/>
+            </a:prstTxWarp>
+            <a:spAutoFit/>
+          </a:bodyPr>
+          <a:lstStyle>
+            <a:defPPr>
+              <a:defRPr lang="en-US"/>
+            </a:defPPr>
+            <a:lvl1pPr marR="0" lvl="0" indent="0" algn="l" defTabSz="1371600" rtl="0" eaLnBrk="1" fontAlgn="auto" latinLnBrk="0" hangingPunct="1">
+              <a:lnSpc>
+                <a:spcPct val="100000"/>
+              </a:lnSpc>
+              <a:spcBef>
+                <a:spcPts val="0"/>
+              </a:spcBef>
+              <a:spcAft>
+                <a:spcPts val="0"/>
+              </a:spcAft>
+              <a:buClrTx/>
+              <a:buSzTx/>
+              <a:buFontTx/>
+              <a:buNone/>
+              <a:tabLst>
+                <a:tab pos="1371600" algn="l"/>
+              </a:tabLst>
+              <a:defRPr kumimoji="0" lang="en-US" sz="2400" b="0" i="0" u="none" strike="noStrike" kern="1200" cap="none" spc="0" normalizeH="0" baseline="0">
+                <a:ln w="3175">
+                  <a:noFill/>
+                </a:ln>
+                <a:gradFill>
+                  <a:gsLst>
+                    <a:gs pos="0">
+                      <a:srgbClr val="FFA38B"/>
+                    </a:gs>
+                    <a:gs pos="32000">
+                      <a:srgbClr val="D59ED7"/>
+                    </a:gs>
+                    <a:gs pos="68000">
+                      <a:srgbClr val="8DC8E8"/>
+                    </a:gs>
+                    <a:gs pos="100000">
+                      <a:srgbClr val="49C5B1"/>
+                    </a:gs>
+                  </a:gsLst>
+                  <a:path path="circle">
+                    <a:fillToRect l="100000" t="100000"/>
+                  </a:path>
+                </a:gradFill>
+                <a:effectLst/>
+                <a:uLnTx/>
+                <a:uFillTx/>
+                <a:latin typeface="+mj-lt"/>
+                <a:ea typeface="+mn-ea"/>
+                <a:cs typeface="Segoe UI" panose="020B0502040204020203" pitchFamily="34" charset="0"/>
+              </a:defRPr>
+            </a:lvl1pPr>
+            <a:lvl2pPr marL="457200" defTabSz="914400">
+              <a:defRPr sz="1800"/>
+            </a:lvl2pPr>
+            <a:lvl3pPr marL="914400" defTabSz="914400">
+              <a:defRPr sz="1800"/>
+            </a:lvl3pPr>
+            <a:lvl4pPr marL="1371600" defTabSz="914400">
+              <a:defRPr sz="1800"/>
+            </a:lvl4pPr>
+            <a:lvl5pPr marL="1828800" defTabSz="914400">
+              <a:defRPr sz="1800"/>
+            </a:lvl5pPr>
+            <a:lvl6pPr marL="2286000" defTabSz="914400">
+              <a:defRPr sz="1800"/>
+            </a:lvl6pPr>
+            <a:lvl7pPr marL="2743200" defTabSz="914400">
+              <a:defRPr sz="1800"/>
+            </a:lvl7pPr>
+            <a:lvl8pPr marL="3200400" defTabSz="914400">
+              <a:defRPr sz="1800"/>
+            </a:lvl8pPr>
+            <a:lvl9pPr marL="3657600" defTabSz="914400">
+              <a:defRPr sz="1800"/>
+            </a:lvl9pPr>
+          </a:lstStyle>
+          <a:p>
+            <a:pPr>
+              <a:defRPr/>
+            </a:pPr>
+            <a:r>
+              <a:rPr lang="en-US" sz="3600" dirty="0">
+                <a:solidFill>
+                  <a:schemeClr val="tx1"/>
+                </a:solidFill>
+              </a:rPr>
+              <a:t>Model Context Protocol (MCP) Execution Flow</a:t>
+            </a:r>
+            <a:endParaRPr lang="en-US" sz="3600" b="1" spc="-50" dirty="0">
+              <a:solidFill>
+                <a:srgbClr val="8CADC6"/>
+              </a:solidFill>
+              <a:latin typeface="Segoe UI Semibold"/>
+              <a:cs typeface="Segoe UI Semibold"/>
+            </a:endParaRPr>
+          </a:p>
+        </p:txBody>
+      </p:sp>
+      <p:sp>
+        <p:nvSpPr>
+          <p:cNvPr id="9" name="Rectangle 8">
+            <a:extLst>
+              <a:ext uri="{FF2B5EF4-FFF2-40B4-BE49-F238E27FC236}">
+                <a16:creationId xmlns:a16="http://schemas.microsoft.com/office/drawing/2014/main" id="{A371F66F-12BA-F611-AFDD-2345508E3E64}"/>
+              </a:ext>
+            </a:extLst>
+          </p:cNvPr>
+          <p:cNvSpPr/>
+          <p:nvPr/>
+        </p:nvSpPr>
+        <p:spPr>
+          <a:xfrm>
+            <a:off x="10077443" y="2863281"/>
+            <a:ext cx="1249680" cy="590550"/>
+          </a:xfrm>
+          <a:prstGeom prst="rect">
+            <a:avLst/>
+          </a:prstGeom>
+          <a:solidFill>
+            <a:schemeClr val="bg1"/>
+          </a:solidFill>
+          <a:ln w="28575">
+            <a:solidFill>
+              <a:schemeClr val="tx1"/>
+            </a:solidFill>
+          </a:ln>
+        </p:spPr>
+        <p:style>
+          <a:lnRef idx="2">
+            <a:schemeClr val="accent1">
+              <a:shade val="15000"/>
+            </a:schemeClr>
+          </a:lnRef>
+          <a:fillRef idx="1">
+            <a:schemeClr val="accent1"/>
+          </a:fillRef>
+          <a:effectRef idx="0">
+            <a:schemeClr val="accent1"/>
+          </a:effectRef>
+          <a:fontRef idx="minor">
+            <a:schemeClr val="lt1"/>
+          </a:fontRef>
+        </p:style>
+        <p:txBody>
+          <a:bodyPr rtlCol="0" anchor="ctr"/>
+          <a:lstStyle/>
+          <a:p>
+            <a:r>
+              <a:rPr lang="en-US" sz="1400" dirty="0">
+                <a:solidFill>
+                  <a:schemeClr val="tx1"/>
+                </a:solidFill>
+                <a:latin typeface="Comic Sans MS" panose="030F0702030302020204" pitchFamily="66" charset="0"/>
+              </a:rPr>
+              <a:t>Text Output</a:t>
+            </a:r>
+            <a:endParaRPr lang="en-AU" sz="1400" dirty="0">
+              <a:solidFill>
+                <a:schemeClr val="tx1"/>
+              </a:solidFill>
+              <a:latin typeface="Comic Sans MS" panose="030F0702030302020204" pitchFamily="66" charset="0"/>
+            </a:endParaRPr>
+          </a:p>
+        </p:txBody>
+      </p:sp>
+      <p:sp>
+        <p:nvSpPr>
+          <p:cNvPr id="10" name="Arrow: Right 9">
+            <a:extLst>
+              <a:ext uri="{FF2B5EF4-FFF2-40B4-BE49-F238E27FC236}">
+                <a16:creationId xmlns:a16="http://schemas.microsoft.com/office/drawing/2014/main" id="{1FD90FF3-8436-C58C-7A6E-CE994B806103}"/>
+              </a:ext>
+            </a:extLst>
+          </p:cNvPr>
+          <p:cNvSpPr/>
+          <p:nvPr/>
+        </p:nvSpPr>
+        <p:spPr>
+          <a:xfrm>
+            <a:off x="9466510" y="2998193"/>
+            <a:ext cx="409899" cy="320726"/>
+          </a:xfrm>
+          <a:prstGeom prst="rightArrow">
+            <a:avLst/>
+          </a:prstGeom>
+          <a:solidFill>
+            <a:schemeClr val="tx1"/>
+          </a:solidFill>
+          <a:ln>
+            <a:solidFill>
+              <a:schemeClr val="tx1"/>
+            </a:solidFill>
+          </a:ln>
+        </p:spPr>
+        <p:style>
+          <a:lnRef idx="2">
+            <a:schemeClr val="accent1">
+              <a:shade val="15000"/>
+            </a:schemeClr>
+          </a:lnRef>
+          <a:fillRef idx="1">
+            <a:schemeClr val="accent1"/>
+          </a:fillRef>
+          <a:effectRef idx="0">
+            <a:schemeClr val="accent1"/>
+          </a:effectRef>
+          <a:fontRef idx="minor">
+            <a:schemeClr val="lt1"/>
+          </a:fontRef>
+        </p:style>
+        <p:txBody>
+          <a:bodyPr rtlCol="0" anchor="ctr"/>
+          <a:lstStyle/>
+          <a:p>
+            <a:pPr algn="ctr"/>
+            <a:endParaRPr lang="en-AU"/>
+          </a:p>
+        </p:txBody>
+      </p:sp>
+      <p:sp>
+        <p:nvSpPr>
+          <p:cNvPr id="11" name="Rectangle 10">
+            <a:extLst>
+              <a:ext uri="{FF2B5EF4-FFF2-40B4-BE49-F238E27FC236}">
+                <a16:creationId xmlns:a16="http://schemas.microsoft.com/office/drawing/2014/main" id="{FD2FA0A9-D86E-5B59-F59C-5BADA380F5CC}"/>
+              </a:ext>
+            </a:extLst>
+          </p:cNvPr>
+          <p:cNvSpPr/>
+          <p:nvPr/>
+        </p:nvSpPr>
+        <p:spPr>
+          <a:xfrm>
+            <a:off x="8161244" y="2720719"/>
+            <a:ext cx="1249680" cy="875537"/>
+          </a:xfrm>
+          <a:prstGeom prst="rect">
+            <a:avLst/>
+          </a:prstGeom>
+          <a:solidFill>
+            <a:schemeClr val="bg1"/>
+          </a:solidFill>
+          <a:ln w="28575">
+            <a:solidFill>
+              <a:schemeClr val="tx1"/>
+            </a:solidFill>
+          </a:ln>
+        </p:spPr>
+        <p:style>
+          <a:lnRef idx="2">
+            <a:schemeClr val="accent1">
+              <a:shade val="15000"/>
+            </a:schemeClr>
+          </a:lnRef>
+          <a:fillRef idx="1">
+            <a:schemeClr val="accent1"/>
+          </a:fillRef>
+          <a:effectRef idx="0">
+            <a:schemeClr val="accent1"/>
+          </a:effectRef>
+          <a:fontRef idx="minor">
+            <a:schemeClr val="lt1"/>
+          </a:fontRef>
+        </p:style>
+        <p:txBody>
+          <a:bodyPr rtlCol="0" anchor="ctr"/>
+          <a:lstStyle/>
+          <a:p>
+            <a:r>
+              <a:rPr lang="en-US" sz="1400" b="1" dirty="0">
+                <a:solidFill>
+                  <a:schemeClr val="tx1"/>
+                </a:solidFill>
+                <a:latin typeface="Comic Sans MS" panose="030F0702030302020204" pitchFamily="66" charset="0"/>
+              </a:rPr>
+              <a:t>Large Language Model</a:t>
+            </a:r>
+            <a:endParaRPr lang="en-AU" sz="1400" b="1" dirty="0">
+              <a:solidFill>
+                <a:schemeClr val="tx1"/>
+              </a:solidFill>
+              <a:latin typeface="Comic Sans MS" panose="030F0702030302020204" pitchFamily="66" charset="0"/>
+            </a:endParaRPr>
+          </a:p>
+        </p:txBody>
+      </p:sp>
+      <p:cxnSp>
+        <p:nvCxnSpPr>
+          <p:cNvPr id="12" name="Connector: Curved 11">
+            <a:extLst>
+              <a:ext uri="{FF2B5EF4-FFF2-40B4-BE49-F238E27FC236}">
+                <a16:creationId xmlns:a16="http://schemas.microsoft.com/office/drawing/2014/main" id="{3493E9ED-D22F-9EBF-8B7A-9220264E760C}"/>
+              </a:ext>
+            </a:extLst>
+          </p:cNvPr>
+          <p:cNvCxnSpPr>
+            <a:cxnSpLocks/>
+            <a:endCxn id="44" idx="0"/>
+          </p:cNvCxnSpPr>
+          <p:nvPr/>
+        </p:nvCxnSpPr>
+        <p:spPr>
+          <a:xfrm rot="16200000" flipV="1">
+            <a:off x="8770691" y="812931"/>
+            <a:ext cx="161503" cy="3939198"/>
+          </a:xfrm>
+          <a:prstGeom prst="curvedConnector3">
+            <a:avLst>
+              <a:gd name="adj1" fmla="val 487870"/>
+            </a:avLst>
+          </a:prstGeom>
+          <a:ln w="38100">
+            <a:solidFill>
+              <a:schemeClr val="tx1"/>
+            </a:solidFill>
+            <a:prstDash val="dash"/>
+            <a:headEnd type="none" w="lg" len="med"/>
+            <a:tailEnd type="triangle"/>
+          </a:ln>
+        </p:spPr>
+        <p:style>
+          <a:lnRef idx="1">
+            <a:schemeClr val="accent1"/>
+          </a:lnRef>
+          <a:fillRef idx="0">
+            <a:schemeClr val="accent1"/>
+          </a:fillRef>
+          <a:effectRef idx="0">
+            <a:schemeClr val="accent1"/>
+          </a:effectRef>
+          <a:fontRef idx="minor">
+            <a:schemeClr val="tx1"/>
+          </a:fontRef>
+        </p:style>
+      </p:cxnSp>
+      <p:sp>
+        <p:nvSpPr>
+          <p:cNvPr id="13" name="Rectangle 12">
+            <a:extLst>
+              <a:ext uri="{FF2B5EF4-FFF2-40B4-BE49-F238E27FC236}">
+                <a16:creationId xmlns:a16="http://schemas.microsoft.com/office/drawing/2014/main" id="{E417C912-0D77-C014-35C7-CC0343FF9ADE}"/>
+              </a:ext>
+            </a:extLst>
+          </p:cNvPr>
+          <p:cNvSpPr/>
+          <p:nvPr/>
+        </p:nvSpPr>
+        <p:spPr>
+          <a:xfrm>
+            <a:off x="2416628" y="3215674"/>
+            <a:ext cx="2610303" cy="1124924"/>
+          </a:xfrm>
+          <a:prstGeom prst="rect">
+            <a:avLst/>
+          </a:prstGeom>
+          <a:solidFill>
+            <a:schemeClr val="bg1"/>
+          </a:solidFill>
+          <a:ln w="9525">
+            <a:solidFill>
+              <a:schemeClr val="tx1"/>
+            </a:solidFill>
+            <a:prstDash val="solid"/>
+          </a:ln>
+        </p:spPr>
+        <p:style>
+          <a:lnRef idx="2">
+            <a:schemeClr val="accent1">
+              <a:shade val="15000"/>
+            </a:schemeClr>
+          </a:lnRef>
+          <a:fillRef idx="1">
+            <a:schemeClr val="accent1"/>
+          </a:fillRef>
+          <a:effectRef idx="0">
+            <a:schemeClr val="accent1"/>
+          </a:effectRef>
+          <a:fontRef idx="minor">
+            <a:schemeClr val="lt1"/>
+          </a:fontRef>
+        </p:style>
+        <p:txBody>
+          <a:bodyPr rtlCol="0" anchor="ctr"/>
+          <a:lstStyle/>
+          <a:p>
+            <a:endParaRPr lang="en-AU" sz="1400" b="1" dirty="0">
+              <a:solidFill>
+                <a:schemeClr val="tx1"/>
+              </a:solidFill>
+              <a:latin typeface="Comic Sans MS" panose="030F0702030302020204" pitchFamily="66" charset="0"/>
+            </a:endParaRPr>
+          </a:p>
+        </p:txBody>
+      </p:sp>
+      <p:sp>
+        <p:nvSpPr>
+          <p:cNvPr id="14" name="Rectangle 13">
+            <a:extLst>
+              <a:ext uri="{FF2B5EF4-FFF2-40B4-BE49-F238E27FC236}">
+                <a16:creationId xmlns:a16="http://schemas.microsoft.com/office/drawing/2014/main" id="{EFE14B89-2908-42C6-22EA-0895CAFC78AD}"/>
+              </a:ext>
+            </a:extLst>
+          </p:cNvPr>
+          <p:cNvSpPr/>
+          <p:nvPr/>
+        </p:nvSpPr>
+        <p:spPr>
+          <a:xfrm>
+            <a:off x="2517794" y="3852745"/>
+            <a:ext cx="1185144" cy="386162"/>
+          </a:xfrm>
+          <a:prstGeom prst="rect">
+            <a:avLst/>
+          </a:prstGeom>
+          <a:solidFill>
+            <a:schemeClr val="bg1"/>
+          </a:solidFill>
+          <a:ln w="28575">
+            <a:solidFill>
+              <a:schemeClr val="tx1"/>
+            </a:solidFill>
+          </a:ln>
+        </p:spPr>
+        <p:style>
+          <a:lnRef idx="2">
+            <a:schemeClr val="accent1">
+              <a:shade val="15000"/>
+            </a:schemeClr>
+          </a:lnRef>
+          <a:fillRef idx="1">
+            <a:schemeClr val="accent1"/>
+          </a:fillRef>
+          <a:effectRef idx="0">
+            <a:schemeClr val="accent1"/>
+          </a:effectRef>
+          <a:fontRef idx="minor">
+            <a:schemeClr val="lt1"/>
+          </a:fontRef>
+        </p:style>
+        <p:txBody>
+          <a:bodyPr rtlCol="0" anchor="ctr"/>
+          <a:lstStyle/>
+          <a:p>
+            <a:r>
+              <a:rPr lang="en-US" sz="1100" dirty="0" err="1">
+                <a:solidFill>
+                  <a:schemeClr val="tx1"/>
+                </a:solidFill>
+                <a:latin typeface="Comic Sans MS" panose="030F0702030302020204" pitchFamily="66" charset="0"/>
+              </a:rPr>
+              <a:t>search_bikes</a:t>
+            </a:r>
+            <a:endParaRPr lang="en-AU" sz="1100" dirty="0">
+              <a:solidFill>
+                <a:schemeClr val="tx1"/>
+              </a:solidFill>
+              <a:latin typeface="Comic Sans MS" panose="030F0702030302020204" pitchFamily="66" charset="0"/>
+            </a:endParaRPr>
+          </a:p>
+        </p:txBody>
+      </p:sp>
+      <p:sp>
+        <p:nvSpPr>
+          <p:cNvPr id="15" name="Rectangle 14">
+            <a:extLst>
+              <a:ext uri="{FF2B5EF4-FFF2-40B4-BE49-F238E27FC236}">
+                <a16:creationId xmlns:a16="http://schemas.microsoft.com/office/drawing/2014/main" id="{8F4CEF61-4C95-817C-A938-8274310B6C7B}"/>
+              </a:ext>
+            </a:extLst>
+          </p:cNvPr>
+          <p:cNvSpPr/>
+          <p:nvPr/>
+        </p:nvSpPr>
+        <p:spPr>
+          <a:xfrm>
+            <a:off x="2986352" y="3316837"/>
+            <a:ext cx="1474978" cy="362256"/>
+          </a:xfrm>
+          <a:prstGeom prst="rect">
+            <a:avLst/>
+          </a:prstGeom>
+          <a:solidFill>
+            <a:schemeClr val="tx1"/>
+          </a:solidFill>
+          <a:ln w="28575">
+            <a:solidFill>
+              <a:schemeClr val="tx1"/>
+            </a:solidFill>
+          </a:ln>
+        </p:spPr>
+        <p:style>
+          <a:lnRef idx="2">
+            <a:schemeClr val="accent1">
+              <a:shade val="15000"/>
+            </a:schemeClr>
+          </a:lnRef>
+          <a:fillRef idx="1">
+            <a:schemeClr val="accent1"/>
+          </a:fillRef>
+          <a:effectRef idx="0">
+            <a:schemeClr val="accent1"/>
+          </a:effectRef>
+          <a:fontRef idx="minor">
+            <a:schemeClr val="lt1"/>
+          </a:fontRef>
+        </p:style>
+        <p:txBody>
+          <a:bodyPr rtlCol="0" anchor="ctr"/>
+          <a:lstStyle/>
+          <a:p>
+            <a:pPr algn="ctr"/>
+            <a:r>
+              <a:rPr lang="en-US" sz="1400" b="1" dirty="0">
+                <a:solidFill>
+                  <a:schemeClr val="bg1"/>
+                </a:solidFill>
+                <a:latin typeface="Comic Sans MS" panose="030F0702030302020204" pitchFamily="66" charset="0"/>
+              </a:rPr>
+              <a:t>Tools</a:t>
+            </a:r>
+            <a:endParaRPr lang="en-AU" sz="1400" b="1" dirty="0">
+              <a:solidFill>
+                <a:schemeClr val="bg1"/>
+              </a:solidFill>
+              <a:latin typeface="Comic Sans MS" panose="030F0702030302020204" pitchFamily="66" charset="0"/>
+            </a:endParaRPr>
+          </a:p>
+        </p:txBody>
+      </p:sp>
+      <p:sp>
+        <p:nvSpPr>
+          <p:cNvPr id="16" name="Rectangle 15">
+            <a:extLst>
+              <a:ext uri="{FF2B5EF4-FFF2-40B4-BE49-F238E27FC236}">
+                <a16:creationId xmlns:a16="http://schemas.microsoft.com/office/drawing/2014/main" id="{9F7ADF34-15B2-1C9A-D142-ECFEC199CE9D}"/>
+              </a:ext>
+            </a:extLst>
+          </p:cNvPr>
+          <p:cNvSpPr/>
+          <p:nvPr/>
+        </p:nvSpPr>
+        <p:spPr>
+          <a:xfrm>
+            <a:off x="3836490" y="3852745"/>
+            <a:ext cx="1090812" cy="386161"/>
+          </a:xfrm>
+          <a:prstGeom prst="rect">
+            <a:avLst/>
+          </a:prstGeom>
+          <a:solidFill>
+            <a:schemeClr val="bg1"/>
+          </a:solidFill>
+          <a:ln w="28575">
+            <a:solidFill>
+              <a:schemeClr val="tx1"/>
+            </a:solidFill>
+          </a:ln>
+        </p:spPr>
+        <p:style>
+          <a:lnRef idx="2">
+            <a:schemeClr val="accent1">
+              <a:shade val="15000"/>
+            </a:schemeClr>
+          </a:lnRef>
+          <a:fillRef idx="1">
+            <a:schemeClr val="accent1"/>
+          </a:fillRef>
+          <a:effectRef idx="0">
+            <a:schemeClr val="accent1"/>
+          </a:effectRef>
+          <a:fontRef idx="minor">
+            <a:schemeClr val="lt1"/>
+          </a:fontRef>
+        </p:style>
+        <p:txBody>
+          <a:bodyPr rtlCol="0" anchor="ctr"/>
+          <a:lstStyle/>
+          <a:p>
+            <a:r>
+              <a:rPr lang="en-US" sz="1100" dirty="0" err="1">
+                <a:solidFill>
+                  <a:srgbClr val="0070C0"/>
+                </a:solidFill>
+                <a:latin typeface="Comic Sans MS" panose="030F0702030302020204" pitchFamily="66" charset="0"/>
+              </a:rPr>
+              <a:t>submit_order</a:t>
+            </a:r>
+            <a:endParaRPr lang="en-AU" sz="1100" dirty="0">
+              <a:solidFill>
+                <a:srgbClr val="0070C0"/>
+              </a:solidFill>
+              <a:latin typeface="Comic Sans MS" panose="030F0702030302020204" pitchFamily="66" charset="0"/>
+            </a:endParaRPr>
+          </a:p>
+        </p:txBody>
+      </p:sp>
+      <p:sp>
+        <p:nvSpPr>
+          <p:cNvPr id="17" name="Arrow: Right 16">
+            <a:extLst>
+              <a:ext uri="{FF2B5EF4-FFF2-40B4-BE49-F238E27FC236}">
+                <a16:creationId xmlns:a16="http://schemas.microsoft.com/office/drawing/2014/main" id="{23B4A5D0-5C4E-104C-498D-48B392B678FE}"/>
+              </a:ext>
+            </a:extLst>
+          </p:cNvPr>
+          <p:cNvSpPr/>
+          <p:nvPr/>
+        </p:nvSpPr>
+        <p:spPr>
+          <a:xfrm>
+            <a:off x="5685797" y="2957063"/>
+            <a:ext cx="485546" cy="336158"/>
+          </a:xfrm>
+          <a:prstGeom prst="rightArrow">
+            <a:avLst/>
+          </a:prstGeom>
+          <a:solidFill>
+            <a:schemeClr val="tx1"/>
+          </a:solidFill>
+          <a:ln>
+            <a:solidFill>
+              <a:schemeClr val="tx1"/>
+            </a:solidFill>
+          </a:ln>
+        </p:spPr>
+        <p:style>
+          <a:lnRef idx="2">
+            <a:schemeClr val="accent1">
+              <a:shade val="15000"/>
+            </a:schemeClr>
+          </a:lnRef>
+          <a:fillRef idx="1">
+            <a:schemeClr val="accent1"/>
+          </a:fillRef>
+          <a:effectRef idx="0">
+            <a:schemeClr val="accent1"/>
+          </a:effectRef>
+          <a:fontRef idx="minor">
+            <a:schemeClr val="lt1"/>
+          </a:fontRef>
+        </p:style>
+        <p:txBody>
+          <a:bodyPr rtlCol="0" anchor="ctr"/>
+          <a:lstStyle/>
+          <a:p>
+            <a:pPr algn="ctr"/>
+            <a:endParaRPr lang="en-AU"/>
+          </a:p>
+        </p:txBody>
+      </p:sp>
+      <p:cxnSp>
+        <p:nvCxnSpPr>
+          <p:cNvPr id="19" name="Connector: Curved 18">
+            <a:extLst>
+              <a:ext uri="{FF2B5EF4-FFF2-40B4-BE49-F238E27FC236}">
+                <a16:creationId xmlns:a16="http://schemas.microsoft.com/office/drawing/2014/main" id="{4B451167-5AE9-0349-D19B-E80A95082BB4}"/>
+              </a:ext>
+            </a:extLst>
+          </p:cNvPr>
+          <p:cNvCxnSpPr>
+            <a:cxnSpLocks/>
+          </p:cNvCxnSpPr>
+          <p:nvPr/>
+        </p:nvCxnSpPr>
+        <p:spPr>
+          <a:xfrm rot="5400000">
+            <a:off x="6329584" y="4483673"/>
+            <a:ext cx="1654450" cy="201"/>
+          </a:xfrm>
+          <a:prstGeom prst="curvedConnector3">
+            <a:avLst>
+              <a:gd name="adj1" fmla="val 50000"/>
+            </a:avLst>
+          </a:prstGeom>
+          <a:ln w="38100">
+            <a:solidFill>
+              <a:schemeClr val="tx1"/>
+            </a:solidFill>
+            <a:prstDash val="dash"/>
+            <a:headEnd type="none" w="med" len="med"/>
+            <a:tailEnd type="none" w="med" len="med"/>
+          </a:ln>
+        </p:spPr>
+        <p:style>
+          <a:lnRef idx="1">
+            <a:schemeClr val="accent1"/>
+          </a:lnRef>
+          <a:fillRef idx="0">
+            <a:schemeClr val="accent1"/>
+          </a:fillRef>
+          <a:effectRef idx="0">
+            <a:schemeClr val="accent1"/>
+          </a:effectRef>
+          <a:fontRef idx="minor">
+            <a:schemeClr val="tx1"/>
+          </a:fontRef>
+        </p:style>
+      </p:cxnSp>
+      <p:cxnSp>
+        <p:nvCxnSpPr>
+          <p:cNvPr id="20" name="Straight Connector 19">
+            <a:extLst>
+              <a:ext uri="{FF2B5EF4-FFF2-40B4-BE49-F238E27FC236}">
+                <a16:creationId xmlns:a16="http://schemas.microsoft.com/office/drawing/2014/main" id="{44EB653B-3ECB-C800-C117-5049668112C4}"/>
+              </a:ext>
+            </a:extLst>
+          </p:cNvPr>
+          <p:cNvCxnSpPr/>
+          <p:nvPr/>
+        </p:nvCxnSpPr>
+        <p:spPr>
+          <a:xfrm>
+            <a:off x="5103259" y="3769430"/>
+            <a:ext cx="507054" cy="0"/>
+          </a:xfrm>
+          <a:prstGeom prst="line">
+            <a:avLst/>
+          </a:prstGeom>
+          <a:ln>
+            <a:solidFill>
+              <a:schemeClr val="tx1"/>
+            </a:solidFill>
+          </a:ln>
+        </p:spPr>
+        <p:style>
+          <a:lnRef idx="2">
+            <a:schemeClr val="accent1"/>
+          </a:lnRef>
+          <a:fillRef idx="0">
+            <a:schemeClr val="accent1"/>
+          </a:fillRef>
+          <a:effectRef idx="1">
+            <a:schemeClr val="accent1"/>
+          </a:effectRef>
+          <a:fontRef idx="minor">
+            <a:schemeClr val="tx1"/>
+          </a:fontRef>
+        </p:style>
+      </p:cxnSp>
+      <p:sp>
+        <p:nvSpPr>
+          <p:cNvPr id="22" name="TextBox 21">
+            <a:extLst>
+              <a:ext uri="{FF2B5EF4-FFF2-40B4-BE49-F238E27FC236}">
+                <a16:creationId xmlns:a16="http://schemas.microsoft.com/office/drawing/2014/main" id="{08E78FBE-4A0B-3505-1070-BEDF0149F8FD}"/>
+              </a:ext>
+            </a:extLst>
+          </p:cNvPr>
+          <p:cNvSpPr txBox="1"/>
+          <p:nvPr/>
+        </p:nvSpPr>
+        <p:spPr>
+          <a:xfrm>
+            <a:off x="8020741" y="1610951"/>
+            <a:ext cx="1434688" cy="276999"/>
+          </a:xfrm>
+          <a:prstGeom prst="rect">
+            <a:avLst/>
+          </a:prstGeom>
+          <a:noFill/>
+        </p:spPr>
+        <p:txBody>
+          <a:bodyPr wrap="none" lIns="0" tIns="0" rIns="0" bIns="0" rtlCol="0">
+            <a:spAutoFit/>
+          </a:bodyPr>
+          <a:lstStyle/>
+          <a:p>
+            <a:pPr algn="l"/>
+            <a:r>
+              <a:rPr lang="en-US" sz="1800" b="1" dirty="0">
+                <a:solidFill>
+                  <a:srgbClr val="2A446F"/>
+                </a:solidFill>
+                <a:latin typeface="Comic Sans MS" panose="030F0702030302020204" pitchFamily="66" charset="0"/>
+              </a:rPr>
+              <a:t>Tool Request</a:t>
+            </a:r>
+          </a:p>
+        </p:txBody>
+      </p:sp>
+      <p:cxnSp>
+        <p:nvCxnSpPr>
+          <p:cNvPr id="28" name="Connector: Curved 27">
+            <a:extLst>
+              <a:ext uri="{FF2B5EF4-FFF2-40B4-BE49-F238E27FC236}">
+                <a16:creationId xmlns:a16="http://schemas.microsoft.com/office/drawing/2014/main" id="{9433E52F-B776-BB9C-6532-17F781638FBC}"/>
+              </a:ext>
+            </a:extLst>
+          </p:cNvPr>
+          <p:cNvCxnSpPr>
+            <a:cxnSpLocks/>
+            <a:endCxn id="16" idx="2"/>
+          </p:cNvCxnSpPr>
+          <p:nvPr/>
+        </p:nvCxnSpPr>
+        <p:spPr>
+          <a:xfrm rot="10800000">
+            <a:off x="4381896" y="4238906"/>
+            <a:ext cx="2713616" cy="1017666"/>
+          </a:xfrm>
+          <a:prstGeom prst="curvedConnector2">
+            <a:avLst/>
+          </a:prstGeom>
+          <a:ln w="38100">
+            <a:solidFill>
+              <a:schemeClr val="tx1"/>
+            </a:solidFill>
+            <a:prstDash val="dash"/>
+            <a:headEnd type="none" w="lg" len="med"/>
+            <a:tailEnd type="triangle"/>
+          </a:ln>
+        </p:spPr>
+        <p:style>
+          <a:lnRef idx="1">
+            <a:schemeClr val="accent1"/>
+          </a:lnRef>
+          <a:fillRef idx="0">
+            <a:schemeClr val="accent1"/>
+          </a:fillRef>
+          <a:effectRef idx="0">
+            <a:schemeClr val="accent1"/>
+          </a:effectRef>
+          <a:fontRef idx="minor">
+            <a:schemeClr val="tx1"/>
+          </a:fontRef>
+        </p:style>
+      </p:cxnSp>
+      <p:sp>
+        <p:nvSpPr>
+          <p:cNvPr id="44" name="Rectangle 43">
+            <a:extLst>
+              <a:ext uri="{FF2B5EF4-FFF2-40B4-BE49-F238E27FC236}">
+                <a16:creationId xmlns:a16="http://schemas.microsoft.com/office/drawing/2014/main" id="{49FA7722-9932-7418-3A35-A00D1010412D}"/>
+              </a:ext>
+            </a:extLst>
+          </p:cNvPr>
+          <p:cNvSpPr/>
+          <p:nvPr/>
+        </p:nvSpPr>
+        <p:spPr>
+          <a:xfrm>
+            <a:off x="6257003" y="2701778"/>
+            <a:ext cx="1249680" cy="875537"/>
+          </a:xfrm>
+          <a:prstGeom prst="rect">
+            <a:avLst/>
+          </a:prstGeom>
+          <a:solidFill>
+            <a:schemeClr val="bg1"/>
+          </a:solidFill>
+          <a:ln w="28575">
+            <a:solidFill>
+              <a:schemeClr val="tx1"/>
+            </a:solidFill>
+          </a:ln>
+        </p:spPr>
+        <p:style>
+          <a:lnRef idx="2">
+            <a:schemeClr val="accent1">
+              <a:shade val="15000"/>
+            </a:schemeClr>
+          </a:lnRef>
+          <a:fillRef idx="1">
+            <a:schemeClr val="accent1"/>
+          </a:fillRef>
+          <a:effectRef idx="0">
+            <a:schemeClr val="accent1"/>
+          </a:effectRef>
+          <a:fontRef idx="minor">
+            <a:schemeClr val="lt1"/>
+          </a:fontRef>
+        </p:style>
+        <p:txBody>
+          <a:bodyPr rtlCol="0" anchor="ctr"/>
+          <a:lstStyle/>
+          <a:p>
+            <a:r>
+              <a:rPr lang="en-US" sz="1400" b="1" dirty="0">
+                <a:solidFill>
+                  <a:schemeClr val="tx1"/>
+                </a:solidFill>
+                <a:latin typeface="Comic Sans MS" panose="030F0702030302020204" pitchFamily="66" charset="0"/>
+              </a:rPr>
+              <a:t>AI Application</a:t>
+            </a:r>
+          </a:p>
+        </p:txBody>
+      </p:sp>
+      <p:sp>
+        <p:nvSpPr>
+          <p:cNvPr id="54" name="Rectangle 53">
+            <a:extLst>
+              <a:ext uri="{FF2B5EF4-FFF2-40B4-BE49-F238E27FC236}">
+                <a16:creationId xmlns:a16="http://schemas.microsoft.com/office/drawing/2014/main" id="{81454B9C-AC76-15A5-CC96-4DC0A0C743E4}"/>
+              </a:ext>
+            </a:extLst>
+          </p:cNvPr>
+          <p:cNvSpPr/>
+          <p:nvPr/>
+        </p:nvSpPr>
+        <p:spPr>
+          <a:xfrm>
+            <a:off x="6436615" y="1440472"/>
+            <a:ext cx="1317794" cy="386161"/>
+          </a:xfrm>
+          <a:prstGeom prst="rect">
+            <a:avLst/>
+          </a:prstGeom>
+          <a:solidFill>
+            <a:schemeClr val="bg1"/>
+          </a:solidFill>
+          <a:ln w="28575">
+            <a:solidFill>
+              <a:schemeClr val="tx1"/>
+            </a:solidFill>
+          </a:ln>
+        </p:spPr>
+        <p:style>
+          <a:lnRef idx="2">
+            <a:schemeClr val="accent1">
+              <a:shade val="15000"/>
+            </a:schemeClr>
+          </a:lnRef>
+          <a:fillRef idx="1">
+            <a:schemeClr val="accent1"/>
+          </a:fillRef>
+          <a:effectRef idx="0">
+            <a:schemeClr val="accent1"/>
+          </a:effectRef>
+          <a:fontRef idx="minor">
+            <a:schemeClr val="lt1"/>
+          </a:fontRef>
+        </p:style>
+        <p:txBody>
+          <a:bodyPr rtlCol="0" anchor="ctr"/>
+          <a:lstStyle/>
+          <a:p>
+            <a:r>
+              <a:rPr lang="en-US" sz="1100" dirty="0">
+                <a:solidFill>
+                  <a:srgbClr val="0070C0"/>
+                </a:solidFill>
+                <a:latin typeface="Comic Sans MS" panose="030F0702030302020204" pitchFamily="66" charset="0"/>
+              </a:rPr>
+              <a:t>structured data</a:t>
+            </a:r>
+            <a:endParaRPr lang="en-AU" sz="1100" dirty="0">
+              <a:solidFill>
+                <a:srgbClr val="0070C0"/>
+              </a:solidFill>
+              <a:latin typeface="Comic Sans MS" panose="030F0702030302020204" pitchFamily="66" charset="0"/>
+            </a:endParaRPr>
+          </a:p>
+        </p:txBody>
+      </p:sp>
+    </p:spTree>
+    <p:extLst>
+      <p:ext uri="{BB962C8B-B14F-4D97-AF65-F5344CB8AC3E}">
+        <p14:creationId xmlns:p14="http://schemas.microsoft.com/office/powerpoint/2010/main" val="8298822"/>
+      </p:ext>
+    </p:extLst>
+  </p:cSld>
+  <p:clrMapOvr>
+    <a:masterClrMapping/>
+  </p:clrMapOvr>
+  <p:timing>
+    <p:tnLst>
+      <p:par>
+        <p:cTn id="1" dur="indefinite" restart="never" nodeType="tmRoot">
+          <p:childTnLst>
+            <p:seq concurrent="1" nextAc="seek">
+              <p:cTn id="2" dur="indefinite" nodeType="mainSeq">
+                <p:childTnLst>
+                  <p:par>
+                    <p:cTn id="3" fill="hold">
+                      <p:stCondLst>
+                        <p:cond delay="indefinite"/>
+                        <p:cond evt="onBegin" delay="0">
+                          <p:tn val="2"/>
+                        </p:cond>
+                      </p:stCondLst>
+                      <p:childTnLst>
+                        <p:par>
+                          <p:cTn id="4" fill="hold">
+                            <p:stCondLst>
+                              <p:cond delay="0"/>
+                            </p:stCondLst>
+                            <p:childTnLst>
+                              <p:par>
+                                <p:cTn id="5" presetID="10" presetClass="entr" presetSubtype="0" fill="hold" grpId="0" nodeType="withEffect">
+                                  <p:stCondLst>
+                                    <p:cond delay="50"/>
+                                  </p:stCondLst>
+                                  <p:childTnLst>
+                                    <p:set>
+                                      <p:cBhvr>
+                                        <p:cTn id="6" dur="1" fill="hold">
+                                          <p:stCondLst>
+                                            <p:cond delay="0"/>
+                                          </p:stCondLst>
+                                        </p:cTn>
+                                        <p:tgtEl>
+                                          <p:spTgt spid="7"/>
+                                        </p:tgtEl>
+                                        <p:attrNameLst>
+                                          <p:attrName>style.visibility</p:attrName>
+                                        </p:attrNameLst>
+                                      </p:cBhvr>
+                                      <p:to>
+                                        <p:strVal val="visible"/>
+                                      </p:to>
+                                    </p:set>
+                                    <p:animEffect transition="in" filter="fade">
+                                      <p:cBhvr>
+                                        <p:cTn id="7" dur="500"/>
+                                        <p:tgtEl>
+                                          <p:spTgt spid="7"/>
+                                        </p:tgtEl>
+                                      </p:cBhvr>
+                                    </p:animEffect>
+                                  </p:childTnLst>
+                                </p:cTn>
+                              </p:par>
+                              <p:par>
+                                <p:cTn id="8" presetID="42" presetClass="path" presetSubtype="0" decel="100000" fill="hold" grpId="1" nodeType="withEffect">
+                                  <p:stCondLst>
+                                    <p:cond delay="50"/>
+                                  </p:stCondLst>
+                                  <p:childTnLst>
+                                    <p:animMotion origin="layout" path="M 4.16667E-6 2.22222E-6 L 4.16667E-6 0.03541 " pathEditMode="relative" rAng="0" ptsTypes="AA">
+                                      <p:cBhvr>
+                                        <p:cTn id="9" dur="700" spd="-100000" fill="hold"/>
+                                        <p:tgtEl>
+                                          <p:spTgt spid="7"/>
+                                        </p:tgtEl>
+                                        <p:attrNameLst>
+                                          <p:attrName>ppt_x</p:attrName>
+                                          <p:attrName>ppt_y</p:attrName>
+                                        </p:attrNameLst>
+                                      </p:cBhvr>
+                                      <p:rCtr x="0" y="1759"/>
+                                    </p:animMotion>
+                                  </p:childTnLst>
+                                </p:cTn>
+                              </p:par>
+                            </p:childTnLst>
+                          </p:cTn>
+                        </p:par>
+                      </p:childTnLst>
+                    </p:cTn>
+                  </p:par>
+                </p:childTnLst>
+              </p:cTn>
+              <p:prevCondLst>
+                <p:cond evt="onPrev" delay="0">
+                  <p:tgtEl>
+                    <p:sldTgt/>
+                  </p:tgtEl>
+                </p:cond>
+              </p:prevCondLst>
+              <p:nextCondLst>
+                <p:cond evt="onNext" delay="0">
+                  <p:tgtEl>
+                    <p:sldTgt/>
+                  </p:tgtEl>
+                </p:cond>
+              </p:nextCondLst>
+            </p:seq>
+          </p:childTnLst>
+        </p:cTn>
+      </p:par>
+    </p:tnLst>
+    <p:bldLst>
+      <p:bldP spid="7" grpId="0"/>
+      <p:bldP spid="7" grpId="1"/>
+    </p:bldLst>
+  </p:timing>
+</p:sld>
+</file>
+
+<file path=ppt/slides/slide3.xml><?xml version="1.0" encoding="utf-8"?>
+<p:sld xmlns:a="http://schemas.openxmlformats.org/drawingml/2006/main" xmlns:r="http://schemas.openxmlformats.org/officeDocument/2006/relationships" xmlns:p="http://schemas.openxmlformats.org/presentationml/2006/main">
+  <p:cSld>
+    <p:spTree>
+      <p:nvGrpSpPr>
+        <p:cNvPr id="1" name=""/>
+        <p:cNvGrpSpPr/>
+        <p:nvPr/>
+      </p:nvGrpSpPr>
+      <p:grpSpPr>
+        <a:xfrm>
+          <a:off x="0" y="0"/>
+          <a:ext cx="0" cy="0"/>
+          <a:chOff x="0" y="0"/>
+          <a:chExt cx="0" cy="0"/>
+        </a:xfrm>
+      </p:grpSpPr>
       <p:sp>
         <p:nvSpPr>
           <p:cNvPr id="2" name="Rectangle 1">
@@ -4271,7 +6267,7 @@
 </p:sld>
 </file>
 
-<file path=ppt/slides/slide3.xml><?xml version="1.0" encoding="utf-8"?>
+<file path=ppt/slides/slide4.xml><?xml version="1.0" encoding="utf-8"?>
 <p:sld xmlns:a="http://schemas.openxmlformats.org/drawingml/2006/main" xmlns:r="http://schemas.openxmlformats.org/officeDocument/2006/relationships" xmlns:p="http://schemas.openxmlformats.org/presentationml/2006/main">
   <p:cSld>
     <p:spTree>
@@ -5400,6 +7396,2667 @@
   <p:clrMapOvr>
     <a:masterClrMapping/>
   </p:clrMapOvr>
+</p:sld>
+</file>
+
+<file path=ppt/slides/slide5.xml><?xml version="1.0" encoding="utf-8"?>
+<p:sld xmlns:a="http://schemas.openxmlformats.org/drawingml/2006/main" xmlns:r="http://schemas.openxmlformats.org/officeDocument/2006/relationships" xmlns:p="http://schemas.openxmlformats.org/presentationml/2006/main">
+  <p:cSld>
+    <p:spTree>
+      <p:nvGrpSpPr>
+        <p:cNvPr id="1" name="">
+          <a:extLst>
+            <a:ext uri="{FF2B5EF4-FFF2-40B4-BE49-F238E27FC236}">
+              <a16:creationId xmlns:a16="http://schemas.microsoft.com/office/drawing/2014/main" id="{E3D4572E-53DA-BAA3-2BFB-D0D0305C6DBE}"/>
+            </a:ext>
+          </a:extLst>
+        </p:cNvPr>
+        <p:cNvGrpSpPr/>
+        <p:nvPr/>
+      </p:nvGrpSpPr>
+      <p:grpSpPr>
+        <a:xfrm>
+          <a:off x="0" y="0"/>
+          <a:ext cx="0" cy="0"/>
+          <a:chOff x="0" y="0"/>
+          <a:chExt cx="0" cy="0"/>
+        </a:xfrm>
+      </p:grpSpPr>
+      <p:sp>
+        <p:nvSpPr>
+          <p:cNvPr id="2" name="Rectangle 1">
+            <a:extLst>
+              <a:ext uri="{FF2B5EF4-FFF2-40B4-BE49-F238E27FC236}">
+                <a16:creationId xmlns:a16="http://schemas.microsoft.com/office/drawing/2014/main" id="{DBBA710C-047A-566E-235C-BECA650F2554}"/>
+              </a:ext>
+            </a:extLst>
+          </p:cNvPr>
+          <p:cNvSpPr/>
+          <p:nvPr/>
+        </p:nvSpPr>
+        <p:spPr>
+          <a:xfrm>
+            <a:off x="4524374" y="1087451"/>
+            <a:ext cx="1249680" cy="590550"/>
+          </a:xfrm>
+          <a:prstGeom prst="rect">
+            <a:avLst/>
+          </a:prstGeom>
+          <a:solidFill>
+            <a:schemeClr val="bg1"/>
+          </a:solidFill>
+          <a:ln w="28575">
+            <a:solidFill>
+              <a:schemeClr val="tx2">
+                <a:lumMod val="75000"/>
+                <a:lumOff val="25000"/>
+              </a:schemeClr>
+            </a:solidFill>
+          </a:ln>
+        </p:spPr>
+        <p:style>
+          <a:lnRef idx="2">
+            <a:schemeClr val="accent1">
+              <a:shade val="15000"/>
+            </a:schemeClr>
+          </a:lnRef>
+          <a:fillRef idx="1">
+            <a:schemeClr val="accent1"/>
+          </a:fillRef>
+          <a:effectRef idx="0">
+            <a:schemeClr val="accent1"/>
+          </a:effectRef>
+          <a:fontRef idx="minor">
+            <a:schemeClr val="lt1"/>
+          </a:fontRef>
+        </p:style>
+        <p:txBody>
+          <a:bodyPr rtlCol="0" anchor="ctr"/>
+          <a:lstStyle/>
+          <a:p>
+            <a:r>
+              <a:rPr lang="en-US" sz="1400" dirty="0">
+                <a:solidFill>
+                  <a:schemeClr val="tx1"/>
+                </a:solidFill>
+                <a:latin typeface="Comic Sans MS" panose="030F0702030302020204" pitchFamily="66" charset="0"/>
+              </a:rPr>
+              <a:t>System Instructions</a:t>
+            </a:r>
+            <a:endParaRPr lang="en-AU" sz="1400" dirty="0">
+              <a:solidFill>
+                <a:schemeClr val="tx1"/>
+              </a:solidFill>
+              <a:latin typeface="Comic Sans MS" panose="030F0702030302020204" pitchFamily="66" charset="0"/>
+            </a:endParaRPr>
+          </a:p>
+        </p:txBody>
+      </p:sp>
+      <p:sp>
+        <p:nvSpPr>
+          <p:cNvPr id="3" name="Rectangle 2">
+            <a:extLst>
+              <a:ext uri="{FF2B5EF4-FFF2-40B4-BE49-F238E27FC236}">
+                <a16:creationId xmlns:a16="http://schemas.microsoft.com/office/drawing/2014/main" id="{12500464-61BF-6A1B-11B5-493067111E12}"/>
+              </a:ext>
+            </a:extLst>
+          </p:cNvPr>
+          <p:cNvSpPr/>
+          <p:nvPr/>
+        </p:nvSpPr>
+        <p:spPr>
+          <a:xfrm>
+            <a:off x="3954075" y="1910411"/>
+            <a:ext cx="1857375" cy="986790"/>
+          </a:xfrm>
+          <a:prstGeom prst="rect">
+            <a:avLst/>
+          </a:prstGeom>
+          <a:solidFill>
+            <a:schemeClr val="bg1"/>
+          </a:solidFill>
+          <a:ln w="28575">
+            <a:solidFill>
+              <a:schemeClr val="tx2">
+                <a:lumMod val="75000"/>
+                <a:lumOff val="25000"/>
+              </a:schemeClr>
+            </a:solidFill>
+          </a:ln>
+        </p:spPr>
+        <p:style>
+          <a:lnRef idx="2">
+            <a:schemeClr val="accent1">
+              <a:shade val="15000"/>
+            </a:schemeClr>
+          </a:lnRef>
+          <a:fillRef idx="1">
+            <a:schemeClr val="accent1"/>
+          </a:fillRef>
+          <a:effectRef idx="0">
+            <a:schemeClr val="accent1"/>
+          </a:effectRef>
+          <a:fontRef idx="minor">
+            <a:schemeClr val="lt1"/>
+          </a:fontRef>
+        </p:style>
+        <p:txBody>
+          <a:bodyPr rtlCol="0" anchor="ctr"/>
+          <a:lstStyle/>
+          <a:p>
+            <a:pPr algn="ctr"/>
+            <a:r>
+              <a:rPr lang="en-US" b="1" dirty="0">
+                <a:solidFill>
+                  <a:schemeClr val="tx1"/>
+                </a:solidFill>
+                <a:latin typeface="Comic Sans MS" panose="030F0702030302020204" pitchFamily="66" charset="0"/>
+              </a:rPr>
+              <a:t>Primary Content</a:t>
+            </a:r>
+            <a:endParaRPr lang="en-AU" b="1" dirty="0">
+              <a:solidFill>
+                <a:schemeClr val="tx1"/>
+              </a:solidFill>
+              <a:latin typeface="Comic Sans MS" panose="030F0702030302020204" pitchFamily="66" charset="0"/>
+            </a:endParaRPr>
+          </a:p>
+        </p:txBody>
+      </p:sp>
+      <p:pic>
+        <p:nvPicPr>
+          <p:cNvPr id="5" name="Picture 4">
+            <a:extLst>
+              <a:ext uri="{FF2B5EF4-FFF2-40B4-BE49-F238E27FC236}">
+                <a16:creationId xmlns:a16="http://schemas.microsoft.com/office/drawing/2014/main" id="{304C2F72-5D9B-A15D-2192-C8A877EA757D}"/>
+              </a:ext>
+            </a:extLst>
+          </p:cNvPr>
+          <p:cNvPicPr>
+            <a:picLocks noChangeAspect="1"/>
+          </p:cNvPicPr>
+          <p:nvPr/>
+        </p:nvPicPr>
+        <p:blipFill>
+          <a:blip r:embed="rId2"/>
+          <a:stretch>
+            <a:fillRect/>
+          </a:stretch>
+        </p:blipFill>
+        <p:spPr>
+          <a:xfrm>
+            <a:off x="7560042" y="2230450"/>
+            <a:ext cx="1596150" cy="1610029"/>
+          </a:xfrm>
+          <a:prstGeom prst="rect">
+            <a:avLst/>
+          </a:prstGeom>
+        </p:spPr>
+      </p:pic>
+      <p:cxnSp>
+        <p:nvCxnSpPr>
+          <p:cNvPr id="7" name="Straight Connector 6">
+            <a:extLst>
+              <a:ext uri="{FF2B5EF4-FFF2-40B4-BE49-F238E27FC236}">
+                <a16:creationId xmlns:a16="http://schemas.microsoft.com/office/drawing/2014/main" id="{09A995F1-1E72-C978-3717-6382AB39577F}"/>
+              </a:ext>
+            </a:extLst>
+          </p:cNvPr>
+          <p:cNvCxnSpPr>
+            <a:cxnSpLocks/>
+          </p:cNvCxnSpPr>
+          <p:nvPr/>
+        </p:nvCxnSpPr>
+        <p:spPr>
+          <a:xfrm>
+            <a:off x="6400800" y="621792"/>
+            <a:ext cx="0" cy="5559552"/>
+          </a:xfrm>
+          <a:prstGeom prst="line">
+            <a:avLst/>
+          </a:prstGeom>
+          <a:ln w="28575">
+            <a:prstDash val="dash"/>
+          </a:ln>
+        </p:spPr>
+        <p:style>
+          <a:lnRef idx="2">
+            <a:schemeClr val="accent1"/>
+          </a:lnRef>
+          <a:fillRef idx="0">
+            <a:schemeClr val="accent1"/>
+          </a:fillRef>
+          <a:effectRef idx="1">
+            <a:schemeClr val="accent1"/>
+          </a:effectRef>
+          <a:fontRef idx="minor">
+            <a:schemeClr val="tx1"/>
+          </a:fontRef>
+        </p:style>
+      </p:cxnSp>
+      <p:cxnSp>
+        <p:nvCxnSpPr>
+          <p:cNvPr id="9" name="Straight Connector 8">
+            <a:extLst>
+              <a:ext uri="{FF2B5EF4-FFF2-40B4-BE49-F238E27FC236}">
+                <a16:creationId xmlns:a16="http://schemas.microsoft.com/office/drawing/2014/main" id="{9E48007E-8B89-FE27-C0CF-7F15E39D846F}"/>
+              </a:ext>
+            </a:extLst>
+          </p:cNvPr>
+          <p:cNvCxnSpPr/>
+          <p:nvPr/>
+        </p:nvCxnSpPr>
+        <p:spPr>
+          <a:xfrm>
+            <a:off x="5811450" y="1371600"/>
+            <a:ext cx="507054" cy="0"/>
+          </a:xfrm>
+          <a:prstGeom prst="line">
+            <a:avLst/>
+          </a:prstGeom>
+        </p:spPr>
+        <p:style>
+          <a:lnRef idx="2">
+            <a:schemeClr val="accent1"/>
+          </a:lnRef>
+          <a:fillRef idx="0">
+            <a:schemeClr val="accent1"/>
+          </a:fillRef>
+          <a:effectRef idx="1">
+            <a:schemeClr val="accent1"/>
+          </a:effectRef>
+          <a:fontRef idx="minor">
+            <a:schemeClr val="tx1"/>
+          </a:fontRef>
+        </p:style>
+      </p:cxnSp>
+      <p:cxnSp>
+        <p:nvCxnSpPr>
+          <p:cNvPr id="10" name="Straight Connector 9">
+            <a:extLst>
+              <a:ext uri="{FF2B5EF4-FFF2-40B4-BE49-F238E27FC236}">
+                <a16:creationId xmlns:a16="http://schemas.microsoft.com/office/drawing/2014/main" id="{29FB8421-7152-18D2-ECEF-AF557B298F82}"/>
+              </a:ext>
+            </a:extLst>
+          </p:cNvPr>
+          <p:cNvCxnSpPr/>
+          <p:nvPr/>
+        </p:nvCxnSpPr>
+        <p:spPr>
+          <a:xfrm>
+            <a:off x="5811450" y="2374392"/>
+            <a:ext cx="507054" cy="0"/>
+          </a:xfrm>
+          <a:prstGeom prst="line">
+            <a:avLst/>
+          </a:prstGeom>
+        </p:spPr>
+        <p:style>
+          <a:lnRef idx="2">
+            <a:schemeClr val="accent1"/>
+          </a:lnRef>
+          <a:fillRef idx="0">
+            <a:schemeClr val="accent1"/>
+          </a:fillRef>
+          <a:effectRef idx="1">
+            <a:schemeClr val="accent1"/>
+          </a:effectRef>
+          <a:fontRef idx="minor">
+            <a:schemeClr val="tx1"/>
+          </a:fontRef>
+        </p:style>
+      </p:cxnSp>
+      <p:cxnSp>
+        <p:nvCxnSpPr>
+          <p:cNvPr id="11" name="Straight Connector 10">
+            <a:extLst>
+              <a:ext uri="{FF2B5EF4-FFF2-40B4-BE49-F238E27FC236}">
+                <a16:creationId xmlns:a16="http://schemas.microsoft.com/office/drawing/2014/main" id="{4211448A-485A-0316-6336-1F6D7C072CB9}"/>
+              </a:ext>
+            </a:extLst>
+          </p:cNvPr>
+          <p:cNvCxnSpPr/>
+          <p:nvPr/>
+        </p:nvCxnSpPr>
+        <p:spPr>
+          <a:xfrm>
+            <a:off x="5811450" y="3437420"/>
+            <a:ext cx="507054" cy="0"/>
+          </a:xfrm>
+          <a:prstGeom prst="line">
+            <a:avLst/>
+          </a:prstGeom>
+        </p:spPr>
+        <p:style>
+          <a:lnRef idx="2">
+            <a:schemeClr val="accent1"/>
+          </a:lnRef>
+          <a:fillRef idx="0">
+            <a:schemeClr val="accent1"/>
+          </a:fillRef>
+          <a:effectRef idx="1">
+            <a:schemeClr val="accent1"/>
+          </a:effectRef>
+          <a:fontRef idx="minor">
+            <a:schemeClr val="tx1"/>
+          </a:fontRef>
+        </p:style>
+      </p:cxnSp>
+      <p:sp>
+        <p:nvSpPr>
+          <p:cNvPr id="12" name="Rectangle 11">
+            <a:extLst>
+              <a:ext uri="{FF2B5EF4-FFF2-40B4-BE49-F238E27FC236}">
+                <a16:creationId xmlns:a16="http://schemas.microsoft.com/office/drawing/2014/main" id="{2A44AB1F-62D7-B845-88ED-009FDD335EC2}"/>
+              </a:ext>
+            </a:extLst>
+          </p:cNvPr>
+          <p:cNvSpPr/>
+          <p:nvPr/>
+        </p:nvSpPr>
+        <p:spPr>
+          <a:xfrm>
+            <a:off x="4520240" y="3145193"/>
+            <a:ext cx="1249680" cy="590550"/>
+          </a:xfrm>
+          <a:prstGeom prst="rect">
+            <a:avLst/>
+          </a:prstGeom>
+          <a:solidFill>
+            <a:schemeClr val="bg1"/>
+          </a:solidFill>
+          <a:ln w="28575">
+            <a:solidFill>
+              <a:schemeClr val="tx2">
+                <a:lumMod val="75000"/>
+                <a:lumOff val="25000"/>
+              </a:schemeClr>
+            </a:solidFill>
+          </a:ln>
+        </p:spPr>
+        <p:style>
+          <a:lnRef idx="2">
+            <a:schemeClr val="accent1">
+              <a:shade val="15000"/>
+            </a:schemeClr>
+          </a:lnRef>
+          <a:fillRef idx="1">
+            <a:schemeClr val="accent1"/>
+          </a:fillRef>
+          <a:effectRef idx="0">
+            <a:schemeClr val="accent1"/>
+          </a:effectRef>
+          <a:fontRef idx="minor">
+            <a:schemeClr val="lt1"/>
+          </a:fontRef>
+        </p:style>
+        <p:txBody>
+          <a:bodyPr rtlCol="0" anchor="ctr"/>
+          <a:lstStyle/>
+          <a:p>
+            <a:r>
+              <a:rPr lang="en-US" sz="1600" dirty="0">
+                <a:solidFill>
+                  <a:schemeClr val="tx1"/>
+                </a:solidFill>
+                <a:latin typeface="Comic Sans MS" panose="030F0702030302020204" pitchFamily="66" charset="0"/>
+              </a:rPr>
+              <a:t>Tools</a:t>
+            </a:r>
+            <a:endParaRPr lang="en-AU" sz="1600" dirty="0">
+              <a:solidFill>
+                <a:schemeClr val="tx1"/>
+              </a:solidFill>
+              <a:latin typeface="Comic Sans MS" panose="030F0702030302020204" pitchFamily="66" charset="0"/>
+            </a:endParaRPr>
+          </a:p>
+        </p:txBody>
+      </p:sp>
+      <p:sp>
+        <p:nvSpPr>
+          <p:cNvPr id="13" name="Rectangle 12">
+            <a:extLst>
+              <a:ext uri="{FF2B5EF4-FFF2-40B4-BE49-F238E27FC236}">
+                <a16:creationId xmlns:a16="http://schemas.microsoft.com/office/drawing/2014/main" id="{C9EC7B47-EA16-31D1-1AA3-9D004AD06812}"/>
+              </a:ext>
+            </a:extLst>
+          </p:cNvPr>
+          <p:cNvSpPr/>
+          <p:nvPr/>
+        </p:nvSpPr>
+        <p:spPr>
+          <a:xfrm>
+            <a:off x="4087372" y="4202849"/>
+            <a:ext cx="1682548" cy="590550"/>
+          </a:xfrm>
+          <a:prstGeom prst="rect">
+            <a:avLst/>
+          </a:prstGeom>
+          <a:solidFill>
+            <a:schemeClr val="bg1"/>
+          </a:solidFill>
+          <a:ln w="28575">
+            <a:solidFill>
+              <a:schemeClr val="tx2">
+                <a:lumMod val="75000"/>
+                <a:lumOff val="25000"/>
+              </a:schemeClr>
+            </a:solidFill>
+          </a:ln>
+        </p:spPr>
+        <p:style>
+          <a:lnRef idx="2">
+            <a:schemeClr val="accent1">
+              <a:shade val="15000"/>
+            </a:schemeClr>
+          </a:lnRef>
+          <a:fillRef idx="1">
+            <a:schemeClr val="accent1"/>
+          </a:fillRef>
+          <a:effectRef idx="0">
+            <a:schemeClr val="accent1"/>
+          </a:effectRef>
+          <a:fontRef idx="minor">
+            <a:schemeClr val="lt1"/>
+          </a:fontRef>
+        </p:style>
+        <p:txBody>
+          <a:bodyPr rtlCol="0" anchor="ctr"/>
+          <a:lstStyle/>
+          <a:p>
+            <a:r>
+              <a:rPr lang="en-US" sz="1400" dirty="0">
+                <a:solidFill>
+                  <a:schemeClr val="tx1"/>
+                </a:solidFill>
+                <a:latin typeface="Comic Sans MS" panose="030F0702030302020204" pitchFamily="66" charset="0"/>
+              </a:rPr>
+              <a:t>Input &amp; Output Samples</a:t>
+            </a:r>
+            <a:endParaRPr lang="en-AU" sz="1400" dirty="0">
+              <a:solidFill>
+                <a:schemeClr val="tx1"/>
+              </a:solidFill>
+              <a:latin typeface="Comic Sans MS" panose="030F0702030302020204" pitchFamily="66" charset="0"/>
+            </a:endParaRPr>
+          </a:p>
+        </p:txBody>
+      </p:sp>
+      <p:sp>
+        <p:nvSpPr>
+          <p:cNvPr id="14" name="Rectangle 13">
+            <a:extLst>
+              <a:ext uri="{FF2B5EF4-FFF2-40B4-BE49-F238E27FC236}">
+                <a16:creationId xmlns:a16="http://schemas.microsoft.com/office/drawing/2014/main" id="{AD6F31CB-2B40-E24F-F2A2-D25AE8BAC03B}"/>
+              </a:ext>
+            </a:extLst>
+          </p:cNvPr>
+          <p:cNvSpPr/>
+          <p:nvPr/>
+        </p:nvSpPr>
+        <p:spPr>
+          <a:xfrm>
+            <a:off x="4128902" y="5148757"/>
+            <a:ext cx="1682548" cy="590550"/>
+          </a:xfrm>
+          <a:prstGeom prst="rect">
+            <a:avLst/>
+          </a:prstGeom>
+          <a:solidFill>
+            <a:schemeClr val="bg1"/>
+          </a:solidFill>
+          <a:ln w="28575">
+            <a:solidFill>
+              <a:schemeClr val="tx2">
+                <a:lumMod val="75000"/>
+                <a:lumOff val="25000"/>
+              </a:schemeClr>
+            </a:solidFill>
+          </a:ln>
+        </p:spPr>
+        <p:style>
+          <a:lnRef idx="2">
+            <a:schemeClr val="accent1">
+              <a:shade val="15000"/>
+            </a:schemeClr>
+          </a:lnRef>
+          <a:fillRef idx="1">
+            <a:schemeClr val="accent1"/>
+          </a:fillRef>
+          <a:effectRef idx="0">
+            <a:schemeClr val="accent1"/>
+          </a:effectRef>
+          <a:fontRef idx="minor">
+            <a:schemeClr val="lt1"/>
+          </a:fontRef>
+        </p:style>
+        <p:txBody>
+          <a:bodyPr rtlCol="0" anchor="ctr"/>
+          <a:lstStyle/>
+          <a:p>
+            <a:r>
+              <a:rPr lang="en-US" sz="1400" dirty="0">
+                <a:solidFill>
+                  <a:schemeClr val="tx1"/>
+                </a:solidFill>
+                <a:latin typeface="Comic Sans MS" panose="030F0702030302020204" pitchFamily="66" charset="0"/>
+              </a:rPr>
+              <a:t>Supporting Data</a:t>
+            </a:r>
+            <a:endParaRPr lang="en-AU" sz="1400" dirty="0">
+              <a:solidFill>
+                <a:schemeClr val="tx1"/>
+              </a:solidFill>
+              <a:latin typeface="Comic Sans MS" panose="030F0702030302020204" pitchFamily="66" charset="0"/>
+            </a:endParaRPr>
+          </a:p>
+        </p:txBody>
+      </p:sp>
+      <p:cxnSp>
+        <p:nvCxnSpPr>
+          <p:cNvPr id="16" name="Straight Connector 15">
+            <a:extLst>
+              <a:ext uri="{FF2B5EF4-FFF2-40B4-BE49-F238E27FC236}">
+                <a16:creationId xmlns:a16="http://schemas.microsoft.com/office/drawing/2014/main" id="{8CFE415C-5D77-F7D7-5F09-5D05E79A1F48}"/>
+              </a:ext>
+            </a:extLst>
+          </p:cNvPr>
+          <p:cNvCxnSpPr/>
+          <p:nvPr/>
+        </p:nvCxnSpPr>
+        <p:spPr>
+          <a:xfrm>
+            <a:off x="5811450" y="4503496"/>
+            <a:ext cx="507054" cy="0"/>
+          </a:xfrm>
+          <a:prstGeom prst="line">
+            <a:avLst/>
+          </a:prstGeom>
+        </p:spPr>
+        <p:style>
+          <a:lnRef idx="2">
+            <a:schemeClr val="accent1"/>
+          </a:lnRef>
+          <a:fillRef idx="0">
+            <a:schemeClr val="accent1"/>
+          </a:fillRef>
+          <a:effectRef idx="1">
+            <a:schemeClr val="accent1"/>
+          </a:effectRef>
+          <a:fontRef idx="minor">
+            <a:schemeClr val="tx1"/>
+          </a:fontRef>
+        </p:style>
+      </p:cxnSp>
+      <p:cxnSp>
+        <p:nvCxnSpPr>
+          <p:cNvPr id="17" name="Straight Connector 16">
+            <a:extLst>
+              <a:ext uri="{FF2B5EF4-FFF2-40B4-BE49-F238E27FC236}">
+                <a16:creationId xmlns:a16="http://schemas.microsoft.com/office/drawing/2014/main" id="{660CC348-10BB-9CCF-AE54-9E5494FD429F}"/>
+              </a:ext>
+            </a:extLst>
+          </p:cNvPr>
+          <p:cNvCxnSpPr/>
+          <p:nvPr/>
+        </p:nvCxnSpPr>
+        <p:spPr>
+          <a:xfrm>
+            <a:off x="5893746" y="5418200"/>
+            <a:ext cx="507054" cy="0"/>
+          </a:xfrm>
+          <a:prstGeom prst="line">
+            <a:avLst/>
+          </a:prstGeom>
+        </p:spPr>
+        <p:style>
+          <a:lnRef idx="2">
+            <a:schemeClr val="accent1"/>
+          </a:lnRef>
+          <a:fillRef idx="0">
+            <a:schemeClr val="accent1"/>
+          </a:fillRef>
+          <a:effectRef idx="1">
+            <a:schemeClr val="accent1"/>
+          </a:effectRef>
+          <a:fontRef idx="minor">
+            <a:schemeClr val="tx1"/>
+          </a:fontRef>
+        </p:style>
+      </p:cxnSp>
+      <p:sp>
+        <p:nvSpPr>
+          <p:cNvPr id="18" name="Rectangle 17">
+            <a:extLst>
+              <a:ext uri="{FF2B5EF4-FFF2-40B4-BE49-F238E27FC236}">
+                <a16:creationId xmlns:a16="http://schemas.microsoft.com/office/drawing/2014/main" id="{3F90B3BF-5A1F-6A93-6B26-3505FC8C9F61}"/>
+              </a:ext>
+            </a:extLst>
+          </p:cNvPr>
+          <p:cNvSpPr/>
+          <p:nvPr/>
+        </p:nvSpPr>
+        <p:spPr>
+          <a:xfrm>
+            <a:off x="1591054" y="2079117"/>
+            <a:ext cx="1249680" cy="590550"/>
+          </a:xfrm>
+          <a:prstGeom prst="rect">
+            <a:avLst/>
+          </a:prstGeom>
+          <a:solidFill>
+            <a:schemeClr val="bg1"/>
+          </a:solidFill>
+          <a:ln w="28575">
+            <a:solidFill>
+              <a:schemeClr val="tx2">
+                <a:lumMod val="75000"/>
+                <a:lumOff val="25000"/>
+              </a:schemeClr>
+            </a:solidFill>
+          </a:ln>
+        </p:spPr>
+        <p:style>
+          <a:lnRef idx="2">
+            <a:schemeClr val="accent1">
+              <a:shade val="15000"/>
+            </a:schemeClr>
+          </a:lnRef>
+          <a:fillRef idx="1">
+            <a:schemeClr val="accent1"/>
+          </a:fillRef>
+          <a:effectRef idx="0">
+            <a:schemeClr val="accent1"/>
+          </a:effectRef>
+          <a:fontRef idx="minor">
+            <a:schemeClr val="lt1"/>
+          </a:fontRef>
+        </p:style>
+        <p:txBody>
+          <a:bodyPr rtlCol="0" anchor="ctr"/>
+          <a:lstStyle/>
+          <a:p>
+            <a:r>
+              <a:rPr lang="en-US" sz="1600" dirty="0">
+                <a:solidFill>
+                  <a:schemeClr val="tx1"/>
+                </a:solidFill>
+                <a:latin typeface="Comic Sans MS" panose="030F0702030302020204" pitchFamily="66" charset="0"/>
+              </a:rPr>
+              <a:t>User Prompt</a:t>
+            </a:r>
+            <a:endParaRPr lang="en-AU" sz="1600" dirty="0">
+              <a:solidFill>
+                <a:schemeClr val="tx1"/>
+              </a:solidFill>
+              <a:latin typeface="Comic Sans MS" panose="030F0702030302020204" pitchFamily="66" charset="0"/>
+            </a:endParaRPr>
+          </a:p>
+        </p:txBody>
+      </p:sp>
+      <p:sp>
+        <p:nvSpPr>
+          <p:cNvPr id="19" name="Arrow: Right 18">
+            <a:extLst>
+              <a:ext uri="{FF2B5EF4-FFF2-40B4-BE49-F238E27FC236}">
+                <a16:creationId xmlns:a16="http://schemas.microsoft.com/office/drawing/2014/main" id="{B32DF272-5741-AEAA-6C68-762C245E0CAF}"/>
+              </a:ext>
+            </a:extLst>
+          </p:cNvPr>
+          <p:cNvSpPr/>
+          <p:nvPr/>
+        </p:nvSpPr>
+        <p:spPr>
+          <a:xfrm>
+            <a:off x="3035808" y="2230450"/>
+            <a:ext cx="667512" cy="320726"/>
+          </a:xfrm>
+          <a:prstGeom prst="rightArrow">
+            <a:avLst/>
+          </a:prstGeom>
+        </p:spPr>
+        <p:style>
+          <a:lnRef idx="2">
+            <a:schemeClr val="accent1">
+              <a:shade val="15000"/>
+            </a:schemeClr>
+          </a:lnRef>
+          <a:fillRef idx="1">
+            <a:schemeClr val="accent1"/>
+          </a:fillRef>
+          <a:effectRef idx="0">
+            <a:schemeClr val="accent1"/>
+          </a:effectRef>
+          <a:fontRef idx="minor">
+            <a:schemeClr val="lt1"/>
+          </a:fontRef>
+        </p:style>
+        <p:txBody>
+          <a:bodyPr rtlCol="0" anchor="ctr"/>
+          <a:lstStyle/>
+          <a:p>
+            <a:pPr algn="ctr"/>
+            <a:endParaRPr lang="en-AU"/>
+          </a:p>
+        </p:txBody>
+      </p:sp>
+      <p:sp>
+        <p:nvSpPr>
+          <p:cNvPr id="20" name="Arrow: Right 19">
+            <a:extLst>
+              <a:ext uri="{FF2B5EF4-FFF2-40B4-BE49-F238E27FC236}">
+                <a16:creationId xmlns:a16="http://schemas.microsoft.com/office/drawing/2014/main" id="{99B68F22-0EE6-ACED-62BD-763F1B60275A}"/>
+              </a:ext>
+            </a:extLst>
+          </p:cNvPr>
+          <p:cNvSpPr/>
+          <p:nvPr/>
+        </p:nvSpPr>
+        <p:spPr>
+          <a:xfrm>
+            <a:off x="6693791" y="2897201"/>
+            <a:ext cx="667512" cy="320726"/>
+          </a:xfrm>
+          <a:prstGeom prst="rightArrow">
+            <a:avLst/>
+          </a:prstGeom>
+        </p:spPr>
+        <p:style>
+          <a:lnRef idx="2">
+            <a:schemeClr val="accent1">
+              <a:shade val="15000"/>
+            </a:schemeClr>
+          </a:lnRef>
+          <a:fillRef idx="1">
+            <a:schemeClr val="accent1"/>
+          </a:fillRef>
+          <a:effectRef idx="0">
+            <a:schemeClr val="accent1"/>
+          </a:effectRef>
+          <a:fontRef idx="minor">
+            <a:schemeClr val="lt1"/>
+          </a:fontRef>
+        </p:style>
+        <p:txBody>
+          <a:bodyPr rtlCol="0" anchor="ctr"/>
+          <a:lstStyle/>
+          <a:p>
+            <a:pPr algn="ctr"/>
+            <a:endParaRPr lang="en-AU"/>
+          </a:p>
+        </p:txBody>
+      </p:sp>
+      <p:sp>
+        <p:nvSpPr>
+          <p:cNvPr id="21" name="Rectangle 20">
+            <a:extLst>
+              <a:ext uri="{FF2B5EF4-FFF2-40B4-BE49-F238E27FC236}">
+                <a16:creationId xmlns:a16="http://schemas.microsoft.com/office/drawing/2014/main" id="{CAA61BDC-1C65-9F6E-E22B-F1B8E9519781}"/>
+              </a:ext>
+            </a:extLst>
+          </p:cNvPr>
+          <p:cNvSpPr/>
+          <p:nvPr/>
+        </p:nvSpPr>
+        <p:spPr>
+          <a:xfrm>
+            <a:off x="9596246" y="2762289"/>
+            <a:ext cx="1249680" cy="590550"/>
+          </a:xfrm>
+          <a:prstGeom prst="rect">
+            <a:avLst/>
+          </a:prstGeom>
+          <a:solidFill>
+            <a:schemeClr val="bg1"/>
+          </a:solidFill>
+          <a:ln w="28575">
+            <a:solidFill>
+              <a:schemeClr val="tx2">
+                <a:lumMod val="75000"/>
+                <a:lumOff val="25000"/>
+              </a:schemeClr>
+            </a:solidFill>
+          </a:ln>
+        </p:spPr>
+        <p:style>
+          <a:lnRef idx="2">
+            <a:schemeClr val="accent1">
+              <a:shade val="15000"/>
+            </a:schemeClr>
+          </a:lnRef>
+          <a:fillRef idx="1">
+            <a:schemeClr val="accent1"/>
+          </a:fillRef>
+          <a:effectRef idx="0">
+            <a:schemeClr val="accent1"/>
+          </a:effectRef>
+          <a:fontRef idx="minor">
+            <a:schemeClr val="lt1"/>
+          </a:fontRef>
+        </p:style>
+        <p:txBody>
+          <a:bodyPr rtlCol="0" anchor="ctr"/>
+          <a:lstStyle/>
+          <a:p>
+            <a:r>
+              <a:rPr lang="en-US" sz="1400" dirty="0">
+                <a:solidFill>
+                  <a:schemeClr val="tx1"/>
+                </a:solidFill>
+                <a:latin typeface="Comic Sans MS" panose="030F0702030302020204" pitchFamily="66" charset="0"/>
+              </a:rPr>
+              <a:t>LLM Response</a:t>
+            </a:r>
+            <a:endParaRPr lang="en-AU" sz="1400" dirty="0">
+              <a:solidFill>
+                <a:schemeClr val="tx1"/>
+              </a:solidFill>
+              <a:latin typeface="Comic Sans MS" panose="030F0702030302020204" pitchFamily="66" charset="0"/>
+            </a:endParaRPr>
+          </a:p>
+        </p:txBody>
+      </p:sp>
+    </p:spTree>
+    <p:extLst>
+      <p:ext uri="{BB962C8B-B14F-4D97-AF65-F5344CB8AC3E}">
+        <p14:creationId xmlns:p14="http://schemas.microsoft.com/office/powerpoint/2010/main" val="218017139"/>
+      </p:ext>
+    </p:extLst>
+  </p:cSld>
+  <p:clrMapOvr>
+    <a:masterClrMapping/>
+  </p:clrMapOvr>
+</p:sld>
+</file>
+
+<file path=ppt/slides/slide6.xml><?xml version="1.0" encoding="utf-8"?>
+<p:sld xmlns:a="http://schemas.openxmlformats.org/drawingml/2006/main" xmlns:r="http://schemas.openxmlformats.org/officeDocument/2006/relationships" xmlns:p="http://schemas.openxmlformats.org/presentationml/2006/main">
+  <p:cSld>
+    <p:spTree>
+      <p:nvGrpSpPr>
+        <p:cNvPr id="1" name="">
+          <a:extLst>
+            <a:ext uri="{FF2B5EF4-FFF2-40B4-BE49-F238E27FC236}">
+              <a16:creationId xmlns:a16="http://schemas.microsoft.com/office/drawing/2014/main" id="{2E3BD602-3BB0-5748-6DEB-23DD9737B9E7}"/>
+            </a:ext>
+          </a:extLst>
+        </p:cNvPr>
+        <p:cNvGrpSpPr/>
+        <p:nvPr/>
+      </p:nvGrpSpPr>
+      <p:grpSpPr>
+        <a:xfrm>
+          <a:off x="0" y="0"/>
+          <a:ext cx="0" cy="0"/>
+          <a:chOff x="0" y="0"/>
+          <a:chExt cx="0" cy="0"/>
+        </a:xfrm>
+      </p:grpSpPr>
+      <p:sp>
+        <p:nvSpPr>
+          <p:cNvPr id="31" name="Rectangle 30">
+            <a:extLst>
+              <a:ext uri="{FF2B5EF4-FFF2-40B4-BE49-F238E27FC236}">
+                <a16:creationId xmlns:a16="http://schemas.microsoft.com/office/drawing/2014/main" id="{15CF1BC4-3487-446A-CFB1-C6E42567F1C2}"/>
+              </a:ext>
+            </a:extLst>
+          </p:cNvPr>
+          <p:cNvSpPr/>
+          <p:nvPr/>
+        </p:nvSpPr>
+        <p:spPr>
+          <a:xfrm>
+            <a:off x="3861787" y="2992626"/>
+            <a:ext cx="2441359" cy="909116"/>
+          </a:xfrm>
+          <a:prstGeom prst="rect">
+            <a:avLst/>
+          </a:prstGeom>
+          <a:solidFill>
+            <a:schemeClr val="bg1"/>
+          </a:solidFill>
+          <a:ln w="28575">
+            <a:solidFill>
+              <a:schemeClr val="bg1">
+                <a:lumMod val="85000"/>
+              </a:schemeClr>
+            </a:solidFill>
+          </a:ln>
+        </p:spPr>
+        <p:style>
+          <a:lnRef idx="2">
+            <a:schemeClr val="accent1">
+              <a:shade val="15000"/>
+            </a:schemeClr>
+          </a:lnRef>
+          <a:fillRef idx="1">
+            <a:schemeClr val="accent1"/>
+          </a:fillRef>
+          <a:effectRef idx="0">
+            <a:schemeClr val="accent1"/>
+          </a:effectRef>
+          <a:fontRef idx="minor">
+            <a:schemeClr val="lt1"/>
+          </a:fontRef>
+        </p:style>
+        <p:txBody>
+          <a:bodyPr rtlCol="0" anchor="ctr"/>
+          <a:lstStyle/>
+          <a:p>
+            <a:endParaRPr lang="en-AU" sz="1400" dirty="0">
+              <a:solidFill>
+                <a:schemeClr val="tx1"/>
+              </a:solidFill>
+              <a:latin typeface="Comic Sans MS" panose="030F0702030302020204" pitchFamily="66" charset="0"/>
+            </a:endParaRPr>
+          </a:p>
+        </p:txBody>
+      </p:sp>
+      <p:sp>
+        <p:nvSpPr>
+          <p:cNvPr id="2" name="Rectangle 1">
+            <a:extLst>
+              <a:ext uri="{FF2B5EF4-FFF2-40B4-BE49-F238E27FC236}">
+                <a16:creationId xmlns:a16="http://schemas.microsoft.com/office/drawing/2014/main" id="{B0C00346-83A2-E421-49F6-E7B0640E5592}"/>
+              </a:ext>
+            </a:extLst>
+          </p:cNvPr>
+          <p:cNvSpPr/>
+          <p:nvPr/>
+        </p:nvSpPr>
+        <p:spPr>
+          <a:xfrm>
+            <a:off x="1153764" y="2586001"/>
+            <a:ext cx="2210539" cy="1552678"/>
+          </a:xfrm>
+          <a:prstGeom prst="rect">
+            <a:avLst/>
+          </a:prstGeom>
+          <a:solidFill>
+            <a:schemeClr val="bg1"/>
+          </a:solidFill>
+          <a:ln w="28575">
+            <a:solidFill>
+              <a:schemeClr val="bg1">
+                <a:lumMod val="85000"/>
+              </a:schemeClr>
+            </a:solidFill>
+          </a:ln>
+        </p:spPr>
+        <p:style>
+          <a:lnRef idx="2">
+            <a:schemeClr val="accent1">
+              <a:shade val="15000"/>
+            </a:schemeClr>
+          </a:lnRef>
+          <a:fillRef idx="1">
+            <a:schemeClr val="accent1"/>
+          </a:fillRef>
+          <a:effectRef idx="0">
+            <a:schemeClr val="accent1"/>
+          </a:effectRef>
+          <a:fontRef idx="minor">
+            <a:schemeClr val="lt1"/>
+          </a:fontRef>
+        </p:style>
+        <p:txBody>
+          <a:bodyPr rtlCol="0" anchor="ctr"/>
+          <a:lstStyle/>
+          <a:p>
+            <a:endParaRPr lang="en-AU" sz="1400" dirty="0">
+              <a:solidFill>
+                <a:schemeClr val="tx1"/>
+              </a:solidFill>
+              <a:latin typeface="Comic Sans MS" panose="030F0702030302020204" pitchFamily="66" charset="0"/>
+            </a:endParaRPr>
+          </a:p>
+        </p:txBody>
+      </p:sp>
+      <p:sp>
+        <p:nvSpPr>
+          <p:cNvPr id="18" name="Rectangle 17">
+            <a:extLst>
+              <a:ext uri="{FF2B5EF4-FFF2-40B4-BE49-F238E27FC236}">
+                <a16:creationId xmlns:a16="http://schemas.microsoft.com/office/drawing/2014/main" id="{025303CB-0ED1-6B01-8655-EA86BD214B70}"/>
+              </a:ext>
+            </a:extLst>
+          </p:cNvPr>
+          <p:cNvSpPr/>
+          <p:nvPr/>
+        </p:nvSpPr>
+        <p:spPr>
+          <a:xfrm>
+            <a:off x="1342995" y="3006463"/>
+            <a:ext cx="1784447" cy="355114"/>
+          </a:xfrm>
+          <a:prstGeom prst="rect">
+            <a:avLst/>
+          </a:prstGeom>
+          <a:solidFill>
+            <a:schemeClr val="bg1">
+              <a:lumMod val="95000"/>
+            </a:schemeClr>
+          </a:solidFill>
+          <a:ln w="9525">
+            <a:solidFill>
+              <a:schemeClr val="tx1"/>
+            </a:solidFill>
+          </a:ln>
+        </p:spPr>
+        <p:style>
+          <a:lnRef idx="2">
+            <a:schemeClr val="accent1">
+              <a:shade val="15000"/>
+            </a:schemeClr>
+          </a:lnRef>
+          <a:fillRef idx="1">
+            <a:schemeClr val="accent1"/>
+          </a:fillRef>
+          <a:effectRef idx="0">
+            <a:schemeClr val="accent1"/>
+          </a:effectRef>
+          <a:fontRef idx="minor">
+            <a:schemeClr val="lt1"/>
+          </a:fontRef>
+        </p:style>
+        <p:txBody>
+          <a:bodyPr rtlCol="0" anchor="ctr"/>
+          <a:lstStyle/>
+          <a:p>
+            <a:r>
+              <a:rPr lang="en-US" sz="1200" dirty="0">
+                <a:solidFill>
+                  <a:schemeClr val="tx1"/>
+                </a:solidFill>
+                <a:latin typeface="Comic Sans MS" panose="030F0702030302020204" pitchFamily="66" charset="0"/>
+              </a:rPr>
+              <a:t>submit_order</a:t>
+            </a:r>
+            <a:endParaRPr lang="en-AU" sz="1200" dirty="0">
+              <a:solidFill>
+                <a:schemeClr val="tx1"/>
+              </a:solidFill>
+              <a:latin typeface="Comic Sans MS" panose="030F0702030302020204" pitchFamily="66" charset="0"/>
+            </a:endParaRPr>
+          </a:p>
+        </p:txBody>
+      </p:sp>
+      <p:sp>
+        <p:nvSpPr>
+          <p:cNvPr id="15" name="Title 5">
+            <a:extLst>
+              <a:ext uri="{FF2B5EF4-FFF2-40B4-BE49-F238E27FC236}">
+                <a16:creationId xmlns:a16="http://schemas.microsoft.com/office/drawing/2014/main" id="{9FA342B7-8398-FCE9-B462-148D649D17EE}"/>
+              </a:ext>
+            </a:extLst>
+          </p:cNvPr>
+          <p:cNvSpPr txBox="1">
+            <a:spLocks/>
+          </p:cNvSpPr>
+          <p:nvPr/>
+        </p:nvSpPr>
+        <p:spPr>
+          <a:xfrm>
+            <a:off x="437177" y="180142"/>
+            <a:ext cx="9518986" cy="553998"/>
+          </a:xfrm>
+          <a:prstGeom prst="rect">
+            <a:avLst/>
+          </a:prstGeom>
+          <a:noFill/>
+          <a:ln>
+            <a:noFill/>
+            <a:prstDash/>
+          </a:ln>
+          <a:effectLst/>
+        </p:spPr>
+        <p:txBody>
+          <a:bodyPr rot="0" spcFirstLastPara="0" vertOverflow="overflow" horzOverflow="overflow" vert="horz" wrap="square" lIns="0" tIns="0" rIns="0" bIns="0" numCol="1" spcCol="0" rtlCol="0" fromWordArt="0" anchor="t" anchorCtr="0" forceAA="0" compatLnSpc="1">
+            <a:prstTxWarp prst="textNoShape">
+              <a:avLst/>
+            </a:prstTxWarp>
+            <a:spAutoFit/>
+          </a:bodyPr>
+          <a:lstStyle>
+            <a:defPPr>
+              <a:defRPr lang="en-US"/>
+            </a:defPPr>
+            <a:lvl1pPr marR="0" lvl="0" indent="0" algn="l" defTabSz="1371600" rtl="0" eaLnBrk="1" fontAlgn="auto" latinLnBrk="0" hangingPunct="1">
+              <a:lnSpc>
+                <a:spcPct val="100000"/>
+              </a:lnSpc>
+              <a:spcBef>
+                <a:spcPts val="0"/>
+              </a:spcBef>
+              <a:spcAft>
+                <a:spcPts val="0"/>
+              </a:spcAft>
+              <a:buClrTx/>
+              <a:buSzTx/>
+              <a:buFontTx/>
+              <a:buNone/>
+              <a:tabLst>
+                <a:tab pos="1371600" algn="l"/>
+              </a:tabLst>
+              <a:defRPr kumimoji="0" lang="en-US" sz="2400" b="0" i="0" u="none" strike="noStrike" kern="1200" cap="none" spc="0" normalizeH="0" baseline="0">
+                <a:ln w="3175">
+                  <a:noFill/>
+                </a:ln>
+                <a:gradFill>
+                  <a:gsLst>
+                    <a:gs pos="0">
+                      <a:srgbClr val="FFA38B"/>
+                    </a:gs>
+                    <a:gs pos="32000">
+                      <a:srgbClr val="D59ED7"/>
+                    </a:gs>
+                    <a:gs pos="68000">
+                      <a:srgbClr val="8DC8E8"/>
+                    </a:gs>
+                    <a:gs pos="100000">
+                      <a:srgbClr val="49C5B1"/>
+                    </a:gs>
+                  </a:gsLst>
+                  <a:path path="circle">
+                    <a:fillToRect l="100000" t="100000"/>
+                  </a:path>
+                </a:gradFill>
+                <a:effectLst/>
+                <a:uLnTx/>
+                <a:uFillTx/>
+                <a:latin typeface="+mj-lt"/>
+                <a:ea typeface="+mn-ea"/>
+                <a:cs typeface="Segoe UI" panose="020B0502040204020203" pitchFamily="34" charset="0"/>
+              </a:defRPr>
+            </a:lvl1pPr>
+            <a:lvl2pPr marL="457200" defTabSz="914400">
+              <a:defRPr sz="1800"/>
+            </a:lvl2pPr>
+            <a:lvl3pPr marL="914400" defTabSz="914400">
+              <a:defRPr sz="1800"/>
+            </a:lvl3pPr>
+            <a:lvl4pPr marL="1371600" defTabSz="914400">
+              <a:defRPr sz="1800"/>
+            </a:lvl4pPr>
+            <a:lvl5pPr marL="1828800" defTabSz="914400">
+              <a:defRPr sz="1800"/>
+            </a:lvl5pPr>
+            <a:lvl6pPr marL="2286000" defTabSz="914400">
+              <a:defRPr sz="1800"/>
+            </a:lvl6pPr>
+            <a:lvl7pPr marL="2743200" defTabSz="914400">
+              <a:defRPr sz="1800"/>
+            </a:lvl7pPr>
+            <a:lvl8pPr marL="3200400" defTabSz="914400">
+              <a:defRPr sz="1800"/>
+            </a:lvl8pPr>
+            <a:lvl9pPr marL="3657600" defTabSz="914400">
+              <a:defRPr sz="1800"/>
+            </a:lvl9pPr>
+          </a:lstStyle>
+          <a:p>
+            <a:pPr>
+              <a:defRPr/>
+            </a:pPr>
+            <a:r>
+              <a:rPr lang="en-US" sz="3600" dirty="0">
+                <a:solidFill>
+                  <a:schemeClr val="tx1"/>
+                </a:solidFill>
+              </a:rPr>
+              <a:t>How does Function Calling work ?</a:t>
+            </a:r>
+            <a:endParaRPr lang="en-US" sz="3600" b="1" spc="-50" dirty="0">
+              <a:solidFill>
+                <a:srgbClr val="8CADC6"/>
+              </a:solidFill>
+              <a:latin typeface="Segoe UI Semibold"/>
+              <a:cs typeface="Segoe UI Semibold"/>
+            </a:endParaRPr>
+          </a:p>
+        </p:txBody>
+      </p:sp>
+      <p:cxnSp>
+        <p:nvCxnSpPr>
+          <p:cNvPr id="8" name="Straight Connector 7">
+            <a:extLst>
+              <a:ext uri="{FF2B5EF4-FFF2-40B4-BE49-F238E27FC236}">
+                <a16:creationId xmlns:a16="http://schemas.microsoft.com/office/drawing/2014/main" id="{11795CAB-5868-0938-5BCB-01681D651E3E}"/>
+              </a:ext>
+            </a:extLst>
+          </p:cNvPr>
+          <p:cNvCxnSpPr>
+            <a:cxnSpLocks/>
+          </p:cNvCxnSpPr>
+          <p:nvPr/>
+        </p:nvCxnSpPr>
+        <p:spPr>
+          <a:xfrm>
+            <a:off x="1153764" y="2110023"/>
+            <a:ext cx="10184796" cy="0"/>
+          </a:xfrm>
+          <a:prstGeom prst="line">
+            <a:avLst/>
+          </a:prstGeom>
+          <a:ln w="28575">
+            <a:solidFill>
+              <a:schemeClr val="tx1"/>
+            </a:solidFill>
+            <a:prstDash val="dash"/>
+          </a:ln>
+        </p:spPr>
+        <p:style>
+          <a:lnRef idx="2">
+            <a:schemeClr val="accent1"/>
+          </a:lnRef>
+          <a:fillRef idx="0">
+            <a:schemeClr val="accent1"/>
+          </a:fillRef>
+          <a:effectRef idx="1">
+            <a:schemeClr val="accent1"/>
+          </a:effectRef>
+          <a:fontRef idx="minor">
+            <a:schemeClr val="tx1"/>
+          </a:fontRef>
+        </p:style>
+      </p:cxnSp>
+      <p:sp>
+        <p:nvSpPr>
+          <p:cNvPr id="25" name="Rectangle 24">
+            <a:extLst>
+              <a:ext uri="{FF2B5EF4-FFF2-40B4-BE49-F238E27FC236}">
+                <a16:creationId xmlns:a16="http://schemas.microsoft.com/office/drawing/2014/main" id="{F0C018E5-031E-988F-9399-3B987607B0DE}"/>
+              </a:ext>
+            </a:extLst>
+          </p:cNvPr>
+          <p:cNvSpPr/>
+          <p:nvPr/>
+        </p:nvSpPr>
+        <p:spPr>
+          <a:xfrm>
+            <a:off x="1281084" y="3515293"/>
+            <a:ext cx="1955898" cy="430187"/>
+          </a:xfrm>
+          <a:prstGeom prst="rect">
+            <a:avLst/>
+          </a:prstGeom>
+          <a:solidFill>
+            <a:schemeClr val="bg1">
+              <a:lumMod val="95000"/>
+            </a:schemeClr>
+          </a:solidFill>
+          <a:ln w="9525">
+            <a:solidFill>
+              <a:schemeClr val="tx1"/>
+            </a:solidFill>
+          </a:ln>
+        </p:spPr>
+        <p:style>
+          <a:lnRef idx="2">
+            <a:schemeClr val="accent1">
+              <a:shade val="15000"/>
+            </a:schemeClr>
+          </a:lnRef>
+          <a:fillRef idx="1">
+            <a:schemeClr val="accent1"/>
+          </a:fillRef>
+          <a:effectRef idx="0">
+            <a:schemeClr val="accent1"/>
+          </a:effectRef>
+          <a:fontRef idx="minor">
+            <a:schemeClr val="lt1"/>
+          </a:fontRef>
+        </p:style>
+        <p:txBody>
+          <a:bodyPr rtlCol="0" anchor="ctr"/>
+          <a:lstStyle/>
+          <a:p>
+            <a:r>
+              <a:rPr lang="en-US" sz="1200" dirty="0">
+                <a:solidFill>
+                  <a:schemeClr val="tx1"/>
+                </a:solidFill>
+                <a:latin typeface="Comic Sans MS" panose="030F0702030302020204" pitchFamily="66" charset="0"/>
+              </a:rPr>
+              <a:t>I want to buy Constoso Roadster bike . . .</a:t>
+            </a:r>
+            <a:endParaRPr lang="en-AU" sz="1200" dirty="0">
+              <a:solidFill>
+                <a:schemeClr val="tx1"/>
+              </a:solidFill>
+              <a:latin typeface="Comic Sans MS" panose="030F0702030302020204" pitchFamily="66" charset="0"/>
+            </a:endParaRPr>
+          </a:p>
+        </p:txBody>
+      </p:sp>
+      <p:sp>
+        <p:nvSpPr>
+          <p:cNvPr id="27" name="Rectangle 26">
+            <a:extLst>
+              <a:ext uri="{FF2B5EF4-FFF2-40B4-BE49-F238E27FC236}">
+                <a16:creationId xmlns:a16="http://schemas.microsoft.com/office/drawing/2014/main" id="{76780CDD-2C44-F826-FCC3-26FC9FEECBDE}"/>
+              </a:ext>
+            </a:extLst>
+          </p:cNvPr>
+          <p:cNvSpPr/>
+          <p:nvPr/>
+        </p:nvSpPr>
+        <p:spPr>
+          <a:xfrm>
+            <a:off x="3985150" y="3328490"/>
+            <a:ext cx="2185901" cy="430187"/>
+          </a:xfrm>
+          <a:prstGeom prst="rect">
+            <a:avLst/>
+          </a:prstGeom>
+          <a:solidFill>
+            <a:schemeClr val="bg1">
+              <a:lumMod val="95000"/>
+            </a:schemeClr>
+          </a:solidFill>
+          <a:ln w="9525">
+            <a:solidFill>
+              <a:schemeClr val="tx1"/>
+            </a:solidFill>
+          </a:ln>
+        </p:spPr>
+        <p:style>
+          <a:lnRef idx="2">
+            <a:schemeClr val="accent1">
+              <a:shade val="15000"/>
+            </a:schemeClr>
+          </a:lnRef>
+          <a:fillRef idx="1">
+            <a:schemeClr val="accent1"/>
+          </a:fillRef>
+          <a:effectRef idx="0">
+            <a:schemeClr val="accent1"/>
+          </a:effectRef>
+          <a:fontRef idx="minor">
+            <a:schemeClr val="lt1"/>
+          </a:fontRef>
+        </p:style>
+        <p:txBody>
+          <a:bodyPr rtlCol="0" anchor="ctr"/>
+          <a:lstStyle/>
+          <a:p>
+            <a:r>
+              <a:rPr lang="en-US" sz="1200" dirty="0">
+                <a:solidFill>
+                  <a:schemeClr val="tx1"/>
+                </a:solidFill>
+                <a:latin typeface="Comic Sans MS" panose="030F0702030302020204" pitchFamily="66" charset="0"/>
+              </a:rPr>
+              <a:t>submit_order(orderInfo)</a:t>
+            </a:r>
+            <a:endParaRPr lang="en-AU" sz="1200" dirty="0">
+              <a:solidFill>
+                <a:schemeClr val="tx1"/>
+              </a:solidFill>
+              <a:latin typeface="Comic Sans MS" panose="030F0702030302020204" pitchFamily="66" charset="0"/>
+            </a:endParaRPr>
+          </a:p>
+        </p:txBody>
+      </p:sp>
+      <p:sp>
+        <p:nvSpPr>
+          <p:cNvPr id="28" name="TextBox 27">
+            <a:extLst>
+              <a:ext uri="{FF2B5EF4-FFF2-40B4-BE49-F238E27FC236}">
+                <a16:creationId xmlns:a16="http://schemas.microsoft.com/office/drawing/2014/main" id="{C2DDFF7A-9E30-E91D-5338-180C608AD0C9}"/>
+              </a:ext>
+            </a:extLst>
+          </p:cNvPr>
+          <p:cNvSpPr txBox="1"/>
+          <p:nvPr/>
+        </p:nvSpPr>
+        <p:spPr>
+          <a:xfrm>
+            <a:off x="4766263" y="3086582"/>
+            <a:ext cx="578685" cy="169277"/>
+          </a:xfrm>
+          <a:prstGeom prst="rect">
+            <a:avLst/>
+          </a:prstGeom>
+          <a:noFill/>
+        </p:spPr>
+        <p:txBody>
+          <a:bodyPr wrap="none" lIns="0" tIns="0" rIns="0" bIns="0" rtlCol="0">
+            <a:spAutoFit/>
+          </a:bodyPr>
+          <a:lstStyle/>
+          <a:p>
+            <a:pPr algn="l"/>
+            <a:r>
+              <a:rPr lang="en-US" sz="1100" b="1" dirty="0"/>
+              <a:t>Tool Call</a:t>
+            </a:r>
+            <a:endParaRPr lang="en-AU" sz="1100" b="1" dirty="0" err="1"/>
+          </a:p>
+        </p:txBody>
+      </p:sp>
+      <p:sp>
+        <p:nvSpPr>
+          <p:cNvPr id="29" name="TextBox 28">
+            <a:extLst>
+              <a:ext uri="{FF2B5EF4-FFF2-40B4-BE49-F238E27FC236}">
+                <a16:creationId xmlns:a16="http://schemas.microsoft.com/office/drawing/2014/main" id="{EADDCC04-7329-F56E-CF6A-F03A61BEE3D5}"/>
+              </a:ext>
+            </a:extLst>
+          </p:cNvPr>
+          <p:cNvSpPr txBox="1"/>
+          <p:nvPr/>
+        </p:nvSpPr>
+        <p:spPr>
+          <a:xfrm>
+            <a:off x="1381584" y="2714647"/>
+            <a:ext cx="1878719" cy="169277"/>
+          </a:xfrm>
+          <a:prstGeom prst="rect">
+            <a:avLst/>
+          </a:prstGeom>
+          <a:noFill/>
+        </p:spPr>
+        <p:txBody>
+          <a:bodyPr wrap="none" lIns="0" tIns="0" rIns="0" bIns="0" rtlCol="0">
+            <a:spAutoFit/>
+          </a:bodyPr>
+          <a:lstStyle/>
+          <a:p>
+            <a:pPr algn="l"/>
+            <a:r>
+              <a:rPr lang="en-US" sz="1100" b="1" dirty="0"/>
+              <a:t>Messages + Tool Definitions</a:t>
+            </a:r>
+            <a:endParaRPr lang="en-AU" sz="1100" b="1" dirty="0" err="1"/>
+          </a:p>
+        </p:txBody>
+      </p:sp>
+      <p:sp>
+        <p:nvSpPr>
+          <p:cNvPr id="33" name="Rectangle 32">
+            <a:extLst>
+              <a:ext uri="{FF2B5EF4-FFF2-40B4-BE49-F238E27FC236}">
+                <a16:creationId xmlns:a16="http://schemas.microsoft.com/office/drawing/2014/main" id="{313CD7FF-AAFC-1C05-059F-177D35425741}"/>
+              </a:ext>
+            </a:extLst>
+          </p:cNvPr>
+          <p:cNvSpPr/>
+          <p:nvPr/>
+        </p:nvSpPr>
+        <p:spPr>
+          <a:xfrm>
+            <a:off x="4901544" y="4913081"/>
+            <a:ext cx="2539013" cy="1577795"/>
+          </a:xfrm>
+          <a:prstGeom prst="rect">
+            <a:avLst/>
+          </a:prstGeom>
+          <a:solidFill>
+            <a:schemeClr val="bg1"/>
+          </a:solidFill>
+          <a:ln w="28575">
+            <a:solidFill>
+              <a:schemeClr val="bg1">
+                <a:lumMod val="85000"/>
+              </a:schemeClr>
+            </a:solidFill>
+          </a:ln>
+        </p:spPr>
+        <p:style>
+          <a:lnRef idx="2">
+            <a:schemeClr val="accent1">
+              <a:shade val="15000"/>
+            </a:schemeClr>
+          </a:lnRef>
+          <a:fillRef idx="1">
+            <a:schemeClr val="accent1"/>
+          </a:fillRef>
+          <a:effectRef idx="0">
+            <a:schemeClr val="accent1"/>
+          </a:effectRef>
+          <a:fontRef idx="minor">
+            <a:schemeClr val="lt1"/>
+          </a:fontRef>
+        </p:style>
+        <p:txBody>
+          <a:bodyPr rtlCol="0" anchor="ctr"/>
+          <a:lstStyle/>
+          <a:p>
+            <a:endParaRPr lang="en-AU" sz="1400" dirty="0">
+              <a:solidFill>
+                <a:schemeClr val="tx1"/>
+              </a:solidFill>
+              <a:latin typeface="Comic Sans MS" panose="030F0702030302020204" pitchFamily="66" charset="0"/>
+            </a:endParaRPr>
+          </a:p>
+        </p:txBody>
+      </p:sp>
+      <p:sp>
+        <p:nvSpPr>
+          <p:cNvPr id="35" name="Rectangle 34">
+            <a:extLst>
+              <a:ext uri="{FF2B5EF4-FFF2-40B4-BE49-F238E27FC236}">
+                <a16:creationId xmlns:a16="http://schemas.microsoft.com/office/drawing/2014/main" id="{FC8938EF-E4E5-196C-C785-4E2F56EAD84A}"/>
+              </a:ext>
+            </a:extLst>
+          </p:cNvPr>
+          <p:cNvSpPr/>
+          <p:nvPr/>
+        </p:nvSpPr>
+        <p:spPr>
+          <a:xfrm>
+            <a:off x="5060933" y="5300701"/>
+            <a:ext cx="2185901" cy="430187"/>
+          </a:xfrm>
+          <a:prstGeom prst="rect">
+            <a:avLst/>
+          </a:prstGeom>
+          <a:solidFill>
+            <a:schemeClr val="bg1">
+              <a:lumMod val="95000"/>
+            </a:schemeClr>
+          </a:solidFill>
+          <a:ln w="9525">
+            <a:solidFill>
+              <a:schemeClr val="tx1"/>
+            </a:solidFill>
+          </a:ln>
+        </p:spPr>
+        <p:style>
+          <a:lnRef idx="2">
+            <a:schemeClr val="accent1">
+              <a:shade val="15000"/>
+            </a:schemeClr>
+          </a:lnRef>
+          <a:fillRef idx="1">
+            <a:schemeClr val="accent1"/>
+          </a:fillRef>
+          <a:effectRef idx="0">
+            <a:schemeClr val="accent1"/>
+          </a:effectRef>
+          <a:fontRef idx="minor">
+            <a:schemeClr val="lt1"/>
+          </a:fontRef>
+        </p:style>
+        <p:txBody>
+          <a:bodyPr rtlCol="0" anchor="ctr"/>
+          <a:lstStyle/>
+          <a:p>
+            <a:r>
+              <a:rPr lang="en-US" sz="1200" dirty="0">
+                <a:solidFill>
+                  <a:schemeClr val="tx1"/>
+                </a:solidFill>
+                <a:latin typeface="Comic Sans MS" panose="030F0702030302020204" pitchFamily="66" charset="0"/>
+              </a:rPr>
+              <a:t>submit_order(orderInfo)</a:t>
+            </a:r>
+            <a:endParaRPr lang="en-AU" sz="1200" dirty="0">
+              <a:solidFill>
+                <a:schemeClr val="tx1"/>
+              </a:solidFill>
+              <a:latin typeface="Comic Sans MS" panose="030F0702030302020204" pitchFamily="66" charset="0"/>
+            </a:endParaRPr>
+          </a:p>
+        </p:txBody>
+      </p:sp>
+      <p:sp>
+        <p:nvSpPr>
+          <p:cNvPr id="36" name="TextBox 35">
+            <a:extLst>
+              <a:ext uri="{FF2B5EF4-FFF2-40B4-BE49-F238E27FC236}">
+                <a16:creationId xmlns:a16="http://schemas.microsoft.com/office/drawing/2014/main" id="{25B42C5E-94A2-B55B-F3D6-611BFCBDFCBA}"/>
+              </a:ext>
+            </a:extLst>
+          </p:cNvPr>
+          <p:cNvSpPr txBox="1"/>
+          <p:nvPr/>
+        </p:nvSpPr>
+        <p:spPr>
+          <a:xfrm>
+            <a:off x="5400471" y="4996375"/>
+            <a:ext cx="1506823" cy="169277"/>
+          </a:xfrm>
+          <a:prstGeom prst="rect">
+            <a:avLst/>
+          </a:prstGeom>
+          <a:noFill/>
+        </p:spPr>
+        <p:txBody>
+          <a:bodyPr wrap="none" lIns="0" tIns="0" rIns="0" bIns="0" rtlCol="0">
+            <a:spAutoFit/>
+          </a:bodyPr>
+          <a:lstStyle/>
+          <a:p>
+            <a:pPr algn="l"/>
+            <a:r>
+              <a:rPr lang="en-US" sz="1100" b="1" dirty="0"/>
+              <a:t>Execute Function Code</a:t>
+            </a:r>
+            <a:endParaRPr lang="en-AU" sz="1100" b="1" dirty="0" err="1"/>
+          </a:p>
+        </p:txBody>
+      </p:sp>
+      <p:sp>
+        <p:nvSpPr>
+          <p:cNvPr id="37" name="Rectangle 36">
+            <a:extLst>
+              <a:ext uri="{FF2B5EF4-FFF2-40B4-BE49-F238E27FC236}">
+                <a16:creationId xmlns:a16="http://schemas.microsoft.com/office/drawing/2014/main" id="{439017DC-2045-C0B3-9A18-8A0FA38E436A}"/>
+              </a:ext>
+            </a:extLst>
+          </p:cNvPr>
+          <p:cNvSpPr/>
+          <p:nvPr/>
+        </p:nvSpPr>
+        <p:spPr>
+          <a:xfrm>
+            <a:off x="5060931" y="5913326"/>
+            <a:ext cx="2185901" cy="430187"/>
+          </a:xfrm>
+          <a:prstGeom prst="rect">
+            <a:avLst/>
+          </a:prstGeom>
+          <a:solidFill>
+            <a:schemeClr val="tx1">
+              <a:lumMod val="25000"/>
+              <a:lumOff val="75000"/>
+            </a:schemeClr>
+          </a:solidFill>
+          <a:ln w="9525">
+            <a:solidFill>
+              <a:schemeClr val="tx1"/>
+            </a:solidFill>
+          </a:ln>
+        </p:spPr>
+        <p:style>
+          <a:lnRef idx="2">
+            <a:schemeClr val="accent1">
+              <a:shade val="15000"/>
+            </a:schemeClr>
+          </a:lnRef>
+          <a:fillRef idx="1">
+            <a:schemeClr val="accent1"/>
+          </a:fillRef>
+          <a:effectRef idx="0">
+            <a:schemeClr val="accent1"/>
+          </a:effectRef>
+          <a:fontRef idx="minor">
+            <a:schemeClr val="lt1"/>
+          </a:fontRef>
+        </p:style>
+        <p:txBody>
+          <a:bodyPr rtlCol="0" anchor="ctr"/>
+          <a:lstStyle/>
+          <a:p>
+            <a:r>
+              <a:rPr lang="en-US" sz="1200" dirty="0">
+                <a:solidFill>
+                  <a:schemeClr val="tx1"/>
+                </a:solidFill>
+                <a:latin typeface="Comic Sans MS" panose="030F0702030302020204" pitchFamily="66" charset="0"/>
+              </a:rPr>
+              <a:t>{“orderId”: 24}</a:t>
+            </a:r>
+            <a:endParaRPr lang="en-AU" sz="1200" dirty="0">
+              <a:solidFill>
+                <a:schemeClr val="tx1"/>
+              </a:solidFill>
+              <a:latin typeface="Comic Sans MS" panose="030F0702030302020204" pitchFamily="66" charset="0"/>
+            </a:endParaRPr>
+          </a:p>
+        </p:txBody>
+      </p:sp>
+      <p:sp>
+        <p:nvSpPr>
+          <p:cNvPr id="38" name="Rectangle 37">
+            <a:extLst>
+              <a:ext uri="{FF2B5EF4-FFF2-40B4-BE49-F238E27FC236}">
+                <a16:creationId xmlns:a16="http://schemas.microsoft.com/office/drawing/2014/main" id="{F5C5EC36-9C05-7522-3936-176D0FACBE7A}"/>
+              </a:ext>
+            </a:extLst>
+          </p:cNvPr>
+          <p:cNvSpPr/>
+          <p:nvPr/>
+        </p:nvSpPr>
+        <p:spPr>
+          <a:xfrm>
+            <a:off x="6702641" y="2676340"/>
+            <a:ext cx="2441359" cy="1370473"/>
+          </a:xfrm>
+          <a:prstGeom prst="rect">
+            <a:avLst/>
+          </a:prstGeom>
+          <a:solidFill>
+            <a:schemeClr val="bg1"/>
+          </a:solidFill>
+          <a:ln w="28575">
+            <a:solidFill>
+              <a:schemeClr val="bg1">
+                <a:lumMod val="85000"/>
+              </a:schemeClr>
+            </a:solidFill>
+          </a:ln>
+        </p:spPr>
+        <p:style>
+          <a:lnRef idx="2">
+            <a:schemeClr val="accent1">
+              <a:shade val="15000"/>
+            </a:schemeClr>
+          </a:lnRef>
+          <a:fillRef idx="1">
+            <a:schemeClr val="accent1"/>
+          </a:fillRef>
+          <a:effectRef idx="0">
+            <a:schemeClr val="accent1"/>
+          </a:effectRef>
+          <a:fontRef idx="minor">
+            <a:schemeClr val="lt1"/>
+          </a:fontRef>
+        </p:style>
+        <p:txBody>
+          <a:bodyPr rtlCol="0" anchor="ctr"/>
+          <a:lstStyle/>
+          <a:p>
+            <a:endParaRPr lang="en-AU" sz="1400" dirty="0">
+              <a:solidFill>
+                <a:schemeClr val="tx1"/>
+              </a:solidFill>
+              <a:latin typeface="Comic Sans MS" panose="030F0702030302020204" pitchFamily="66" charset="0"/>
+            </a:endParaRPr>
+          </a:p>
+        </p:txBody>
+      </p:sp>
+      <p:sp>
+        <p:nvSpPr>
+          <p:cNvPr id="39" name="Rectangle 38">
+            <a:extLst>
+              <a:ext uri="{FF2B5EF4-FFF2-40B4-BE49-F238E27FC236}">
+                <a16:creationId xmlns:a16="http://schemas.microsoft.com/office/drawing/2014/main" id="{4BC6441E-B4A8-8CEF-C065-7F0B8C0274A9}"/>
+              </a:ext>
+            </a:extLst>
+          </p:cNvPr>
+          <p:cNvSpPr/>
+          <p:nvPr/>
+        </p:nvSpPr>
+        <p:spPr>
+          <a:xfrm>
+            <a:off x="7165957" y="2985573"/>
+            <a:ext cx="1480956" cy="355114"/>
+          </a:xfrm>
+          <a:prstGeom prst="rect">
+            <a:avLst/>
+          </a:prstGeom>
+          <a:solidFill>
+            <a:schemeClr val="bg1">
+              <a:lumMod val="95000"/>
+            </a:schemeClr>
+          </a:solidFill>
+          <a:ln w="9525">
+            <a:solidFill>
+              <a:schemeClr val="tx1"/>
+            </a:solidFill>
+          </a:ln>
+        </p:spPr>
+        <p:style>
+          <a:lnRef idx="2">
+            <a:schemeClr val="accent1">
+              <a:shade val="15000"/>
+            </a:schemeClr>
+          </a:lnRef>
+          <a:fillRef idx="1">
+            <a:schemeClr val="accent1"/>
+          </a:fillRef>
+          <a:effectRef idx="0">
+            <a:schemeClr val="accent1"/>
+          </a:effectRef>
+          <a:fontRef idx="minor">
+            <a:schemeClr val="lt1"/>
+          </a:fontRef>
+        </p:style>
+        <p:txBody>
+          <a:bodyPr rtlCol="0" anchor="ctr"/>
+          <a:lstStyle/>
+          <a:p>
+            <a:r>
+              <a:rPr lang="en-US" sz="1200" dirty="0">
+                <a:solidFill>
+                  <a:schemeClr val="tx1"/>
+                </a:solidFill>
+                <a:latin typeface="Comic Sans MS" panose="030F0702030302020204" pitchFamily="66" charset="0"/>
+              </a:rPr>
+              <a:t>all prior messages</a:t>
+            </a:r>
+            <a:endParaRPr lang="en-AU" sz="1200" dirty="0">
+              <a:solidFill>
+                <a:schemeClr val="tx1"/>
+              </a:solidFill>
+              <a:latin typeface="Comic Sans MS" panose="030F0702030302020204" pitchFamily="66" charset="0"/>
+            </a:endParaRPr>
+          </a:p>
+        </p:txBody>
+      </p:sp>
+      <p:sp>
+        <p:nvSpPr>
+          <p:cNvPr id="40" name="Rectangle 39">
+            <a:extLst>
+              <a:ext uri="{FF2B5EF4-FFF2-40B4-BE49-F238E27FC236}">
+                <a16:creationId xmlns:a16="http://schemas.microsoft.com/office/drawing/2014/main" id="{848555BD-AE93-A347-F038-0B139344E46E}"/>
+              </a:ext>
+            </a:extLst>
+          </p:cNvPr>
+          <p:cNvSpPr/>
+          <p:nvPr/>
+        </p:nvSpPr>
+        <p:spPr>
+          <a:xfrm>
+            <a:off x="6832032" y="3445903"/>
+            <a:ext cx="2185901" cy="430187"/>
+          </a:xfrm>
+          <a:prstGeom prst="rect">
+            <a:avLst/>
+          </a:prstGeom>
+          <a:solidFill>
+            <a:schemeClr val="tx1">
+              <a:lumMod val="25000"/>
+              <a:lumOff val="75000"/>
+            </a:schemeClr>
+          </a:solidFill>
+          <a:ln w="9525">
+            <a:solidFill>
+              <a:schemeClr val="tx1"/>
+            </a:solidFill>
+          </a:ln>
+        </p:spPr>
+        <p:style>
+          <a:lnRef idx="2">
+            <a:schemeClr val="accent1">
+              <a:shade val="15000"/>
+            </a:schemeClr>
+          </a:lnRef>
+          <a:fillRef idx="1">
+            <a:schemeClr val="accent1"/>
+          </a:fillRef>
+          <a:effectRef idx="0">
+            <a:schemeClr val="accent1"/>
+          </a:effectRef>
+          <a:fontRef idx="minor">
+            <a:schemeClr val="lt1"/>
+          </a:fontRef>
+        </p:style>
+        <p:txBody>
+          <a:bodyPr rtlCol="0" anchor="ctr"/>
+          <a:lstStyle/>
+          <a:p>
+            <a:r>
+              <a:rPr lang="en-US" sz="1200" dirty="0">
+                <a:solidFill>
+                  <a:schemeClr val="tx1"/>
+                </a:solidFill>
+                <a:latin typeface="Comic Sans MS" panose="030F0702030302020204" pitchFamily="66" charset="0"/>
+              </a:rPr>
+              <a:t>{“orderId”: 24}</a:t>
+            </a:r>
+            <a:endParaRPr lang="en-AU" sz="1200" dirty="0">
+              <a:solidFill>
+                <a:schemeClr val="tx1"/>
+              </a:solidFill>
+              <a:latin typeface="Comic Sans MS" panose="030F0702030302020204" pitchFamily="66" charset="0"/>
+            </a:endParaRPr>
+          </a:p>
+        </p:txBody>
+      </p:sp>
+      <p:sp>
+        <p:nvSpPr>
+          <p:cNvPr id="42" name="TextBox 41">
+            <a:extLst>
+              <a:ext uri="{FF2B5EF4-FFF2-40B4-BE49-F238E27FC236}">
+                <a16:creationId xmlns:a16="http://schemas.microsoft.com/office/drawing/2014/main" id="{01C2585C-3CF1-7405-CD16-243B396DBBC8}"/>
+              </a:ext>
+            </a:extLst>
+          </p:cNvPr>
+          <p:cNvSpPr txBox="1"/>
+          <p:nvPr/>
+        </p:nvSpPr>
+        <p:spPr>
+          <a:xfrm>
+            <a:off x="7635640" y="2746318"/>
+            <a:ext cx="472886" cy="169277"/>
+          </a:xfrm>
+          <a:prstGeom prst="rect">
+            <a:avLst/>
+          </a:prstGeom>
+          <a:noFill/>
+        </p:spPr>
+        <p:txBody>
+          <a:bodyPr wrap="none" lIns="0" tIns="0" rIns="0" bIns="0" rtlCol="0">
+            <a:spAutoFit/>
+          </a:bodyPr>
+          <a:lstStyle/>
+          <a:p>
+            <a:pPr algn="l"/>
+            <a:r>
+              <a:rPr lang="en-US" sz="1100" b="1" dirty="0"/>
+              <a:t>Results</a:t>
+            </a:r>
+            <a:endParaRPr lang="en-AU" sz="1100" b="1" dirty="0" err="1"/>
+          </a:p>
+        </p:txBody>
+      </p:sp>
+      <p:sp>
+        <p:nvSpPr>
+          <p:cNvPr id="46" name="Rectangle 45">
+            <a:extLst>
+              <a:ext uri="{FF2B5EF4-FFF2-40B4-BE49-F238E27FC236}">
+                <a16:creationId xmlns:a16="http://schemas.microsoft.com/office/drawing/2014/main" id="{A7B0D721-C036-68E6-71AD-C4407C49DBA0}"/>
+              </a:ext>
+            </a:extLst>
+          </p:cNvPr>
+          <p:cNvSpPr/>
+          <p:nvPr/>
+        </p:nvSpPr>
+        <p:spPr>
+          <a:xfrm>
+            <a:off x="9607316" y="2923807"/>
+            <a:ext cx="1893136" cy="875537"/>
+          </a:xfrm>
+          <a:prstGeom prst="rect">
+            <a:avLst/>
+          </a:prstGeom>
+          <a:solidFill>
+            <a:schemeClr val="tx2">
+              <a:lumMod val="90000"/>
+              <a:lumOff val="10000"/>
+            </a:schemeClr>
+          </a:solidFill>
+          <a:ln w="28575">
+            <a:solidFill>
+              <a:schemeClr val="tx2">
+                <a:lumMod val="90000"/>
+                <a:lumOff val="10000"/>
+              </a:schemeClr>
+            </a:solidFill>
+          </a:ln>
+        </p:spPr>
+        <p:style>
+          <a:lnRef idx="2">
+            <a:schemeClr val="accent1">
+              <a:shade val="15000"/>
+            </a:schemeClr>
+          </a:lnRef>
+          <a:fillRef idx="1">
+            <a:schemeClr val="accent1"/>
+          </a:fillRef>
+          <a:effectRef idx="0">
+            <a:schemeClr val="accent1"/>
+          </a:effectRef>
+          <a:fontRef idx="minor">
+            <a:schemeClr val="lt1"/>
+          </a:fontRef>
+        </p:style>
+        <p:txBody>
+          <a:bodyPr rtlCol="0" anchor="ctr"/>
+          <a:lstStyle/>
+          <a:p>
+            <a:r>
+              <a:rPr lang="en-US" sz="1400" b="1" dirty="0">
+                <a:solidFill>
+                  <a:schemeClr val="bg2"/>
+                </a:solidFill>
+                <a:latin typeface="Comic Sans MS" panose="030F0702030302020204" pitchFamily="66" charset="0"/>
+              </a:rPr>
+              <a:t>Your order has been placed successfully.</a:t>
+            </a:r>
+          </a:p>
+        </p:txBody>
+      </p:sp>
+      <p:cxnSp>
+        <p:nvCxnSpPr>
+          <p:cNvPr id="51" name="Straight Connector 50">
+            <a:extLst>
+              <a:ext uri="{FF2B5EF4-FFF2-40B4-BE49-F238E27FC236}">
+                <a16:creationId xmlns:a16="http://schemas.microsoft.com/office/drawing/2014/main" id="{371C2448-302E-A53F-B832-E9436952A5E8}"/>
+              </a:ext>
+            </a:extLst>
+          </p:cNvPr>
+          <p:cNvCxnSpPr>
+            <a:cxnSpLocks/>
+          </p:cNvCxnSpPr>
+          <p:nvPr/>
+        </p:nvCxnSpPr>
+        <p:spPr>
+          <a:xfrm flipV="1">
+            <a:off x="1153764" y="4643524"/>
+            <a:ext cx="10346688" cy="21108"/>
+          </a:xfrm>
+          <a:prstGeom prst="line">
+            <a:avLst/>
+          </a:prstGeom>
+          <a:ln w="28575">
+            <a:solidFill>
+              <a:schemeClr val="tx1"/>
+            </a:solidFill>
+            <a:prstDash val="dash"/>
+          </a:ln>
+        </p:spPr>
+        <p:style>
+          <a:lnRef idx="2">
+            <a:schemeClr val="accent1"/>
+          </a:lnRef>
+          <a:fillRef idx="0">
+            <a:schemeClr val="accent1"/>
+          </a:fillRef>
+          <a:effectRef idx="1">
+            <a:schemeClr val="accent1"/>
+          </a:effectRef>
+          <a:fontRef idx="minor">
+            <a:schemeClr val="tx1"/>
+          </a:fontRef>
+        </p:style>
+      </p:cxnSp>
+      <p:sp>
+        <p:nvSpPr>
+          <p:cNvPr id="56" name="Arrow: Right 55">
+            <a:extLst>
+              <a:ext uri="{FF2B5EF4-FFF2-40B4-BE49-F238E27FC236}">
+                <a16:creationId xmlns:a16="http://schemas.microsoft.com/office/drawing/2014/main" id="{B27D4B64-FA43-6899-2FA9-140A50D18BBE}"/>
+              </a:ext>
+            </a:extLst>
+          </p:cNvPr>
+          <p:cNvSpPr/>
+          <p:nvPr/>
+        </p:nvSpPr>
+        <p:spPr>
+          <a:xfrm rot="5400000" flipH="1">
+            <a:off x="1883575" y="4250358"/>
+            <a:ext cx="430189" cy="320726"/>
+          </a:xfrm>
+          <a:prstGeom prst="rightArrow">
+            <a:avLst/>
+          </a:prstGeom>
+          <a:solidFill>
+            <a:schemeClr val="tx1"/>
+          </a:solidFill>
+        </p:spPr>
+        <p:style>
+          <a:lnRef idx="2">
+            <a:schemeClr val="accent1">
+              <a:shade val="15000"/>
+            </a:schemeClr>
+          </a:lnRef>
+          <a:fillRef idx="1">
+            <a:schemeClr val="accent1"/>
+          </a:fillRef>
+          <a:effectRef idx="0">
+            <a:schemeClr val="accent1"/>
+          </a:effectRef>
+          <a:fontRef idx="minor">
+            <a:schemeClr val="lt1"/>
+          </a:fontRef>
+        </p:style>
+        <p:txBody>
+          <a:bodyPr rtlCol="0" anchor="ctr"/>
+          <a:lstStyle/>
+          <a:p>
+            <a:pPr algn="ctr"/>
+            <a:endParaRPr lang="en-AU"/>
+          </a:p>
+        </p:txBody>
+      </p:sp>
+      <p:sp>
+        <p:nvSpPr>
+          <p:cNvPr id="57" name="Arrow: Right 56">
+            <a:extLst>
+              <a:ext uri="{FF2B5EF4-FFF2-40B4-BE49-F238E27FC236}">
+                <a16:creationId xmlns:a16="http://schemas.microsoft.com/office/drawing/2014/main" id="{A3852C6E-D43A-C97F-7C25-8CE924C3B31D}"/>
+              </a:ext>
+            </a:extLst>
+          </p:cNvPr>
+          <p:cNvSpPr/>
+          <p:nvPr/>
+        </p:nvSpPr>
+        <p:spPr>
+          <a:xfrm rot="5400000">
+            <a:off x="4744344" y="2390962"/>
+            <a:ext cx="667512" cy="320726"/>
+          </a:xfrm>
+          <a:prstGeom prst="rightArrow">
+            <a:avLst/>
+          </a:prstGeom>
+          <a:solidFill>
+            <a:schemeClr val="tx1"/>
+          </a:solidFill>
+        </p:spPr>
+        <p:style>
+          <a:lnRef idx="2">
+            <a:schemeClr val="accent1">
+              <a:shade val="15000"/>
+            </a:schemeClr>
+          </a:lnRef>
+          <a:fillRef idx="1">
+            <a:schemeClr val="accent1"/>
+          </a:fillRef>
+          <a:effectRef idx="0">
+            <a:schemeClr val="accent1"/>
+          </a:effectRef>
+          <a:fontRef idx="minor">
+            <a:schemeClr val="lt1"/>
+          </a:fontRef>
+        </p:style>
+        <p:txBody>
+          <a:bodyPr rtlCol="0" anchor="ctr"/>
+          <a:lstStyle/>
+          <a:p>
+            <a:pPr algn="ctr"/>
+            <a:endParaRPr lang="en-AU"/>
+          </a:p>
+        </p:txBody>
+      </p:sp>
+      <p:sp>
+        <p:nvSpPr>
+          <p:cNvPr id="58" name="Arrow: Right 57">
+            <a:extLst>
+              <a:ext uri="{FF2B5EF4-FFF2-40B4-BE49-F238E27FC236}">
+                <a16:creationId xmlns:a16="http://schemas.microsoft.com/office/drawing/2014/main" id="{C40C3C1D-C704-AF7B-B1FB-9CB923EA73D7}"/>
+              </a:ext>
+            </a:extLst>
+          </p:cNvPr>
+          <p:cNvSpPr/>
+          <p:nvPr/>
+        </p:nvSpPr>
+        <p:spPr>
+          <a:xfrm rot="5400000">
+            <a:off x="10220128" y="2371751"/>
+            <a:ext cx="667512" cy="320726"/>
+          </a:xfrm>
+          <a:prstGeom prst="rightArrow">
+            <a:avLst/>
+          </a:prstGeom>
+          <a:solidFill>
+            <a:schemeClr val="tx1"/>
+          </a:solidFill>
+        </p:spPr>
+        <p:style>
+          <a:lnRef idx="2">
+            <a:schemeClr val="accent1">
+              <a:shade val="15000"/>
+            </a:schemeClr>
+          </a:lnRef>
+          <a:fillRef idx="1">
+            <a:schemeClr val="accent1"/>
+          </a:fillRef>
+          <a:effectRef idx="0">
+            <a:schemeClr val="accent1"/>
+          </a:effectRef>
+          <a:fontRef idx="minor">
+            <a:schemeClr val="lt1"/>
+          </a:fontRef>
+        </p:style>
+        <p:txBody>
+          <a:bodyPr rtlCol="0" anchor="ctr"/>
+          <a:lstStyle/>
+          <a:p>
+            <a:pPr algn="ctr"/>
+            <a:endParaRPr lang="en-AU"/>
+          </a:p>
+        </p:txBody>
+      </p:sp>
+      <p:cxnSp>
+        <p:nvCxnSpPr>
+          <p:cNvPr id="59" name="Connector: Curved 58">
+            <a:extLst>
+              <a:ext uri="{FF2B5EF4-FFF2-40B4-BE49-F238E27FC236}">
+                <a16:creationId xmlns:a16="http://schemas.microsoft.com/office/drawing/2014/main" id="{59A46B54-11C0-B47E-2C8A-3787C87E4EC6}"/>
+              </a:ext>
+            </a:extLst>
+          </p:cNvPr>
+          <p:cNvCxnSpPr>
+            <a:cxnSpLocks/>
+            <a:endCxn id="35" idx="1"/>
+          </p:cNvCxnSpPr>
+          <p:nvPr/>
+        </p:nvCxnSpPr>
+        <p:spPr>
+          <a:xfrm rot="16200000" flipH="1">
+            <a:off x="3794235" y="4249097"/>
+            <a:ext cx="1574680" cy="958716"/>
+          </a:xfrm>
+          <a:prstGeom prst="curvedConnector2">
+            <a:avLst/>
+          </a:prstGeom>
+          <a:ln w="38100">
+            <a:solidFill>
+              <a:schemeClr val="tx1"/>
+            </a:solidFill>
+            <a:prstDash val="dash"/>
+            <a:headEnd type="none" w="lg" len="med"/>
+            <a:tailEnd type="triangle"/>
+          </a:ln>
+        </p:spPr>
+        <p:style>
+          <a:lnRef idx="1">
+            <a:schemeClr val="accent1"/>
+          </a:lnRef>
+          <a:fillRef idx="0">
+            <a:schemeClr val="accent1"/>
+          </a:fillRef>
+          <a:effectRef idx="0">
+            <a:schemeClr val="accent1"/>
+          </a:effectRef>
+          <a:fontRef idx="minor">
+            <a:schemeClr val="tx1"/>
+          </a:fontRef>
+        </p:style>
+      </p:cxnSp>
+      <p:cxnSp>
+        <p:nvCxnSpPr>
+          <p:cNvPr id="65" name="Connector: Curved 64">
+            <a:extLst>
+              <a:ext uri="{FF2B5EF4-FFF2-40B4-BE49-F238E27FC236}">
+                <a16:creationId xmlns:a16="http://schemas.microsoft.com/office/drawing/2014/main" id="{0B6E5F39-C0B8-A98A-428F-1058DEB578E4}"/>
+              </a:ext>
+            </a:extLst>
+          </p:cNvPr>
+          <p:cNvCxnSpPr>
+            <a:cxnSpLocks/>
+            <a:stCxn id="37" idx="3"/>
+          </p:cNvCxnSpPr>
+          <p:nvPr/>
+        </p:nvCxnSpPr>
+        <p:spPr>
+          <a:xfrm flipV="1">
+            <a:off x="7246832" y="3901742"/>
+            <a:ext cx="1641708" cy="2226678"/>
+          </a:xfrm>
+          <a:prstGeom prst="curvedConnector2">
+            <a:avLst/>
+          </a:prstGeom>
+          <a:ln w="38100">
+            <a:solidFill>
+              <a:schemeClr val="tx1"/>
+            </a:solidFill>
+            <a:prstDash val="dash"/>
+            <a:headEnd type="none" w="lg" len="med"/>
+            <a:tailEnd type="triangle"/>
+          </a:ln>
+        </p:spPr>
+        <p:style>
+          <a:lnRef idx="1">
+            <a:schemeClr val="accent1"/>
+          </a:lnRef>
+          <a:fillRef idx="0">
+            <a:schemeClr val="accent1"/>
+          </a:fillRef>
+          <a:effectRef idx="0">
+            <a:schemeClr val="accent1"/>
+          </a:effectRef>
+          <a:fontRef idx="minor">
+            <a:schemeClr val="tx1"/>
+          </a:fontRef>
+        </p:style>
+      </p:cxnSp>
+      <p:sp>
+        <p:nvSpPr>
+          <p:cNvPr id="72" name="Arrow: Right 71">
+            <a:extLst>
+              <a:ext uri="{FF2B5EF4-FFF2-40B4-BE49-F238E27FC236}">
+                <a16:creationId xmlns:a16="http://schemas.microsoft.com/office/drawing/2014/main" id="{31932CAA-90D6-53FA-C9DB-E43E646D279D}"/>
+              </a:ext>
+            </a:extLst>
+          </p:cNvPr>
+          <p:cNvSpPr/>
+          <p:nvPr/>
+        </p:nvSpPr>
+        <p:spPr>
+          <a:xfrm rot="5400000" flipH="1">
+            <a:off x="1889943" y="2202083"/>
+            <a:ext cx="430189" cy="320726"/>
+          </a:xfrm>
+          <a:prstGeom prst="rightArrow">
+            <a:avLst/>
+          </a:prstGeom>
+          <a:solidFill>
+            <a:schemeClr val="tx1"/>
+          </a:solidFill>
+        </p:spPr>
+        <p:style>
+          <a:lnRef idx="2">
+            <a:schemeClr val="accent1">
+              <a:shade val="15000"/>
+            </a:schemeClr>
+          </a:lnRef>
+          <a:fillRef idx="1">
+            <a:schemeClr val="accent1"/>
+          </a:fillRef>
+          <a:effectRef idx="0">
+            <a:schemeClr val="accent1"/>
+          </a:effectRef>
+          <a:fontRef idx="minor">
+            <a:schemeClr val="lt1"/>
+          </a:fontRef>
+        </p:style>
+        <p:txBody>
+          <a:bodyPr rtlCol="0" anchor="ctr"/>
+          <a:lstStyle/>
+          <a:p>
+            <a:pPr algn="ctr"/>
+            <a:endParaRPr lang="en-AU"/>
+          </a:p>
+        </p:txBody>
+      </p:sp>
+      <p:sp>
+        <p:nvSpPr>
+          <p:cNvPr id="73" name="Arrow: Right 72">
+            <a:extLst>
+              <a:ext uri="{FF2B5EF4-FFF2-40B4-BE49-F238E27FC236}">
+                <a16:creationId xmlns:a16="http://schemas.microsoft.com/office/drawing/2014/main" id="{C9DC706A-3103-7190-EAC7-0EB90858D7BD}"/>
+              </a:ext>
+            </a:extLst>
+          </p:cNvPr>
+          <p:cNvSpPr/>
+          <p:nvPr/>
+        </p:nvSpPr>
+        <p:spPr>
+          <a:xfrm rot="5400000" flipH="1">
+            <a:off x="7708226" y="2239412"/>
+            <a:ext cx="430189" cy="320726"/>
+          </a:xfrm>
+          <a:prstGeom prst="rightArrow">
+            <a:avLst/>
+          </a:prstGeom>
+          <a:solidFill>
+            <a:schemeClr val="tx1"/>
+          </a:solidFill>
+        </p:spPr>
+        <p:style>
+          <a:lnRef idx="2">
+            <a:schemeClr val="accent1">
+              <a:shade val="15000"/>
+            </a:schemeClr>
+          </a:lnRef>
+          <a:fillRef idx="1">
+            <a:schemeClr val="accent1"/>
+          </a:fillRef>
+          <a:effectRef idx="0">
+            <a:schemeClr val="accent1"/>
+          </a:effectRef>
+          <a:fontRef idx="minor">
+            <a:schemeClr val="lt1"/>
+          </a:fontRef>
+        </p:style>
+        <p:txBody>
+          <a:bodyPr rtlCol="0" anchor="ctr"/>
+          <a:lstStyle/>
+          <a:p>
+            <a:pPr algn="ctr"/>
+            <a:endParaRPr lang="en-AU"/>
+          </a:p>
+        </p:txBody>
+      </p:sp>
+      <p:sp>
+        <p:nvSpPr>
+          <p:cNvPr id="75" name="Rectangle 74">
+            <a:extLst>
+              <a:ext uri="{FF2B5EF4-FFF2-40B4-BE49-F238E27FC236}">
+                <a16:creationId xmlns:a16="http://schemas.microsoft.com/office/drawing/2014/main" id="{A22FFF63-1C75-5800-A393-828EF127FB31}"/>
+              </a:ext>
+            </a:extLst>
+          </p:cNvPr>
+          <p:cNvSpPr/>
+          <p:nvPr/>
+        </p:nvSpPr>
+        <p:spPr>
+          <a:xfrm>
+            <a:off x="1257778" y="1267051"/>
+            <a:ext cx="1694517" cy="590550"/>
+          </a:xfrm>
+          <a:prstGeom prst="rect">
+            <a:avLst/>
+          </a:prstGeom>
+          <a:solidFill>
+            <a:schemeClr val="tx2">
+              <a:lumMod val="90000"/>
+              <a:lumOff val="10000"/>
+            </a:schemeClr>
+          </a:solidFill>
+          <a:ln w="28575">
+            <a:solidFill>
+              <a:schemeClr val="tx2">
+                <a:lumMod val="90000"/>
+                <a:lumOff val="10000"/>
+              </a:schemeClr>
+            </a:solidFill>
+          </a:ln>
+        </p:spPr>
+        <p:style>
+          <a:lnRef idx="2">
+            <a:schemeClr val="accent1">
+              <a:shade val="15000"/>
+            </a:schemeClr>
+          </a:lnRef>
+          <a:fillRef idx="1">
+            <a:schemeClr val="accent1"/>
+          </a:fillRef>
+          <a:effectRef idx="0">
+            <a:schemeClr val="accent1"/>
+          </a:effectRef>
+          <a:fontRef idx="minor">
+            <a:schemeClr val="lt1"/>
+          </a:fontRef>
+        </p:style>
+        <p:txBody>
+          <a:bodyPr rtlCol="0" anchor="ctr"/>
+          <a:lstStyle/>
+          <a:p>
+            <a:r>
+              <a:rPr lang="en-US" sz="1400" b="1" dirty="0">
+                <a:solidFill>
+                  <a:schemeClr val="bg1"/>
+                </a:solidFill>
+                <a:latin typeface="Comic Sans MS" panose="030F0702030302020204" pitchFamily="66" charset="0"/>
+              </a:rPr>
+              <a:t>Language Model</a:t>
+            </a:r>
+            <a:endParaRPr lang="en-AU" sz="1400" b="1" dirty="0">
+              <a:solidFill>
+                <a:schemeClr val="bg1"/>
+              </a:solidFill>
+              <a:latin typeface="Comic Sans MS" panose="030F0702030302020204" pitchFamily="66" charset="0"/>
+            </a:endParaRPr>
+          </a:p>
+        </p:txBody>
+      </p:sp>
+      <p:sp>
+        <p:nvSpPr>
+          <p:cNvPr id="76" name="Rectangle 75">
+            <a:extLst>
+              <a:ext uri="{FF2B5EF4-FFF2-40B4-BE49-F238E27FC236}">
+                <a16:creationId xmlns:a16="http://schemas.microsoft.com/office/drawing/2014/main" id="{9FEB8F4F-9081-55B5-BE1C-BE04B7D1B5CF}"/>
+              </a:ext>
+            </a:extLst>
+          </p:cNvPr>
+          <p:cNvSpPr/>
+          <p:nvPr/>
+        </p:nvSpPr>
+        <p:spPr>
+          <a:xfrm>
+            <a:off x="1156259" y="4966068"/>
+            <a:ext cx="2157917" cy="590550"/>
+          </a:xfrm>
+          <a:prstGeom prst="rect">
+            <a:avLst/>
+          </a:prstGeom>
+          <a:solidFill>
+            <a:schemeClr val="tx2">
+              <a:lumMod val="90000"/>
+              <a:lumOff val="10000"/>
+            </a:schemeClr>
+          </a:solidFill>
+          <a:ln w="28575">
+            <a:solidFill>
+              <a:schemeClr val="tx2">
+                <a:lumMod val="90000"/>
+                <a:lumOff val="10000"/>
+              </a:schemeClr>
+            </a:solidFill>
+          </a:ln>
+        </p:spPr>
+        <p:style>
+          <a:lnRef idx="2">
+            <a:schemeClr val="accent1">
+              <a:shade val="15000"/>
+            </a:schemeClr>
+          </a:lnRef>
+          <a:fillRef idx="1">
+            <a:schemeClr val="accent1"/>
+          </a:fillRef>
+          <a:effectRef idx="0">
+            <a:schemeClr val="accent1"/>
+          </a:effectRef>
+          <a:fontRef idx="minor">
+            <a:schemeClr val="lt1"/>
+          </a:fontRef>
+        </p:style>
+        <p:txBody>
+          <a:bodyPr rtlCol="0" anchor="ctr"/>
+          <a:lstStyle/>
+          <a:p>
+            <a:pPr algn="ctr"/>
+            <a:r>
+              <a:rPr lang="en-US" sz="1400" b="1" dirty="0">
+                <a:solidFill>
+                  <a:schemeClr val="bg1"/>
+                </a:solidFill>
+                <a:latin typeface="Comic Sans MS" panose="030F0702030302020204" pitchFamily="66" charset="0"/>
+              </a:rPr>
+              <a:t>AI Application</a:t>
+            </a:r>
+          </a:p>
+        </p:txBody>
+      </p:sp>
+    </p:spTree>
+    <p:extLst>
+      <p:ext uri="{BB962C8B-B14F-4D97-AF65-F5344CB8AC3E}">
+        <p14:creationId xmlns:p14="http://schemas.microsoft.com/office/powerpoint/2010/main" val="3975557816"/>
+      </p:ext>
+    </p:extLst>
+  </p:cSld>
+  <p:clrMapOvr>
+    <a:masterClrMapping/>
+  </p:clrMapOvr>
+  <p:timing>
+    <p:tnLst>
+      <p:par>
+        <p:cTn id="1" dur="indefinite" restart="never" nodeType="tmRoot">
+          <p:childTnLst>
+            <p:seq concurrent="1" nextAc="seek">
+              <p:cTn id="2" dur="indefinite" nodeType="mainSeq">
+                <p:childTnLst>
+                  <p:par>
+                    <p:cTn id="3" fill="hold">
+                      <p:stCondLst>
+                        <p:cond delay="indefinite"/>
+                        <p:cond evt="onBegin" delay="0">
+                          <p:tn val="2"/>
+                        </p:cond>
+                      </p:stCondLst>
+                      <p:childTnLst>
+                        <p:par>
+                          <p:cTn id="4" fill="hold">
+                            <p:stCondLst>
+                              <p:cond delay="0"/>
+                            </p:stCondLst>
+                            <p:childTnLst>
+                              <p:par>
+                                <p:cTn id="5" presetID="10" presetClass="entr" presetSubtype="0" fill="hold" grpId="0" nodeType="withEffect">
+                                  <p:stCondLst>
+                                    <p:cond delay="50"/>
+                                  </p:stCondLst>
+                                  <p:childTnLst>
+                                    <p:set>
+                                      <p:cBhvr>
+                                        <p:cTn id="6" dur="1" fill="hold">
+                                          <p:stCondLst>
+                                            <p:cond delay="0"/>
+                                          </p:stCondLst>
+                                        </p:cTn>
+                                        <p:tgtEl>
+                                          <p:spTgt spid="15"/>
+                                        </p:tgtEl>
+                                        <p:attrNameLst>
+                                          <p:attrName>style.visibility</p:attrName>
+                                        </p:attrNameLst>
+                                      </p:cBhvr>
+                                      <p:to>
+                                        <p:strVal val="visible"/>
+                                      </p:to>
+                                    </p:set>
+                                    <p:animEffect transition="in" filter="fade">
+                                      <p:cBhvr>
+                                        <p:cTn id="7" dur="500"/>
+                                        <p:tgtEl>
+                                          <p:spTgt spid="15"/>
+                                        </p:tgtEl>
+                                      </p:cBhvr>
+                                    </p:animEffect>
+                                  </p:childTnLst>
+                                </p:cTn>
+                              </p:par>
+                              <p:par>
+                                <p:cTn id="8" presetID="42" presetClass="path" presetSubtype="0" decel="100000" fill="hold" grpId="1" nodeType="withEffect">
+                                  <p:stCondLst>
+                                    <p:cond delay="50"/>
+                                  </p:stCondLst>
+                                  <p:childTnLst>
+                                    <p:animMotion origin="layout" path="M 4.16667E-6 2.22222E-6 L 4.16667E-6 0.03541 " pathEditMode="relative" rAng="0" ptsTypes="AA">
+                                      <p:cBhvr>
+                                        <p:cTn id="9" dur="700" spd="-100000" fill="hold"/>
+                                        <p:tgtEl>
+                                          <p:spTgt spid="15"/>
+                                        </p:tgtEl>
+                                        <p:attrNameLst>
+                                          <p:attrName>ppt_x</p:attrName>
+                                          <p:attrName>ppt_y</p:attrName>
+                                        </p:attrNameLst>
+                                      </p:cBhvr>
+                                      <p:rCtr x="0" y="1759"/>
+                                    </p:animMotion>
+                                  </p:childTnLst>
+                                </p:cTn>
+                              </p:par>
+                            </p:childTnLst>
+                          </p:cTn>
+                        </p:par>
+                      </p:childTnLst>
+                    </p:cTn>
+                  </p:par>
+                </p:childTnLst>
+              </p:cTn>
+              <p:prevCondLst>
+                <p:cond evt="onPrev" delay="0">
+                  <p:tgtEl>
+                    <p:sldTgt/>
+                  </p:tgtEl>
+                </p:cond>
+              </p:prevCondLst>
+              <p:nextCondLst>
+                <p:cond evt="onNext" delay="0">
+                  <p:tgtEl>
+                    <p:sldTgt/>
+                  </p:tgtEl>
+                </p:cond>
+              </p:nextCondLst>
+            </p:seq>
+          </p:childTnLst>
+        </p:cTn>
+      </p:par>
+    </p:tnLst>
+    <p:bldLst>
+      <p:bldP spid="15" grpId="0"/>
+      <p:bldP spid="15" grpId="1"/>
+    </p:bldLst>
+  </p:timing>
 </p:sld>
 </file>
 
@@ -5716,4 +10373,319 @@
     </a:ext>
   </a:extLst>
 </a:theme>
+</file>
+
+<file path=ppt/theme/theme2.xml><?xml version="1.0" encoding="utf-8"?>
+<a:theme xmlns:a="http://schemas.openxmlformats.org/drawingml/2006/main" name="Office Theme">
+  <a:themeElements>
+    <a:clrScheme name="Office">
+      <a:dk1>
+        <a:sysClr val="windowText" lastClr="000000"/>
+      </a:dk1>
+      <a:lt1>
+        <a:sysClr val="window" lastClr="FFFFFF"/>
+      </a:lt1>
+      <a:dk2>
+        <a:srgbClr val="0E2841"/>
+      </a:dk2>
+      <a:lt2>
+        <a:srgbClr val="E8E8E8"/>
+      </a:lt2>
+      <a:accent1>
+        <a:srgbClr val="156082"/>
+      </a:accent1>
+      <a:accent2>
+        <a:srgbClr val="E97132"/>
+      </a:accent2>
+      <a:accent3>
+        <a:srgbClr val="196B24"/>
+      </a:accent3>
+      <a:accent4>
+        <a:srgbClr val="0F9ED5"/>
+      </a:accent4>
+      <a:accent5>
+        <a:srgbClr val="A02B93"/>
+      </a:accent5>
+      <a:accent6>
+        <a:srgbClr val="4EA72E"/>
+      </a:accent6>
+      <a:hlink>
+        <a:srgbClr val="467886"/>
+      </a:hlink>
+      <a:folHlink>
+        <a:srgbClr val="96607D"/>
+      </a:folHlink>
+    </a:clrScheme>
+    <a:fontScheme name="Office">
+      <a:majorFont>
+        <a:latin typeface="Aptos Display" panose="02110004020202020204"/>
+        <a:ea typeface=""/>
+        <a:cs typeface=""/>
+        <a:font script="Jpan" typeface="游ゴシック Light"/>
+        <a:font script="Hang" typeface="맑은 고딕"/>
+        <a:font script="Hans" typeface="等线 Light"/>
+        <a:font script="Hant" typeface="新細明體"/>
+        <a:font script="Arab" typeface="Times New Roman"/>
+        <a:font script="Hebr" typeface="Times New Roman"/>
+        <a:font script="Thai" typeface="Angsana New"/>
+        <a:font script="Ethi" typeface="Nyala"/>
+        <a:font script="Beng" typeface="Vrinda"/>
+        <a:font script="Gujr" typeface="Shruti"/>
+        <a:font script="Khmr" typeface="MoolBoran"/>
+        <a:font script="Knda" typeface="Tunga"/>
+        <a:font script="Guru" typeface="Raavi"/>
+        <a:font script="Cans" typeface="Euphemia"/>
+        <a:font script="Cher" typeface="Plantagenet Cherokee"/>
+        <a:font script="Yiii" typeface="Microsoft Yi Baiti"/>
+        <a:font script="Tibt" typeface="Microsoft Himalaya"/>
+        <a:font script="Thaa" typeface="MV Boli"/>
+        <a:font script="Deva" typeface="Mangal"/>
+        <a:font script="Telu" typeface="Gautami"/>
+        <a:font script="Taml" typeface="Latha"/>
+        <a:font script="Syrc" typeface="Estrangelo Edessa"/>
+        <a:font script="Orya" typeface="Kalinga"/>
+        <a:font script="Mlym" typeface="Kartika"/>
+        <a:font script="Laoo" typeface="DokChampa"/>
+        <a:font script="Sinh" typeface="Iskoola Pota"/>
+        <a:font script="Mong" typeface="Mongolian Baiti"/>
+        <a:font script="Viet" typeface="Times New Roman"/>
+        <a:font script="Uigh" typeface="Microsoft Uighur"/>
+        <a:font script="Geor" typeface="Sylfaen"/>
+        <a:font script="Armn" typeface="Arial"/>
+        <a:font script="Bugi" typeface="Leelawadee UI"/>
+        <a:font script="Bopo" typeface="Microsoft JhengHei"/>
+        <a:font script="Java" typeface="Javanese Text"/>
+        <a:font script="Lisu" typeface="Segoe UI"/>
+        <a:font script="Mymr" typeface="Myanmar Text"/>
+        <a:font script="Nkoo" typeface="Ebrima"/>
+        <a:font script="Olck" typeface="Nirmala UI"/>
+        <a:font script="Osma" typeface="Ebrima"/>
+        <a:font script="Phag" typeface="Phagspa"/>
+        <a:font script="Syrn" typeface="Estrangelo Edessa"/>
+        <a:font script="Syrj" typeface="Estrangelo Edessa"/>
+        <a:font script="Syre" typeface="Estrangelo Edessa"/>
+        <a:font script="Sora" typeface="Nirmala UI"/>
+        <a:font script="Tale" typeface="Microsoft Tai Le"/>
+        <a:font script="Talu" typeface="Microsoft New Tai Lue"/>
+        <a:font script="Tfng" typeface="Ebrima"/>
+      </a:majorFont>
+      <a:minorFont>
+        <a:latin typeface="Aptos" panose="02110004020202020204"/>
+        <a:ea typeface=""/>
+        <a:cs typeface=""/>
+        <a:font script="Jpan" typeface="游ゴシック"/>
+        <a:font script="Hang" typeface="맑은 고딕"/>
+        <a:font script="Hans" typeface="等线"/>
+        <a:font script="Hant" typeface="新細明體"/>
+        <a:font script="Arab" typeface="Arial"/>
+        <a:font script="Hebr" typeface="Arial"/>
+        <a:font script="Thai" typeface="Cordia New"/>
+        <a:font script="Ethi" typeface="Nyala"/>
+        <a:font script="Beng" typeface="Vrinda"/>
+        <a:font script="Gujr" typeface="Shruti"/>
+        <a:font script="Khmr" typeface="DaunPenh"/>
+        <a:font script="Knda" typeface="Tunga"/>
+        <a:font script="Guru" typeface="Raavi"/>
+        <a:font script="Cans" typeface="Euphemia"/>
+        <a:font script="Cher" typeface="Plantagenet Cherokee"/>
+        <a:font script="Yiii" typeface="Microsoft Yi Baiti"/>
+        <a:font script="Tibt" typeface="Microsoft Himalaya"/>
+        <a:font script="Thaa" typeface="MV Boli"/>
+        <a:font script="Deva" typeface="Mangal"/>
+        <a:font script="Telu" typeface="Gautami"/>
+        <a:font script="Taml" typeface="Latha"/>
+        <a:font script="Syrc" typeface="Estrangelo Edessa"/>
+        <a:font script="Orya" typeface="Kalinga"/>
+        <a:font script="Mlym" typeface="Kartika"/>
+        <a:font script="Laoo" typeface="DokChampa"/>
+        <a:font script="Sinh" typeface="Iskoola Pota"/>
+        <a:font script="Mong" typeface="Mongolian Baiti"/>
+        <a:font script="Viet" typeface="Arial"/>
+        <a:font script="Uigh" typeface="Microsoft Uighur"/>
+        <a:font script="Geor" typeface="Sylfaen"/>
+        <a:font script="Armn" typeface="Arial"/>
+        <a:font script="Bugi" typeface="Leelawadee UI"/>
+        <a:font script="Bopo" typeface="Microsoft JhengHei"/>
+        <a:font script="Java" typeface="Javanese Text"/>
+        <a:font script="Lisu" typeface="Segoe UI"/>
+        <a:font script="Mymr" typeface="Myanmar Text"/>
+        <a:font script="Nkoo" typeface="Ebrima"/>
+        <a:font script="Olck" typeface="Nirmala UI"/>
+        <a:font script="Osma" typeface="Ebrima"/>
+        <a:font script="Phag" typeface="Phagspa"/>
+        <a:font script="Syrn" typeface="Estrangelo Edessa"/>
+        <a:font script="Syrj" typeface="Estrangelo Edessa"/>
+        <a:font script="Syre" typeface="Estrangelo Edessa"/>
+        <a:font script="Sora" typeface="Nirmala UI"/>
+        <a:font script="Tale" typeface="Microsoft Tai Le"/>
+        <a:font script="Talu" typeface="Microsoft New Tai Lue"/>
+        <a:font script="Tfng" typeface="Ebrima"/>
+      </a:minorFont>
+    </a:fontScheme>
+    <a:fmtScheme name="Office">
+      <a:fillStyleLst>
+        <a:solidFill>
+          <a:schemeClr val="phClr"/>
+        </a:solidFill>
+        <a:gradFill rotWithShape="1">
+          <a:gsLst>
+            <a:gs pos="0">
+              <a:schemeClr val="phClr">
+                <a:lumMod val="110000"/>
+                <a:satMod val="105000"/>
+                <a:tint val="67000"/>
+              </a:schemeClr>
+            </a:gs>
+            <a:gs pos="50000">
+              <a:schemeClr val="phClr">
+                <a:lumMod val="105000"/>
+                <a:satMod val="103000"/>
+                <a:tint val="73000"/>
+              </a:schemeClr>
+            </a:gs>
+            <a:gs pos="100000">
+              <a:schemeClr val="phClr">
+                <a:lumMod val="105000"/>
+                <a:satMod val="109000"/>
+                <a:tint val="81000"/>
+              </a:schemeClr>
+            </a:gs>
+          </a:gsLst>
+          <a:lin ang="5400000" scaled="0"/>
+        </a:gradFill>
+        <a:gradFill rotWithShape="1">
+          <a:gsLst>
+            <a:gs pos="0">
+              <a:schemeClr val="phClr">
+                <a:satMod val="103000"/>
+                <a:lumMod val="102000"/>
+                <a:tint val="94000"/>
+              </a:schemeClr>
+            </a:gs>
+            <a:gs pos="50000">
+              <a:schemeClr val="phClr">
+                <a:satMod val="110000"/>
+                <a:lumMod val="100000"/>
+                <a:shade val="100000"/>
+              </a:schemeClr>
+            </a:gs>
+            <a:gs pos="100000">
+              <a:schemeClr val="phClr">
+                <a:lumMod val="99000"/>
+                <a:satMod val="120000"/>
+                <a:shade val="78000"/>
+              </a:schemeClr>
+            </a:gs>
+          </a:gsLst>
+          <a:lin ang="5400000" scaled="0"/>
+        </a:gradFill>
+      </a:fillStyleLst>
+      <a:lnStyleLst>
+        <a:ln w="12700" cap="flat" cmpd="sng" algn="ctr">
+          <a:solidFill>
+            <a:schemeClr val="phClr"/>
+          </a:solidFill>
+          <a:prstDash val="solid"/>
+          <a:miter lim="800000"/>
+        </a:ln>
+        <a:ln w="19050" cap="flat" cmpd="sng" algn="ctr">
+          <a:solidFill>
+            <a:schemeClr val="phClr"/>
+          </a:solidFill>
+          <a:prstDash val="solid"/>
+          <a:miter lim="800000"/>
+        </a:ln>
+        <a:ln w="25400" cap="flat" cmpd="sng" algn="ctr">
+          <a:solidFill>
+            <a:schemeClr val="phClr"/>
+          </a:solidFill>
+          <a:prstDash val="solid"/>
+          <a:miter lim="800000"/>
+        </a:ln>
+      </a:lnStyleLst>
+      <a:effectStyleLst>
+        <a:effectStyle>
+          <a:effectLst/>
+        </a:effectStyle>
+        <a:effectStyle>
+          <a:effectLst/>
+        </a:effectStyle>
+        <a:effectStyle>
+          <a:effectLst>
+            <a:outerShdw blurRad="57150" dist="19050" dir="5400000" algn="ctr" rotWithShape="0">
+              <a:srgbClr val="000000">
+                <a:alpha val="63000"/>
+              </a:srgbClr>
+            </a:outerShdw>
+          </a:effectLst>
+        </a:effectStyle>
+      </a:effectStyleLst>
+      <a:bgFillStyleLst>
+        <a:solidFill>
+          <a:schemeClr val="phClr"/>
+        </a:solidFill>
+        <a:solidFill>
+          <a:schemeClr val="phClr">
+            <a:tint val="95000"/>
+            <a:satMod val="170000"/>
+          </a:schemeClr>
+        </a:solidFill>
+        <a:gradFill rotWithShape="1">
+          <a:gsLst>
+            <a:gs pos="0">
+              <a:schemeClr val="phClr">
+                <a:tint val="93000"/>
+                <a:satMod val="150000"/>
+                <a:shade val="98000"/>
+                <a:lumMod val="102000"/>
+              </a:schemeClr>
+            </a:gs>
+            <a:gs pos="50000">
+              <a:schemeClr val="phClr">
+                <a:tint val="98000"/>
+                <a:satMod val="130000"/>
+                <a:shade val="90000"/>
+                <a:lumMod val="103000"/>
+              </a:schemeClr>
+            </a:gs>
+            <a:gs pos="100000">
+              <a:schemeClr val="phClr">
+                <a:shade val="63000"/>
+                <a:satMod val="120000"/>
+              </a:schemeClr>
+            </a:gs>
+          </a:gsLst>
+          <a:lin ang="5400000" scaled="0"/>
+        </a:gradFill>
+      </a:bgFillStyleLst>
+    </a:fmtScheme>
+  </a:themeElements>
+  <a:objectDefaults>
+    <a:lnDef>
+      <a:spPr/>
+      <a:bodyPr/>
+      <a:lstStyle/>
+      <a:style>
+        <a:lnRef idx="2">
+          <a:schemeClr val="accent1"/>
+        </a:lnRef>
+        <a:fillRef idx="0">
+          <a:schemeClr val="accent1"/>
+        </a:fillRef>
+        <a:effectRef idx="1">
+          <a:schemeClr val="accent1"/>
+        </a:effectRef>
+        <a:fontRef idx="minor">
+          <a:schemeClr val="tx1"/>
+        </a:fontRef>
+      </a:style>
+    </a:lnDef>
+  </a:objectDefaults>
+  <a:extraClrSchemeLst/>
+  <a:extLst>
+    <a:ext uri="{05A4C25C-085E-4340-85A3-A5531E510DB2}">
+      <thm15:themeFamily xmlns:thm15="http://schemas.microsoft.com/office/thememl/2012/main" name="Office Theme" id="{2E142A2C-CD16-42D6-873A-C26D2A0506FA}" vid="{1BDDFF52-6CD6-40A5-AB3C-68EB2F1E4D0A}"/>
+    </a:ext>
+  </a:extLst>
+</a:theme>
 </file>
--- a/docs/slides.pptx
+++ b/docs/slides.pptx
@@ -5,7 +5,7 @@
     <p:sldMasterId id="2147483648" r:id="rId1"/>
   </p:sldMasterIdLst>
   <p:notesMasterIdLst>
-    <p:notesMasterId r:id="rId8"/>
+    <p:notesMasterId r:id="rId9"/>
   </p:notesMasterIdLst>
   <p:sldIdLst>
     <p:sldId id="256" r:id="rId2"/>
@@ -14,6 +14,7 @@
     <p:sldId id="258" r:id="rId5"/>
     <p:sldId id="259" r:id="rId6"/>
     <p:sldId id="2147483639" r:id="rId7"/>
+    <p:sldId id="2147483640" r:id="rId8"/>
   </p:sldIdLst>
   <p:sldSz cx="12192000" cy="6858000"/>
   <p:notesSz cx="6858000" cy="9144000"/>
@@ -716,7 +717,7 @@
           <a:p>
             <a:fld id="{386CE63F-9E7F-4C04-9D0D-FCA25A8E9E86}" type="datetime8">
               <a:rPr lang="en-US" smtClean="0"/>
-              <a:t>11/8/2025 1:25 PM</a:t>
+              <a:t>11/8/2025 7:11 PM</a:t>
             </a:fld>
             <a:endParaRPr lang="en-US"/>
           </a:p>
@@ -756,6 +757,301 @@
     <p:extLst>
       <p:ext uri="{BB962C8B-B14F-4D97-AF65-F5344CB8AC3E}">
         <p14:creationId xmlns:p14="http://schemas.microsoft.com/office/powerpoint/2010/main" val="717890268"/>
+      </p:ext>
+    </p:extLst>
+  </p:cSld>
+  <p:clrMapOvr>
+    <a:masterClrMapping/>
+  </p:clrMapOvr>
+</p:notes>
+</file>
+
+<file path=ppt/notesSlides/notesSlide2.xml><?xml version="1.0" encoding="utf-8"?>
+<p:notes xmlns:a="http://schemas.openxmlformats.org/drawingml/2006/main" xmlns:r="http://schemas.openxmlformats.org/officeDocument/2006/relationships" xmlns:p="http://schemas.openxmlformats.org/presentationml/2006/main">
+  <p:cSld>
+    <p:spTree>
+      <p:nvGrpSpPr>
+        <p:cNvPr id="1" name="">
+          <a:extLst>
+            <a:ext uri="{FF2B5EF4-FFF2-40B4-BE49-F238E27FC236}">
+              <a16:creationId xmlns:a16="http://schemas.microsoft.com/office/drawing/2014/main" id="{BC298624-DA6B-1B2E-2265-74E7DE35FCD2}"/>
+            </a:ext>
+          </a:extLst>
+        </p:cNvPr>
+        <p:cNvGrpSpPr/>
+        <p:nvPr/>
+      </p:nvGrpSpPr>
+      <p:grpSpPr>
+        <a:xfrm>
+          <a:off x="0" y="0"/>
+          <a:ext cx="0" cy="0"/>
+          <a:chOff x="0" y="0"/>
+          <a:chExt cx="0" cy="0"/>
+        </a:xfrm>
+      </p:grpSpPr>
+      <p:sp>
+        <p:nvSpPr>
+          <p:cNvPr id="2" name="Slide Image Placeholder 1">
+            <a:extLst>
+              <a:ext uri="{FF2B5EF4-FFF2-40B4-BE49-F238E27FC236}">
+                <a16:creationId xmlns:a16="http://schemas.microsoft.com/office/drawing/2014/main" id="{032050C3-C1E7-58AC-793A-786E6FC41031}"/>
+              </a:ext>
+            </a:extLst>
+          </p:cNvPr>
+          <p:cNvSpPr>
+            <a:spLocks noGrp="1" noRot="1" noChangeAspect="1"/>
+          </p:cNvSpPr>
+          <p:nvPr>
+            <p:ph type="sldImg"/>
+          </p:nvPr>
+        </p:nvSpPr>
+        <p:spPr/>
+        <p:txBody>
+          <a:bodyPr/>
+          <a:lstStyle/>
+          <a:p>
+            <a:endParaRPr lang="en-AU"/>
+          </a:p>
+        </p:txBody>
+      </p:sp>
+      <p:sp>
+        <p:nvSpPr>
+          <p:cNvPr id="3" name="Notes Placeholder 2">
+            <a:extLst>
+              <a:ext uri="{FF2B5EF4-FFF2-40B4-BE49-F238E27FC236}">
+                <a16:creationId xmlns:a16="http://schemas.microsoft.com/office/drawing/2014/main" id="{4E4597B7-0B95-6AC1-9F7E-3F9D4BF7FC45}"/>
+              </a:ext>
+            </a:extLst>
+          </p:cNvPr>
+          <p:cNvSpPr>
+            <a:spLocks noGrp="1"/>
+          </p:cNvSpPr>
+          <p:nvPr>
+            <p:ph type="body" idx="1"/>
+          </p:nvPr>
+        </p:nvSpPr>
+        <p:spPr/>
+        <p:txBody>
+          <a:bodyPr/>
+          <a:lstStyle/>
+          <a:p>
+            <a:r>
+              <a:rPr lang="en-US" sz="882" b="1" kern="1200" dirty="0">
+                <a:solidFill>
+                  <a:schemeClr val="tx1"/>
+                </a:solidFill>
+                <a:effectLst/>
+                <a:latin typeface="Segoe UI" panose="020B0502040204020203" pitchFamily="34" charset="0"/>
+                <a:ea typeface="+mn-ea"/>
+                <a:cs typeface="+mn-cs"/>
+              </a:rPr>
+              <a:t>### Evolution of AI Agents – How does Function Calling work?</a:t>
+            </a:r>
+            <a:endParaRPr lang="en-US" sz="882" b="0" kern="1200" dirty="0">
+              <a:solidFill>
+                <a:schemeClr val="tx1"/>
+              </a:solidFill>
+              <a:effectLst/>
+              <a:latin typeface="Segoe UI" panose="020B0502040204020203" pitchFamily="34" charset="0"/>
+              <a:ea typeface="+mn-ea"/>
+              <a:cs typeface="+mn-cs"/>
+            </a:endParaRPr>
+          </a:p>
+          <a:p>
+            <a:br>
+              <a:rPr lang="en-US" sz="882" b="0" kern="1200" dirty="0">
+                <a:solidFill>
+                  <a:schemeClr val="tx1"/>
+                </a:solidFill>
+                <a:effectLst/>
+                <a:latin typeface="Segoe UI" panose="020B0502040204020203" pitchFamily="34" charset="0"/>
+                <a:ea typeface="+mn-ea"/>
+                <a:cs typeface="+mn-cs"/>
+              </a:rPr>
+            </a:br>
+            <a:r>
+              <a:rPr lang="en-US" sz="882" b="0" kern="1200" dirty="0">
+                <a:solidFill>
+                  <a:schemeClr val="tx1"/>
+                </a:solidFill>
+                <a:effectLst/>
+                <a:latin typeface="Segoe UI" panose="020B0502040204020203" pitchFamily="34" charset="0"/>
+                <a:ea typeface="+mn-ea"/>
+                <a:cs typeface="+mn-cs"/>
+              </a:rPr>
+              <a:t>Some models support function calling. The way this works is that you can define a set of functions that the model can call. These functions have specific parameters that the model needs to fill in based on the context of the conversation. The model returns a structured output that includes the function name and the parameters required for the function call. If the parameters are not available in the context, the model will continue the conversation to ask the user for the required information.</a:t>
+            </a:r>
+          </a:p>
+          <a:p>
+            <a:br>
+              <a:rPr lang="en-US" sz="882" b="0" kern="1200" dirty="0">
+                <a:solidFill>
+                  <a:schemeClr val="tx1"/>
+                </a:solidFill>
+                <a:effectLst/>
+                <a:latin typeface="Segoe UI" panose="020B0502040204020203" pitchFamily="34" charset="0"/>
+                <a:ea typeface="+mn-ea"/>
+                <a:cs typeface="+mn-cs"/>
+              </a:rPr>
+            </a:br>
+            <a:r>
+              <a:rPr lang="en-US" sz="882" b="0" kern="1200" dirty="0">
+                <a:solidFill>
+                  <a:schemeClr val="tx1"/>
+                </a:solidFill>
+                <a:effectLst/>
+                <a:latin typeface="Segoe UI" panose="020B0502040204020203" pitchFamily="34" charset="0"/>
+                <a:ea typeface="+mn-ea"/>
+                <a:cs typeface="+mn-cs"/>
+              </a:rPr>
+              <a:t>Your host application will respond to the function call by executing the function and returning the result to the model.  This cycle continues until the model has all the information it needs to generate a final response.</a:t>
+            </a:r>
+          </a:p>
+          <a:p>
+            <a:endParaRPr lang="en-US" sz="882" b="0" kern="1200" dirty="0">
+              <a:solidFill>
+                <a:schemeClr val="tx1"/>
+              </a:solidFill>
+              <a:effectLst/>
+              <a:latin typeface="Segoe UI" panose="020B0502040204020203" pitchFamily="34" charset="0"/>
+              <a:ea typeface="+mn-ea"/>
+              <a:cs typeface="+mn-cs"/>
+            </a:endParaRPr>
+          </a:p>
+        </p:txBody>
+      </p:sp>
+      <p:sp>
+        <p:nvSpPr>
+          <p:cNvPr id="4" name="Header Placeholder 3">
+            <a:extLst>
+              <a:ext uri="{FF2B5EF4-FFF2-40B4-BE49-F238E27FC236}">
+                <a16:creationId xmlns:a16="http://schemas.microsoft.com/office/drawing/2014/main" id="{AE5E5892-5C63-870D-0158-39243630453F}"/>
+              </a:ext>
+            </a:extLst>
+          </p:cNvPr>
+          <p:cNvSpPr>
+            <a:spLocks noGrp="1"/>
+          </p:cNvSpPr>
+          <p:nvPr>
+            <p:ph type="hdr" sz="quarter"/>
+          </p:nvPr>
+        </p:nvSpPr>
+        <p:spPr/>
+        <p:txBody>
+          <a:bodyPr/>
+          <a:lstStyle/>
+          <a:p>
+            <a:endParaRPr lang="en-US"/>
+          </a:p>
+        </p:txBody>
+      </p:sp>
+      <p:sp>
+        <p:nvSpPr>
+          <p:cNvPr id="5" name="Footer Placeholder 4">
+            <a:extLst>
+              <a:ext uri="{FF2B5EF4-FFF2-40B4-BE49-F238E27FC236}">
+                <a16:creationId xmlns:a16="http://schemas.microsoft.com/office/drawing/2014/main" id="{71E87257-92A5-8F77-9161-C6703D150099}"/>
+              </a:ext>
+            </a:extLst>
+          </p:cNvPr>
+          <p:cNvSpPr>
+            <a:spLocks noGrp="1"/>
+          </p:cNvSpPr>
+          <p:nvPr>
+            <p:ph type="ftr" sz="quarter" idx="4"/>
+          </p:nvPr>
+        </p:nvSpPr>
+        <p:spPr/>
+        <p:txBody>
+          <a:bodyPr/>
+          <a:lstStyle/>
+          <a:p>
+            <a:pPr defTabSz="914099" eaLnBrk="0" hangingPunct="0"/>
+            <a:r>
+              <a:rPr lang="en-US" sz="400">
+                <a:gradFill>
+                  <a:gsLst>
+                    <a:gs pos="0">
+                      <a:prstClr val="black"/>
+                    </a:gs>
+                    <a:gs pos="100000">
+                      <a:prstClr val="black"/>
+                    </a:gs>
+                  </a:gsLst>
+                  <a:lin ang="5400000" scaled="0"/>
+                </a:gradFill>
+                <a:latin typeface="Segoe UI" pitchFamily="34" charset="0"/>
+                <a:ea typeface="Segoe UI" pitchFamily="34" charset="0"/>
+                <a:cs typeface="Segoe UI" pitchFamily="34" charset="0"/>
+              </a:rPr>
+              <a:t>© Microsoft Corporation. All rights reserved. MICROSOFT MAKES NO WARRANTIES, EXPRESS, IMPLIED OR STATUTORY, AS TO THE INFORMATION IN THIS PRESENTATION.</a:t>
+            </a:r>
+          </a:p>
+        </p:txBody>
+      </p:sp>
+      <p:sp>
+        <p:nvSpPr>
+          <p:cNvPr id="6" name="Date Placeholder 5">
+            <a:extLst>
+              <a:ext uri="{FF2B5EF4-FFF2-40B4-BE49-F238E27FC236}">
+                <a16:creationId xmlns:a16="http://schemas.microsoft.com/office/drawing/2014/main" id="{6278DCE2-59DF-A0D1-2610-C856C2C93C90}"/>
+              </a:ext>
+            </a:extLst>
+          </p:cNvPr>
+          <p:cNvSpPr>
+            <a:spLocks noGrp="1"/>
+          </p:cNvSpPr>
+          <p:nvPr>
+            <p:ph type="dt" idx="1"/>
+          </p:nvPr>
+        </p:nvSpPr>
+        <p:spPr/>
+        <p:txBody>
+          <a:bodyPr/>
+          <a:lstStyle/>
+          <a:p>
+            <a:fld id="{386CE63F-9E7F-4C04-9D0D-FCA25A8E9E86}" type="datetime8">
+              <a:rPr lang="en-US" smtClean="0"/>
+              <a:t>11/8/2025 7:32 PM</a:t>
+            </a:fld>
+            <a:endParaRPr lang="en-US"/>
+          </a:p>
+        </p:txBody>
+      </p:sp>
+      <p:sp>
+        <p:nvSpPr>
+          <p:cNvPr id="7" name="Slide Number Placeholder 6">
+            <a:extLst>
+              <a:ext uri="{FF2B5EF4-FFF2-40B4-BE49-F238E27FC236}">
+                <a16:creationId xmlns:a16="http://schemas.microsoft.com/office/drawing/2014/main" id="{29FEC882-E80A-A329-B77A-F2B28D30B7F5}"/>
+              </a:ext>
+            </a:extLst>
+          </p:cNvPr>
+          <p:cNvSpPr>
+            <a:spLocks noGrp="1"/>
+          </p:cNvSpPr>
+          <p:nvPr>
+            <p:ph type="sldNum" sz="quarter" idx="5"/>
+          </p:nvPr>
+        </p:nvSpPr>
+        <p:spPr/>
+        <p:txBody>
+          <a:bodyPr/>
+          <a:lstStyle/>
+          <a:p>
+            <a:fld id="{B4008EB6-D09E-4580-8CD6-DDB14511944F}" type="slidenum">
+              <a:rPr lang="en-US" smtClean="0"/>
+              <a:pPr/>
+              <a:t>7</a:t>
+            </a:fld>
+            <a:endParaRPr lang="en-US"/>
+          </a:p>
+        </p:txBody>
+      </p:sp>
+    </p:spTree>
+    <p:extLst>
+      <p:ext uri="{BB962C8B-B14F-4D97-AF65-F5344CB8AC3E}">
+        <p14:creationId xmlns:p14="http://schemas.microsoft.com/office/powerpoint/2010/main" val="1760569026"/>
       </p:ext>
     </p:extLst>
   </p:cSld>
@@ -8603,6 +8899,7 @@
                 <a:solidFill>
                   <a:schemeClr val="tx1"/>
                 </a:solidFill>
+                <a:latin typeface="Comic Sans MS" panose="030F0702030302020204" pitchFamily="66" charset="0"/>
               </a:rPr>
               <a:t>How does Function Calling work ?</a:t>
             </a:r>
@@ -8610,7 +8907,7 @@
               <a:solidFill>
                 <a:srgbClr val="8CADC6"/>
               </a:solidFill>
-              <a:latin typeface="Segoe UI Semibold"/>
+              <a:latin typeface="Comic Sans MS" panose="030F0702030302020204" pitchFamily="66" charset="0"/>
               <a:cs typeface="Segoe UI Semibold"/>
             </a:endParaRPr>
           </a:p>
@@ -8813,7 +9110,7 @@
         <p:spPr>
           <a:xfrm>
             <a:off x="4766263" y="3086582"/>
-            <a:ext cx="578685" cy="169277"/>
+            <a:ext cx="586699" cy="169277"/>
           </a:xfrm>
           <a:prstGeom prst="rect">
             <a:avLst/>
@@ -8828,10 +9125,14 @@
           <a:p>
             <a:pPr algn="l"/>
             <a:r>
-              <a:rPr lang="en-US" sz="1100" b="1" dirty="0"/>
+              <a:rPr lang="en-US" sz="1100" b="1" dirty="0">
+                <a:latin typeface="Comic Sans MS" panose="030F0702030302020204" pitchFamily="66" charset="0"/>
+              </a:rPr>
               <a:t>Tool Call</a:t>
             </a:r>
-            <a:endParaRPr lang="en-AU" sz="1100" b="1" dirty="0" err="1"/>
+            <a:endParaRPr lang="en-AU" sz="1100" b="1" dirty="0" err="1">
+              <a:latin typeface="Comic Sans MS" panose="030F0702030302020204" pitchFamily="66" charset="0"/>
+            </a:endParaRPr>
           </a:p>
         </p:txBody>
       </p:sp>
@@ -8850,7 +9151,7 @@
         <p:spPr>
           <a:xfrm>
             <a:off x="1381584" y="2714647"/>
-            <a:ext cx="1878719" cy="169277"/>
+            <a:ext cx="1925207" cy="169277"/>
           </a:xfrm>
           <a:prstGeom prst="rect">
             <a:avLst/>
@@ -8865,10 +9166,14 @@
           <a:p>
             <a:pPr algn="l"/>
             <a:r>
-              <a:rPr lang="en-US" sz="1100" b="1" dirty="0"/>
+              <a:rPr lang="en-US" sz="1100" b="1" dirty="0">
+                <a:latin typeface="Comic Sans MS" panose="030F0702030302020204" pitchFamily="66" charset="0"/>
+              </a:rPr>
               <a:t>Messages + Tool Definitions</a:t>
             </a:r>
-            <a:endParaRPr lang="en-AU" sz="1100" b="1" dirty="0" err="1"/>
+            <a:endParaRPr lang="en-AU" sz="1100" b="1" dirty="0" err="1">
+              <a:latin typeface="Comic Sans MS" panose="030F0702030302020204" pitchFamily="66" charset="0"/>
+            </a:endParaRPr>
           </a:p>
         </p:txBody>
       </p:sp>
@@ -9016,7 +9321,7 @@
         <p:spPr>
           <a:xfrm>
             <a:off x="5400471" y="4996375"/>
-            <a:ext cx="1506823" cy="169277"/>
+            <a:ext cx="1542089" cy="169277"/>
           </a:xfrm>
           <a:prstGeom prst="rect">
             <a:avLst/>
@@ -9031,10 +9336,14 @@
           <a:p>
             <a:pPr algn="l"/>
             <a:r>
-              <a:rPr lang="en-US" sz="1100" b="1" dirty="0"/>
+              <a:rPr lang="en-US" sz="1100" b="1" dirty="0">
+                <a:latin typeface="Comic Sans MS" panose="030F0702030302020204" pitchFamily="66" charset="0"/>
+              </a:rPr>
               <a:t>Execute Function Code</a:t>
             </a:r>
-            <a:endParaRPr lang="en-AU" sz="1100" b="1" dirty="0" err="1"/>
+            <a:endParaRPr lang="en-AU" sz="1100" b="1" dirty="0" err="1">
+              <a:latin typeface="Comic Sans MS" panose="030F0702030302020204" pitchFamily="66" charset="0"/>
+            </a:endParaRPr>
           </a:p>
         </p:txBody>
       </p:sp>
@@ -9322,7 +9631,7 @@
         <p:spPr>
           <a:xfrm>
             <a:off x="7635640" y="2746318"/>
-            <a:ext cx="472886" cy="169277"/>
+            <a:ext cx="484107" cy="169277"/>
           </a:xfrm>
           <a:prstGeom prst="rect">
             <a:avLst/>
@@ -9337,10 +9646,14 @@
           <a:p>
             <a:pPr algn="l"/>
             <a:r>
-              <a:rPr lang="en-US" sz="1100" b="1" dirty="0"/>
+              <a:rPr lang="en-US" sz="1100" b="1" dirty="0">
+                <a:latin typeface="Comic Sans MS" panose="030F0702030302020204" pitchFamily="66" charset="0"/>
+              </a:rPr>
               <a:t>Results</a:t>
             </a:r>
-            <a:endParaRPr lang="en-AU" sz="1100" b="1" dirty="0" err="1"/>
+            <a:endParaRPr lang="en-AU" sz="1100" b="1" dirty="0" err="1">
+              <a:latin typeface="Comic Sans MS" panose="030F0702030302020204" pitchFamily="66" charset="0"/>
+            </a:endParaRPr>
           </a:p>
         </p:txBody>
       </p:sp>
@@ -9500,7 +9813,9 @@
           <a:lstStyle/>
           <a:p>
             <a:pPr algn="ctr"/>
-            <a:endParaRPr lang="en-AU"/>
+            <a:endParaRPr lang="en-AU">
+              <a:latin typeface="Comic Sans MS" panose="030F0702030302020204" pitchFamily="66" charset="0"/>
+            </a:endParaRPr>
           </a:p>
         </p:txBody>
       </p:sp>
@@ -9549,7 +9864,9 @@
           <a:lstStyle/>
           <a:p>
             <a:pPr algn="ctr"/>
-            <a:endParaRPr lang="en-AU"/>
+            <a:endParaRPr lang="en-AU">
+              <a:latin typeface="Comic Sans MS" panose="030F0702030302020204" pitchFamily="66" charset="0"/>
+            </a:endParaRPr>
           </a:p>
         </p:txBody>
       </p:sp>
@@ -9598,7 +9915,9 @@
           <a:lstStyle/>
           <a:p>
             <a:pPr algn="ctr"/>
-            <a:endParaRPr lang="en-AU"/>
+            <a:endParaRPr lang="en-AU">
+              <a:latin typeface="Comic Sans MS" panose="030F0702030302020204" pitchFamily="66" charset="0"/>
+            </a:endParaRPr>
           </a:p>
         </p:txBody>
       </p:sp>
@@ -9741,7 +10060,9 @@
           <a:lstStyle/>
           <a:p>
             <a:pPr algn="ctr"/>
-            <a:endParaRPr lang="en-AU"/>
+            <a:endParaRPr lang="en-AU">
+              <a:latin typeface="Comic Sans MS" panose="030F0702030302020204" pitchFamily="66" charset="0"/>
+            </a:endParaRPr>
           </a:p>
         </p:txBody>
       </p:sp>
@@ -9790,7 +10111,9 @@
           <a:lstStyle/>
           <a:p>
             <a:pPr algn="ctr"/>
-            <a:endParaRPr lang="en-AU"/>
+            <a:endParaRPr lang="en-AU">
+              <a:latin typeface="Comic Sans MS" panose="030F0702030302020204" pitchFamily="66" charset="0"/>
+            </a:endParaRPr>
           </a:p>
         </p:txBody>
       </p:sp>
@@ -10057,6 +10380,1028 @@
       <p:bldP spid="15" grpId="1"/>
     </p:bldLst>
   </p:timing>
+</p:sld>
+</file>
+
+<file path=ppt/slides/slide7.xml><?xml version="1.0" encoding="utf-8"?>
+<p:sld xmlns:a="http://schemas.openxmlformats.org/drawingml/2006/main" xmlns:r="http://schemas.openxmlformats.org/officeDocument/2006/relationships" xmlns:p="http://schemas.openxmlformats.org/presentationml/2006/main">
+  <p:cSld>
+    <p:spTree>
+      <p:nvGrpSpPr>
+        <p:cNvPr id="1" name="">
+          <a:extLst>
+            <a:ext uri="{FF2B5EF4-FFF2-40B4-BE49-F238E27FC236}">
+              <a16:creationId xmlns:a16="http://schemas.microsoft.com/office/drawing/2014/main" id="{67AF2B5E-EDB1-AB28-5471-FB3F1329C7F1}"/>
+            </a:ext>
+          </a:extLst>
+        </p:cNvPr>
+        <p:cNvGrpSpPr/>
+        <p:nvPr/>
+      </p:nvGrpSpPr>
+      <p:grpSpPr>
+        <a:xfrm>
+          <a:off x="0" y="0"/>
+          <a:ext cx="0" cy="0"/>
+          <a:chOff x="0" y="0"/>
+          <a:chExt cx="0" cy="0"/>
+        </a:xfrm>
+      </p:grpSpPr>
+      <p:sp>
+        <p:nvSpPr>
+          <p:cNvPr id="26" name="Rectangle 25">
+            <a:extLst>
+              <a:ext uri="{FF2B5EF4-FFF2-40B4-BE49-F238E27FC236}">
+                <a16:creationId xmlns:a16="http://schemas.microsoft.com/office/drawing/2014/main" id="{A6265B4B-E9A5-17CA-A523-24CAFCC4E028}"/>
+              </a:ext>
+            </a:extLst>
+          </p:cNvPr>
+          <p:cNvSpPr/>
+          <p:nvPr/>
+        </p:nvSpPr>
+        <p:spPr>
+          <a:xfrm>
+            <a:off x="1088985" y="3122881"/>
+            <a:ext cx="1411710" cy="350603"/>
+          </a:xfrm>
+          <a:prstGeom prst="rect">
+            <a:avLst/>
+          </a:prstGeom>
+          <a:solidFill>
+            <a:schemeClr val="bg1"/>
+          </a:solidFill>
+          <a:ln w="28575">
+            <a:solidFill>
+              <a:schemeClr val="tx1"/>
+            </a:solidFill>
+          </a:ln>
+        </p:spPr>
+        <p:style>
+          <a:lnRef idx="2">
+            <a:schemeClr val="accent1">
+              <a:shade val="15000"/>
+            </a:schemeClr>
+          </a:lnRef>
+          <a:fillRef idx="1">
+            <a:schemeClr val="accent1"/>
+          </a:fillRef>
+          <a:effectRef idx="0">
+            <a:schemeClr val="accent1"/>
+          </a:effectRef>
+          <a:fontRef idx="minor">
+            <a:schemeClr val="lt1"/>
+          </a:fontRef>
+        </p:style>
+        <p:txBody>
+          <a:bodyPr rtlCol="0" anchor="ctr"/>
+          <a:lstStyle/>
+          <a:p>
+            <a:endParaRPr lang="en-AU" sz="1400" dirty="0">
+              <a:solidFill>
+                <a:schemeClr val="tx1"/>
+              </a:solidFill>
+              <a:latin typeface="Comic Sans MS" panose="030F0702030302020204" pitchFamily="66" charset="0"/>
+            </a:endParaRPr>
+          </a:p>
+        </p:txBody>
+      </p:sp>
+      <p:sp>
+        <p:nvSpPr>
+          <p:cNvPr id="7" name="Rectangle 6">
+            <a:extLst>
+              <a:ext uri="{FF2B5EF4-FFF2-40B4-BE49-F238E27FC236}">
+                <a16:creationId xmlns:a16="http://schemas.microsoft.com/office/drawing/2014/main" id="{DAA1B368-1D3C-FE61-A4F3-B1C31ED8CA0C}"/>
+              </a:ext>
+            </a:extLst>
+          </p:cNvPr>
+          <p:cNvSpPr/>
+          <p:nvPr/>
+        </p:nvSpPr>
+        <p:spPr>
+          <a:xfrm>
+            <a:off x="1227306" y="2989109"/>
+            <a:ext cx="1467334" cy="386162"/>
+          </a:xfrm>
+          <a:prstGeom prst="rect">
+            <a:avLst/>
+          </a:prstGeom>
+          <a:solidFill>
+            <a:schemeClr val="bg1"/>
+          </a:solidFill>
+          <a:ln w="28575">
+            <a:solidFill>
+              <a:schemeClr val="tx1"/>
+            </a:solidFill>
+          </a:ln>
+        </p:spPr>
+        <p:style>
+          <a:lnRef idx="2">
+            <a:schemeClr val="accent1">
+              <a:shade val="15000"/>
+            </a:schemeClr>
+          </a:lnRef>
+          <a:fillRef idx="1">
+            <a:schemeClr val="accent1"/>
+          </a:fillRef>
+          <a:effectRef idx="0">
+            <a:schemeClr val="accent1"/>
+          </a:effectRef>
+          <a:fontRef idx="minor">
+            <a:schemeClr val="lt1"/>
+          </a:fontRef>
+        </p:style>
+        <p:txBody>
+          <a:bodyPr rtlCol="0" anchor="ctr"/>
+          <a:lstStyle/>
+          <a:p>
+            <a:endParaRPr lang="en-AU" sz="1400" dirty="0">
+              <a:solidFill>
+                <a:schemeClr val="tx1"/>
+              </a:solidFill>
+              <a:latin typeface="Comic Sans MS" panose="030F0702030302020204" pitchFamily="66" charset="0"/>
+            </a:endParaRPr>
+          </a:p>
+        </p:txBody>
+      </p:sp>
+      <p:sp>
+        <p:nvSpPr>
+          <p:cNvPr id="3" name="Rectangle 2">
+            <a:extLst>
+              <a:ext uri="{FF2B5EF4-FFF2-40B4-BE49-F238E27FC236}">
+                <a16:creationId xmlns:a16="http://schemas.microsoft.com/office/drawing/2014/main" id="{DB732965-290B-2C95-95F3-B29740B6CF8D}"/>
+              </a:ext>
+            </a:extLst>
+          </p:cNvPr>
+          <p:cNvSpPr/>
+          <p:nvPr/>
+        </p:nvSpPr>
+        <p:spPr>
+          <a:xfrm>
+            <a:off x="3544824" y="2533893"/>
+            <a:ext cx="1961002" cy="1868843"/>
+          </a:xfrm>
+          <a:prstGeom prst="rect">
+            <a:avLst/>
+          </a:prstGeom>
+          <a:solidFill>
+            <a:schemeClr val="bg1"/>
+          </a:solidFill>
+          <a:ln w="9525">
+            <a:solidFill>
+              <a:schemeClr val="tx1"/>
+            </a:solidFill>
+            <a:prstDash val="dash"/>
+          </a:ln>
+        </p:spPr>
+        <p:style>
+          <a:lnRef idx="2">
+            <a:schemeClr val="accent1">
+              <a:shade val="15000"/>
+            </a:schemeClr>
+          </a:lnRef>
+          <a:fillRef idx="1">
+            <a:schemeClr val="accent1"/>
+          </a:fillRef>
+          <a:effectRef idx="0">
+            <a:schemeClr val="accent1"/>
+          </a:effectRef>
+          <a:fontRef idx="minor">
+            <a:schemeClr val="lt1"/>
+          </a:fontRef>
+        </p:style>
+        <p:txBody>
+          <a:bodyPr rtlCol="0" anchor="ctr"/>
+          <a:lstStyle/>
+          <a:p>
+            <a:endParaRPr lang="en-AU" sz="1200" dirty="0">
+              <a:solidFill>
+                <a:schemeClr val="tx1"/>
+              </a:solidFill>
+              <a:latin typeface="Comic Sans MS" panose="030F0702030302020204" pitchFamily="66" charset="0"/>
+            </a:endParaRPr>
+          </a:p>
+        </p:txBody>
+      </p:sp>
+      <p:sp>
+        <p:nvSpPr>
+          <p:cNvPr id="4" name="Rectangle 3">
+            <a:extLst>
+              <a:ext uri="{FF2B5EF4-FFF2-40B4-BE49-F238E27FC236}">
+                <a16:creationId xmlns:a16="http://schemas.microsoft.com/office/drawing/2014/main" id="{E9839318-40B8-EB7F-1387-A872C29A0ECB}"/>
+              </a:ext>
+            </a:extLst>
+          </p:cNvPr>
+          <p:cNvSpPr/>
+          <p:nvPr/>
+        </p:nvSpPr>
+        <p:spPr>
+          <a:xfrm>
+            <a:off x="3715618" y="2671178"/>
+            <a:ext cx="1651887" cy="386161"/>
+          </a:xfrm>
+          <a:prstGeom prst="rect">
+            <a:avLst/>
+          </a:prstGeom>
+          <a:solidFill>
+            <a:schemeClr val="bg1"/>
+          </a:solidFill>
+          <a:ln w="28575">
+            <a:solidFill>
+              <a:schemeClr val="tx1"/>
+            </a:solidFill>
+          </a:ln>
+        </p:spPr>
+        <p:style>
+          <a:lnRef idx="2">
+            <a:schemeClr val="accent1">
+              <a:shade val="15000"/>
+            </a:schemeClr>
+          </a:lnRef>
+          <a:fillRef idx="1">
+            <a:schemeClr val="accent1"/>
+          </a:fillRef>
+          <a:effectRef idx="0">
+            <a:schemeClr val="accent1"/>
+          </a:effectRef>
+          <a:fontRef idx="minor">
+            <a:schemeClr val="lt1"/>
+          </a:fontRef>
+        </p:style>
+        <p:txBody>
+          <a:bodyPr rtlCol="0" anchor="ctr"/>
+          <a:lstStyle/>
+          <a:p>
+            <a:r>
+              <a:rPr lang="en-US" sz="1200" dirty="0">
+                <a:solidFill>
+                  <a:schemeClr val="tx1"/>
+                </a:solidFill>
+                <a:latin typeface="Comic Sans MS" panose="030F0702030302020204" pitchFamily="66" charset="0"/>
+              </a:rPr>
+              <a:t>System Instructions</a:t>
+            </a:r>
+            <a:endParaRPr lang="en-AU" sz="1200" dirty="0">
+              <a:solidFill>
+                <a:schemeClr val="tx1"/>
+              </a:solidFill>
+              <a:latin typeface="Comic Sans MS" panose="030F0702030302020204" pitchFamily="66" charset="0"/>
+            </a:endParaRPr>
+          </a:p>
+        </p:txBody>
+      </p:sp>
+      <p:sp>
+        <p:nvSpPr>
+          <p:cNvPr id="5" name="Rectangle 4">
+            <a:extLst>
+              <a:ext uri="{FF2B5EF4-FFF2-40B4-BE49-F238E27FC236}">
+                <a16:creationId xmlns:a16="http://schemas.microsoft.com/office/drawing/2014/main" id="{FE3E7387-75E1-45F5-5430-834DF067138C}"/>
+              </a:ext>
+            </a:extLst>
+          </p:cNvPr>
+          <p:cNvSpPr/>
+          <p:nvPr/>
+        </p:nvSpPr>
+        <p:spPr>
+          <a:xfrm>
+            <a:off x="1334538" y="2864258"/>
+            <a:ext cx="1467334" cy="386162"/>
+          </a:xfrm>
+          <a:prstGeom prst="rect">
+            <a:avLst/>
+          </a:prstGeom>
+          <a:solidFill>
+            <a:schemeClr val="bg1"/>
+          </a:solidFill>
+          <a:ln w="28575">
+            <a:solidFill>
+              <a:schemeClr val="tx1"/>
+            </a:solidFill>
+          </a:ln>
+        </p:spPr>
+        <p:style>
+          <a:lnRef idx="2">
+            <a:schemeClr val="accent1">
+              <a:shade val="15000"/>
+            </a:schemeClr>
+          </a:lnRef>
+          <a:fillRef idx="1">
+            <a:schemeClr val="accent1"/>
+          </a:fillRef>
+          <a:effectRef idx="0">
+            <a:schemeClr val="accent1"/>
+          </a:effectRef>
+          <a:fontRef idx="minor">
+            <a:schemeClr val="lt1"/>
+          </a:fontRef>
+        </p:style>
+        <p:txBody>
+          <a:bodyPr rtlCol="0" anchor="ctr"/>
+          <a:lstStyle/>
+          <a:p>
+            <a:r>
+              <a:rPr lang="en-US" sz="1200" dirty="0">
+                <a:solidFill>
+                  <a:schemeClr val="tx1"/>
+                </a:solidFill>
+                <a:latin typeface="Comic Sans MS" panose="030F0702030302020204" pitchFamily="66" charset="0"/>
+              </a:rPr>
+              <a:t>Customer Reviews</a:t>
+            </a:r>
+            <a:endParaRPr lang="en-AU" sz="1200" dirty="0">
+              <a:solidFill>
+                <a:schemeClr val="tx1"/>
+              </a:solidFill>
+              <a:latin typeface="Comic Sans MS" panose="030F0702030302020204" pitchFamily="66" charset="0"/>
+            </a:endParaRPr>
+          </a:p>
+        </p:txBody>
+      </p:sp>
+      <p:sp>
+        <p:nvSpPr>
+          <p:cNvPr id="11" name="Rectangle 10">
+            <a:extLst>
+              <a:ext uri="{FF2B5EF4-FFF2-40B4-BE49-F238E27FC236}">
+                <a16:creationId xmlns:a16="http://schemas.microsoft.com/office/drawing/2014/main" id="{4DACEAE4-7F78-A32D-4DC7-E66C042C9850}"/>
+              </a:ext>
+            </a:extLst>
+          </p:cNvPr>
+          <p:cNvSpPr/>
+          <p:nvPr/>
+        </p:nvSpPr>
+        <p:spPr>
+          <a:xfrm>
+            <a:off x="3698518" y="3168209"/>
+            <a:ext cx="1668987" cy="386161"/>
+          </a:xfrm>
+          <a:prstGeom prst="rect">
+            <a:avLst/>
+          </a:prstGeom>
+          <a:solidFill>
+            <a:schemeClr val="bg1"/>
+          </a:solidFill>
+          <a:ln w="28575">
+            <a:solidFill>
+              <a:schemeClr val="tx1"/>
+            </a:solidFill>
+          </a:ln>
+        </p:spPr>
+        <p:style>
+          <a:lnRef idx="2">
+            <a:schemeClr val="accent1">
+              <a:shade val="15000"/>
+            </a:schemeClr>
+          </a:lnRef>
+          <a:fillRef idx="1">
+            <a:schemeClr val="accent1"/>
+          </a:fillRef>
+          <a:effectRef idx="0">
+            <a:schemeClr val="accent1"/>
+          </a:effectRef>
+          <a:fontRef idx="minor">
+            <a:schemeClr val="lt1"/>
+          </a:fontRef>
+        </p:style>
+        <p:txBody>
+          <a:bodyPr rtlCol="0" anchor="ctr"/>
+          <a:lstStyle/>
+          <a:p>
+            <a:r>
+              <a:rPr lang="en-US" sz="1200" dirty="0">
+                <a:solidFill>
+                  <a:schemeClr val="tx1"/>
+                </a:solidFill>
+                <a:latin typeface="Comic Sans MS" panose="030F0702030302020204" pitchFamily="66" charset="0"/>
+              </a:rPr>
+              <a:t>Language Model</a:t>
+            </a:r>
+            <a:endParaRPr lang="en-AU" sz="1200" dirty="0">
+              <a:solidFill>
+                <a:schemeClr val="tx1"/>
+              </a:solidFill>
+              <a:latin typeface="Comic Sans MS" panose="030F0702030302020204" pitchFamily="66" charset="0"/>
+            </a:endParaRPr>
+          </a:p>
+        </p:txBody>
+      </p:sp>
+      <p:sp>
+        <p:nvSpPr>
+          <p:cNvPr id="12" name="Rectangle 11">
+            <a:extLst>
+              <a:ext uri="{FF2B5EF4-FFF2-40B4-BE49-F238E27FC236}">
+                <a16:creationId xmlns:a16="http://schemas.microsoft.com/office/drawing/2014/main" id="{23FC97D0-C310-F922-2AB1-D662A97C92E7}"/>
+              </a:ext>
+            </a:extLst>
+          </p:cNvPr>
+          <p:cNvSpPr/>
+          <p:nvPr/>
+        </p:nvSpPr>
+        <p:spPr>
+          <a:xfrm>
+            <a:off x="3698518" y="3642688"/>
+            <a:ext cx="1668987" cy="386161"/>
+          </a:xfrm>
+          <a:prstGeom prst="rect">
+            <a:avLst/>
+          </a:prstGeom>
+          <a:solidFill>
+            <a:schemeClr val="bg1"/>
+          </a:solidFill>
+          <a:ln w="28575">
+            <a:solidFill>
+              <a:schemeClr val="tx1"/>
+            </a:solidFill>
+          </a:ln>
+        </p:spPr>
+        <p:style>
+          <a:lnRef idx="2">
+            <a:schemeClr val="accent1">
+              <a:shade val="15000"/>
+            </a:schemeClr>
+          </a:lnRef>
+          <a:fillRef idx="1">
+            <a:schemeClr val="accent1"/>
+          </a:fillRef>
+          <a:effectRef idx="0">
+            <a:schemeClr val="accent1"/>
+          </a:effectRef>
+          <a:fontRef idx="minor">
+            <a:schemeClr val="lt1"/>
+          </a:fontRef>
+        </p:style>
+        <p:txBody>
+          <a:bodyPr rtlCol="0" anchor="ctr"/>
+          <a:lstStyle/>
+          <a:p>
+            <a:r>
+              <a:rPr lang="en-US" sz="1200" dirty="0">
+                <a:solidFill>
+                  <a:schemeClr val="tx1"/>
+                </a:solidFill>
+                <a:latin typeface="Comic Sans MS" panose="030F0702030302020204" pitchFamily="66" charset="0"/>
+              </a:rPr>
+              <a:t>Tools</a:t>
+            </a:r>
+            <a:endParaRPr lang="en-AU" sz="1200" dirty="0">
+              <a:solidFill>
+                <a:schemeClr val="tx1"/>
+              </a:solidFill>
+              <a:latin typeface="Comic Sans MS" panose="030F0702030302020204" pitchFamily="66" charset="0"/>
+            </a:endParaRPr>
+          </a:p>
+        </p:txBody>
+      </p:sp>
+      <p:cxnSp>
+        <p:nvCxnSpPr>
+          <p:cNvPr id="17" name="Straight Arrow Connector 16">
+            <a:extLst>
+              <a:ext uri="{FF2B5EF4-FFF2-40B4-BE49-F238E27FC236}">
+                <a16:creationId xmlns:a16="http://schemas.microsoft.com/office/drawing/2014/main" id="{1AD91A05-3D7A-0CCB-E41B-635B66211EBF}"/>
+              </a:ext>
+            </a:extLst>
+          </p:cNvPr>
+          <p:cNvCxnSpPr>
+            <a:cxnSpLocks/>
+          </p:cNvCxnSpPr>
+          <p:nvPr/>
+        </p:nvCxnSpPr>
+        <p:spPr>
+          <a:xfrm flipV="1">
+            <a:off x="2898648" y="3245749"/>
+            <a:ext cx="549400" cy="4671"/>
+          </a:xfrm>
+          <a:prstGeom prst="straightConnector1">
+            <a:avLst/>
+          </a:prstGeom>
+          <a:ln w="57150">
+            <a:solidFill>
+              <a:schemeClr val="tx1"/>
+            </a:solidFill>
+            <a:headEnd type="none" w="lg" len="med"/>
+            <a:tailEnd type="triangle"/>
+          </a:ln>
+        </p:spPr>
+        <p:style>
+          <a:lnRef idx="1">
+            <a:schemeClr val="accent1"/>
+          </a:lnRef>
+          <a:fillRef idx="0">
+            <a:schemeClr val="accent1"/>
+          </a:fillRef>
+          <a:effectRef idx="0">
+            <a:schemeClr val="accent1"/>
+          </a:effectRef>
+          <a:fontRef idx="minor">
+            <a:schemeClr val="tx1"/>
+          </a:fontRef>
+        </p:style>
+      </p:cxnSp>
+      <p:sp>
+        <p:nvSpPr>
+          <p:cNvPr id="23" name="Rectangle 22">
+            <a:extLst>
+              <a:ext uri="{FF2B5EF4-FFF2-40B4-BE49-F238E27FC236}">
+                <a16:creationId xmlns:a16="http://schemas.microsoft.com/office/drawing/2014/main" id="{B438958E-44A3-6CCA-9F25-F7A9FFA9743F}"/>
+              </a:ext>
+            </a:extLst>
+          </p:cNvPr>
+          <p:cNvSpPr/>
+          <p:nvPr/>
+        </p:nvSpPr>
+        <p:spPr>
+          <a:xfrm>
+            <a:off x="3544824" y="1828800"/>
+            <a:ext cx="1961002" cy="592608"/>
+          </a:xfrm>
+          <a:prstGeom prst="rect">
+            <a:avLst/>
+          </a:prstGeom>
+          <a:solidFill>
+            <a:schemeClr val="tx2">
+              <a:lumMod val="90000"/>
+              <a:lumOff val="10000"/>
+            </a:schemeClr>
+          </a:solidFill>
+          <a:ln w="28575">
+            <a:solidFill>
+              <a:schemeClr val="tx2">
+                <a:lumMod val="90000"/>
+                <a:lumOff val="10000"/>
+              </a:schemeClr>
+            </a:solidFill>
+          </a:ln>
+        </p:spPr>
+        <p:style>
+          <a:lnRef idx="2">
+            <a:schemeClr val="accent1">
+              <a:shade val="15000"/>
+            </a:schemeClr>
+          </a:lnRef>
+          <a:fillRef idx="1">
+            <a:schemeClr val="accent1"/>
+          </a:fillRef>
+          <a:effectRef idx="0">
+            <a:schemeClr val="accent1"/>
+          </a:effectRef>
+          <a:fontRef idx="minor">
+            <a:schemeClr val="lt1"/>
+          </a:fontRef>
+        </p:style>
+        <p:txBody>
+          <a:bodyPr rtlCol="0" anchor="ctr"/>
+          <a:lstStyle/>
+          <a:p>
+            <a:pPr algn="ctr"/>
+            <a:r>
+              <a:rPr lang="en-AU" sz="1200" b="1" dirty="0">
+                <a:latin typeface="Comic Sans MS" panose="030F0702030302020204" pitchFamily="66" charset="0"/>
+              </a:rPr>
+              <a:t>AGENT : Customer Review Analyzer</a:t>
+            </a:r>
+            <a:endParaRPr lang="en-AU" sz="1200" dirty="0">
+              <a:latin typeface="Comic Sans MS" panose="030F0702030302020204" pitchFamily="66" charset="0"/>
+            </a:endParaRPr>
+          </a:p>
+        </p:txBody>
+      </p:sp>
+      <p:sp>
+        <p:nvSpPr>
+          <p:cNvPr id="41" name="Rectangle 40">
+            <a:extLst>
+              <a:ext uri="{FF2B5EF4-FFF2-40B4-BE49-F238E27FC236}">
+                <a16:creationId xmlns:a16="http://schemas.microsoft.com/office/drawing/2014/main" id="{EC0C23DA-3000-445E-1D82-287D5B97F95C}"/>
+              </a:ext>
+            </a:extLst>
+          </p:cNvPr>
+          <p:cNvSpPr/>
+          <p:nvPr/>
+        </p:nvSpPr>
+        <p:spPr>
+          <a:xfrm>
+            <a:off x="4172712" y="4194750"/>
+            <a:ext cx="1844040" cy="592608"/>
+          </a:xfrm>
+          <a:prstGeom prst="rect">
+            <a:avLst/>
+          </a:prstGeom>
+          <a:solidFill>
+            <a:schemeClr val="bg1"/>
+          </a:solidFill>
+          <a:ln w="28575">
+            <a:solidFill>
+              <a:schemeClr val="tx2">
+                <a:lumMod val="90000"/>
+                <a:lumOff val="10000"/>
+              </a:schemeClr>
+            </a:solidFill>
+          </a:ln>
+        </p:spPr>
+        <p:style>
+          <a:lnRef idx="2">
+            <a:schemeClr val="accent1">
+              <a:shade val="15000"/>
+            </a:schemeClr>
+          </a:lnRef>
+          <a:fillRef idx="1">
+            <a:schemeClr val="accent1"/>
+          </a:fillRef>
+          <a:effectRef idx="0">
+            <a:schemeClr val="accent1"/>
+          </a:effectRef>
+          <a:fontRef idx="minor">
+            <a:schemeClr val="lt1"/>
+          </a:fontRef>
+        </p:style>
+        <p:txBody>
+          <a:bodyPr rtlCol="0" anchor="ctr"/>
+          <a:lstStyle/>
+          <a:p>
+            <a:pPr algn="ctr"/>
+            <a:r>
+              <a:rPr lang="en-AU" sz="1400" b="1" dirty="0">
+                <a:solidFill>
+                  <a:schemeClr val="tx2">
+                    <a:lumMod val="75000"/>
+                    <a:lumOff val="25000"/>
+                  </a:schemeClr>
+                </a:solidFill>
+                <a:latin typeface="Comic Sans MS" panose="030F0702030302020204" pitchFamily="66" charset="0"/>
+              </a:rPr>
+              <a:t>Microsoft Agent Framework</a:t>
+            </a:r>
+            <a:endParaRPr lang="en-AU" sz="1400" dirty="0">
+              <a:solidFill>
+                <a:schemeClr val="tx2">
+                  <a:lumMod val="75000"/>
+                  <a:lumOff val="25000"/>
+                </a:schemeClr>
+              </a:solidFill>
+              <a:latin typeface="Comic Sans MS" panose="030F0702030302020204" pitchFamily="66" charset="0"/>
+            </a:endParaRPr>
+          </a:p>
+        </p:txBody>
+      </p:sp>
+      <p:cxnSp>
+        <p:nvCxnSpPr>
+          <p:cNvPr id="43" name="Straight Arrow Connector 42">
+            <a:extLst>
+              <a:ext uri="{FF2B5EF4-FFF2-40B4-BE49-F238E27FC236}">
+                <a16:creationId xmlns:a16="http://schemas.microsoft.com/office/drawing/2014/main" id="{3C16A710-3ACD-D2F7-74E0-7726DBF3E792}"/>
+              </a:ext>
+            </a:extLst>
+          </p:cNvPr>
+          <p:cNvCxnSpPr>
+            <a:cxnSpLocks/>
+          </p:cNvCxnSpPr>
+          <p:nvPr/>
+        </p:nvCxnSpPr>
+        <p:spPr>
+          <a:xfrm flipV="1">
+            <a:off x="5602602" y="3191256"/>
+            <a:ext cx="549400" cy="4671"/>
+          </a:xfrm>
+          <a:prstGeom prst="straightConnector1">
+            <a:avLst/>
+          </a:prstGeom>
+          <a:ln w="57150">
+            <a:solidFill>
+              <a:schemeClr val="tx1"/>
+            </a:solidFill>
+            <a:headEnd type="none" w="lg" len="med"/>
+            <a:tailEnd type="triangle"/>
+          </a:ln>
+        </p:spPr>
+        <p:style>
+          <a:lnRef idx="1">
+            <a:schemeClr val="accent1"/>
+          </a:lnRef>
+          <a:fillRef idx="0">
+            <a:schemeClr val="accent1"/>
+          </a:fillRef>
+          <a:effectRef idx="0">
+            <a:schemeClr val="accent1"/>
+          </a:effectRef>
+          <a:fontRef idx="minor">
+            <a:schemeClr val="tx1"/>
+          </a:fontRef>
+        </p:style>
+      </p:cxnSp>
+      <p:pic>
+        <p:nvPicPr>
+          <p:cNvPr id="45" name="Picture 44">
+            <a:extLst>
+              <a:ext uri="{FF2B5EF4-FFF2-40B4-BE49-F238E27FC236}">
+                <a16:creationId xmlns:a16="http://schemas.microsoft.com/office/drawing/2014/main" id="{0E4055DA-C867-5198-B5D1-27B08E1267A3}"/>
+              </a:ext>
+            </a:extLst>
+          </p:cNvPr>
+          <p:cNvPicPr>
+            <a:picLocks noChangeAspect="1"/>
+          </p:cNvPicPr>
+          <p:nvPr/>
+        </p:nvPicPr>
+        <p:blipFill>
+          <a:blip r:embed="rId3"/>
+          <a:stretch>
+            <a:fillRect/>
+          </a:stretch>
+        </p:blipFill>
+        <p:spPr>
+          <a:xfrm>
+            <a:off x="8923006" y="2744073"/>
+            <a:ext cx="476274" cy="501676"/>
+          </a:xfrm>
+          <a:prstGeom prst="rect">
+            <a:avLst/>
+          </a:prstGeom>
+        </p:spPr>
+      </p:pic>
+      <p:sp>
+        <p:nvSpPr>
+          <p:cNvPr id="47" name="TextBox 46">
+            <a:extLst>
+              <a:ext uri="{FF2B5EF4-FFF2-40B4-BE49-F238E27FC236}">
+                <a16:creationId xmlns:a16="http://schemas.microsoft.com/office/drawing/2014/main" id="{A592543D-44AC-EF29-C3A3-83504B62696D}"/>
+              </a:ext>
+            </a:extLst>
+          </p:cNvPr>
+          <p:cNvSpPr txBox="1"/>
+          <p:nvPr/>
+        </p:nvSpPr>
+        <p:spPr>
+          <a:xfrm>
+            <a:off x="9019328" y="3375271"/>
+            <a:ext cx="1745615" cy="461665"/>
+          </a:xfrm>
+          <a:prstGeom prst="rect">
+            <a:avLst/>
+          </a:prstGeom>
+          <a:noFill/>
+        </p:spPr>
+        <p:txBody>
+          <a:bodyPr wrap="square">
+            <a:spAutoFit/>
+          </a:bodyPr>
+          <a:lstStyle/>
+          <a:p>
+            <a:r>
+              <a:rPr lang="en-US" sz="1200" dirty="0">
+                <a:latin typeface="Comic Sans MS" panose="030F0702030302020204" pitchFamily="66" charset="0"/>
+              </a:rPr>
+              <a:t>Analytics &amp; </a:t>
+            </a:r>
+          </a:p>
+          <a:p>
+            <a:r>
+              <a:rPr lang="en-US" sz="1200" dirty="0">
+                <a:latin typeface="Comic Sans MS" panose="030F0702030302020204" pitchFamily="66" charset="0"/>
+              </a:rPr>
+              <a:t>Reporting</a:t>
+            </a:r>
+          </a:p>
+        </p:txBody>
+      </p:sp>
+      <p:sp>
+        <p:nvSpPr>
+          <p:cNvPr id="48" name="Rectangle 47">
+            <a:extLst>
+              <a:ext uri="{FF2B5EF4-FFF2-40B4-BE49-F238E27FC236}">
+                <a16:creationId xmlns:a16="http://schemas.microsoft.com/office/drawing/2014/main" id="{1680C37F-C28E-6A72-2633-7993A43B2C93}"/>
+              </a:ext>
+            </a:extLst>
+          </p:cNvPr>
+          <p:cNvSpPr/>
+          <p:nvPr/>
+        </p:nvSpPr>
+        <p:spPr>
+          <a:xfrm>
+            <a:off x="6219052" y="2607339"/>
+            <a:ext cx="1862355" cy="1112397"/>
+          </a:xfrm>
+          <a:prstGeom prst="rect">
+            <a:avLst/>
+          </a:prstGeom>
+          <a:solidFill>
+            <a:schemeClr val="bg1"/>
+          </a:solidFill>
+          <a:ln w="9525">
+            <a:solidFill>
+              <a:schemeClr val="tx2">
+                <a:lumMod val="90000"/>
+                <a:lumOff val="10000"/>
+              </a:schemeClr>
+            </a:solidFill>
+          </a:ln>
+        </p:spPr>
+        <p:style>
+          <a:lnRef idx="2">
+            <a:schemeClr val="accent1">
+              <a:shade val="15000"/>
+            </a:schemeClr>
+          </a:lnRef>
+          <a:fillRef idx="1">
+            <a:schemeClr val="accent1"/>
+          </a:fillRef>
+          <a:effectRef idx="0">
+            <a:schemeClr val="accent1"/>
+          </a:effectRef>
+          <a:fontRef idx="minor">
+            <a:schemeClr val="lt1"/>
+          </a:fontRef>
+        </p:style>
+        <p:txBody>
+          <a:bodyPr rtlCol="0" anchor="ctr"/>
+          <a:lstStyle/>
+          <a:p>
+            <a:r>
+              <a:rPr lang="en-AU" sz="1100" b="1" dirty="0">
+                <a:solidFill>
+                  <a:schemeClr val="tx1"/>
+                </a:solidFill>
+                <a:latin typeface="Comic Sans MS" panose="030F0702030302020204" pitchFamily="66" charset="0"/>
+              </a:rPr>
+              <a:t>{</a:t>
+            </a:r>
+            <a:br>
+              <a:rPr lang="en-AU" sz="1100" b="1" dirty="0">
+                <a:solidFill>
+                  <a:schemeClr val="tx1"/>
+                </a:solidFill>
+                <a:latin typeface="Comic Sans MS" panose="030F0702030302020204" pitchFamily="66" charset="0"/>
+              </a:rPr>
+            </a:br>
+            <a:r>
+              <a:rPr lang="en-AU" sz="1100" b="1" dirty="0">
+                <a:solidFill>
+                  <a:schemeClr val="tx1"/>
+                </a:solidFill>
+                <a:latin typeface="Comic Sans MS" panose="030F0702030302020204" pitchFamily="66" charset="0"/>
+              </a:rPr>
+              <a:t>  “sentiment”: “positive”</a:t>
+            </a:r>
+            <a:br>
+              <a:rPr lang="en-AU" sz="1100" b="1" dirty="0">
+                <a:solidFill>
+                  <a:schemeClr val="tx1"/>
+                </a:solidFill>
+                <a:latin typeface="Comic Sans MS" panose="030F0702030302020204" pitchFamily="66" charset="0"/>
+              </a:rPr>
+            </a:br>
+            <a:r>
+              <a:rPr lang="en-AU" sz="1100" b="1" dirty="0">
+                <a:solidFill>
+                  <a:schemeClr val="tx1"/>
+                </a:solidFill>
+                <a:latin typeface="Comic Sans MS" panose="030F0702030302020204" pitchFamily="66" charset="0"/>
+              </a:rPr>
+              <a:t>   ...</a:t>
+            </a:r>
+            <a:br>
+              <a:rPr lang="en-AU" sz="1100" b="1" dirty="0">
+                <a:solidFill>
+                  <a:schemeClr val="tx1"/>
+                </a:solidFill>
+                <a:latin typeface="Comic Sans MS" panose="030F0702030302020204" pitchFamily="66" charset="0"/>
+              </a:rPr>
+            </a:br>
+            <a:r>
+              <a:rPr lang="en-AU" sz="1100" b="1" dirty="0">
+                <a:solidFill>
+                  <a:schemeClr val="tx1"/>
+                </a:solidFill>
+                <a:latin typeface="Comic Sans MS" panose="030F0702030302020204" pitchFamily="66" charset="0"/>
+              </a:rPr>
+              <a:t>}</a:t>
+            </a:r>
+            <a:endParaRPr lang="en-AU" sz="1100" dirty="0">
+              <a:solidFill>
+                <a:schemeClr val="tx1"/>
+              </a:solidFill>
+              <a:latin typeface="Comic Sans MS" panose="030F0702030302020204" pitchFamily="66" charset="0"/>
+            </a:endParaRPr>
+          </a:p>
+        </p:txBody>
+      </p:sp>
+      <p:cxnSp>
+        <p:nvCxnSpPr>
+          <p:cNvPr id="49" name="Straight Arrow Connector 48">
+            <a:extLst>
+              <a:ext uri="{FF2B5EF4-FFF2-40B4-BE49-F238E27FC236}">
+                <a16:creationId xmlns:a16="http://schemas.microsoft.com/office/drawing/2014/main" id="{D25CC946-A820-8AA2-95B6-CBF7531CB327}"/>
+              </a:ext>
+            </a:extLst>
+          </p:cNvPr>
+          <p:cNvCxnSpPr>
+            <a:cxnSpLocks/>
+          </p:cNvCxnSpPr>
+          <p:nvPr/>
+        </p:nvCxnSpPr>
+        <p:spPr>
+          <a:xfrm flipV="1">
+            <a:off x="8159032" y="3163538"/>
+            <a:ext cx="549400" cy="4671"/>
+          </a:xfrm>
+          <a:prstGeom prst="straightConnector1">
+            <a:avLst/>
+          </a:prstGeom>
+          <a:ln w="57150">
+            <a:solidFill>
+              <a:schemeClr val="tx1"/>
+            </a:solidFill>
+            <a:headEnd type="none" w="lg" len="med"/>
+            <a:tailEnd type="triangle"/>
+          </a:ln>
+        </p:spPr>
+        <p:style>
+          <a:lnRef idx="1">
+            <a:schemeClr val="accent1"/>
+          </a:lnRef>
+          <a:fillRef idx="0">
+            <a:schemeClr val="accent1"/>
+          </a:fillRef>
+          <a:effectRef idx="0">
+            <a:schemeClr val="accent1"/>
+          </a:effectRef>
+          <a:fontRef idx="minor">
+            <a:schemeClr val="tx1"/>
+          </a:fontRef>
+        </p:style>
+      </p:cxnSp>
+      <p:sp>
+        <p:nvSpPr>
+          <p:cNvPr id="50" name="TextBox 49">
+            <a:extLst>
+              <a:ext uri="{FF2B5EF4-FFF2-40B4-BE49-F238E27FC236}">
+                <a16:creationId xmlns:a16="http://schemas.microsoft.com/office/drawing/2014/main" id="{0078DDD7-3D3E-6D40-2C43-C6A8B8782472}"/>
+              </a:ext>
+            </a:extLst>
+          </p:cNvPr>
+          <p:cNvSpPr txBox="1"/>
+          <p:nvPr/>
+        </p:nvSpPr>
+        <p:spPr>
+          <a:xfrm>
+            <a:off x="6152002" y="2256894"/>
+            <a:ext cx="2154511" cy="276999"/>
+          </a:xfrm>
+          <a:prstGeom prst="rect">
+            <a:avLst/>
+          </a:prstGeom>
+          <a:noFill/>
+        </p:spPr>
+        <p:txBody>
+          <a:bodyPr wrap="square">
+            <a:spAutoFit/>
+          </a:bodyPr>
+          <a:lstStyle/>
+          <a:p>
+            <a:r>
+              <a:rPr lang="en-US" sz="1200" b="1" dirty="0">
+                <a:latin typeface="Comic Sans MS" panose="030F0702030302020204" pitchFamily="66" charset="0"/>
+              </a:rPr>
+              <a:t>Structured JSON Output</a:t>
+            </a:r>
+          </a:p>
+        </p:txBody>
+      </p:sp>
+      <p:pic>
+        <p:nvPicPr>
+          <p:cNvPr id="61" name="Picture 60">
+            <a:extLst>
+              <a:ext uri="{FF2B5EF4-FFF2-40B4-BE49-F238E27FC236}">
+                <a16:creationId xmlns:a16="http://schemas.microsoft.com/office/drawing/2014/main" id="{CFF66038-657B-C3D4-28D7-FEBE5BE7304E}"/>
+              </a:ext>
+            </a:extLst>
+          </p:cNvPr>
+          <p:cNvPicPr>
+            <a:picLocks noChangeAspect="1"/>
+          </p:cNvPicPr>
+          <p:nvPr/>
+        </p:nvPicPr>
+        <p:blipFill>
+          <a:blip r:embed="rId4"/>
+          <a:stretch>
+            <a:fillRect/>
+          </a:stretch>
+        </p:blipFill>
+        <p:spPr>
+          <a:xfrm>
+            <a:off x="9550031" y="2711589"/>
+            <a:ext cx="476274" cy="572240"/>
+          </a:xfrm>
+          <a:prstGeom prst="rect">
+            <a:avLst/>
+          </a:prstGeom>
+        </p:spPr>
+      </p:pic>
+    </p:spTree>
+    <p:extLst>
+      <p:ext uri="{BB962C8B-B14F-4D97-AF65-F5344CB8AC3E}">
+        <p14:creationId xmlns:p14="http://schemas.microsoft.com/office/powerpoint/2010/main" val="352692102"/>
+      </p:ext>
+    </p:extLst>
+  </p:cSld>
+  <p:clrMapOvr>
+    <a:masterClrMapping/>
+  </p:clrMapOvr>
 </p:sld>
 </file>
 
